--- a/Webdesign Die wichtigsten Begriffe.pptx
+++ b/Webdesign Die wichtigsten Begriffe.pptx
@@ -2,7 +2,7 @@
 <file path=ppt/presentation.xml><?xml version="1.0" encoding="utf-8"?>
 <p:presentation xmlns:a="http://schemas.openxmlformats.org/drawingml/2006/main" xmlns:r="http://schemas.openxmlformats.org/officeDocument/2006/relationships" xmlns:p="http://schemas.openxmlformats.org/presentationml/2006/main" saveSubsetFonts="1">
   <p:sldMasterIdLst>
-    <p:sldMasterId id="2147483672" r:id="rId1"/>
+    <p:sldMasterId id="2147483696" r:id="rId1"/>
   </p:sldMasterIdLst>
   <p:sldIdLst>
     <p:sldId id="256" r:id="rId2"/>
@@ -17,13 +17,13 @@
     <p:sldId id="265" r:id="rId11"/>
     <p:sldId id="266" r:id="rId12"/>
   </p:sldIdLst>
-  <p:sldSz cx="9144000" cy="6858000" type="screen4x3"/>
+  <p:sldSz cx="12192000" cy="6858000"/>
   <p:notesSz cx="6858000" cy="9144000"/>
   <p:defaultTextStyle>
     <a:defPPr>
-      <a:defRPr lang="de-DE"/>
+      <a:defRPr lang="en-US"/>
     </a:defPPr>
-    <a:lvl1pPr marL="0" algn="l" defTabSz="914400" rtl="0" eaLnBrk="1" latinLnBrk="0" hangingPunct="1">
+    <a:lvl1pPr marL="0" algn="l" defTabSz="457200" rtl="0" eaLnBrk="1" latinLnBrk="0" hangingPunct="1">
       <a:defRPr sz="1800" kern="1200">
         <a:solidFill>
           <a:schemeClr val="tx1"/>
@@ -33,7 +33,7 @@
         <a:cs typeface="+mn-cs"/>
       </a:defRPr>
     </a:lvl1pPr>
-    <a:lvl2pPr marL="457200" algn="l" defTabSz="914400" rtl="0" eaLnBrk="1" latinLnBrk="0" hangingPunct="1">
+    <a:lvl2pPr marL="457200" algn="l" defTabSz="457200" rtl="0" eaLnBrk="1" latinLnBrk="0" hangingPunct="1">
       <a:defRPr sz="1800" kern="1200">
         <a:solidFill>
           <a:schemeClr val="tx1"/>
@@ -43,7 +43,7 @@
         <a:cs typeface="+mn-cs"/>
       </a:defRPr>
     </a:lvl2pPr>
-    <a:lvl3pPr marL="914400" algn="l" defTabSz="914400" rtl="0" eaLnBrk="1" latinLnBrk="0" hangingPunct="1">
+    <a:lvl3pPr marL="914400" algn="l" defTabSz="457200" rtl="0" eaLnBrk="1" latinLnBrk="0" hangingPunct="1">
       <a:defRPr sz="1800" kern="1200">
         <a:solidFill>
           <a:schemeClr val="tx1"/>
@@ -53,7 +53,7 @@
         <a:cs typeface="+mn-cs"/>
       </a:defRPr>
     </a:lvl3pPr>
-    <a:lvl4pPr marL="1371600" algn="l" defTabSz="914400" rtl="0" eaLnBrk="1" latinLnBrk="0" hangingPunct="1">
+    <a:lvl4pPr marL="1371600" algn="l" defTabSz="457200" rtl="0" eaLnBrk="1" latinLnBrk="0" hangingPunct="1">
       <a:defRPr sz="1800" kern="1200">
         <a:solidFill>
           <a:schemeClr val="tx1"/>
@@ -63,7 +63,7 @@
         <a:cs typeface="+mn-cs"/>
       </a:defRPr>
     </a:lvl4pPr>
-    <a:lvl5pPr marL="1828800" algn="l" defTabSz="914400" rtl="0" eaLnBrk="1" latinLnBrk="0" hangingPunct="1">
+    <a:lvl5pPr marL="1828800" algn="l" defTabSz="457200" rtl="0" eaLnBrk="1" latinLnBrk="0" hangingPunct="1">
       <a:defRPr sz="1800" kern="1200">
         <a:solidFill>
           <a:schemeClr val="tx1"/>
@@ -73,7 +73,7 @@
         <a:cs typeface="+mn-cs"/>
       </a:defRPr>
     </a:lvl5pPr>
-    <a:lvl6pPr marL="2286000" algn="l" defTabSz="914400" rtl="0" eaLnBrk="1" latinLnBrk="0" hangingPunct="1">
+    <a:lvl6pPr marL="2286000" algn="l" defTabSz="457200" rtl="0" eaLnBrk="1" latinLnBrk="0" hangingPunct="1">
       <a:defRPr sz="1800" kern="1200">
         <a:solidFill>
           <a:schemeClr val="tx1"/>
@@ -83,7 +83,7 @@
         <a:cs typeface="+mn-cs"/>
       </a:defRPr>
     </a:lvl6pPr>
-    <a:lvl7pPr marL="2743200" algn="l" defTabSz="914400" rtl="0" eaLnBrk="1" latinLnBrk="0" hangingPunct="1">
+    <a:lvl7pPr marL="2743200" algn="l" defTabSz="457200" rtl="0" eaLnBrk="1" latinLnBrk="0" hangingPunct="1">
       <a:defRPr sz="1800" kern="1200">
         <a:solidFill>
           <a:schemeClr val="tx1"/>
@@ -93,7 +93,7 @@
         <a:cs typeface="+mn-cs"/>
       </a:defRPr>
     </a:lvl7pPr>
-    <a:lvl8pPr marL="3200400" algn="l" defTabSz="914400" rtl="0" eaLnBrk="1" latinLnBrk="0" hangingPunct="1">
+    <a:lvl8pPr marL="3200400" algn="l" defTabSz="457200" rtl="0" eaLnBrk="1" latinLnBrk="0" hangingPunct="1">
       <a:defRPr sz="1800" kern="1200">
         <a:solidFill>
           <a:schemeClr val="tx1"/>
@@ -103,7 +103,7 @@
         <a:cs typeface="+mn-cs"/>
       </a:defRPr>
     </a:lvl8pPr>
-    <a:lvl9pPr marL="3657600" algn="l" defTabSz="914400" rtl="0" eaLnBrk="1" latinLnBrk="0" hangingPunct="1">
+    <a:lvl9pPr marL="3657600" algn="l" defTabSz="457200" rtl="0" eaLnBrk="1" latinLnBrk="0" hangingPunct="1">
       <a:defRPr sz="1800" kern="1200">
         <a:solidFill>
           <a:schemeClr val="tx1"/>
@@ -114,11 +114,31 @@
       </a:defRPr>
     </a:lvl9pPr>
   </p:defaultTextStyle>
+  <p:extLst>
+    <p:ext uri="{EFAFB233-063F-42B5-8137-9DF3F51BA10A}">
+      <p15:sldGuideLst xmlns:p15="http://schemas.microsoft.com/office/powerpoint/2012/main">
+        <p15:guide id="1" orient="horz" pos="2160" userDrawn="1">
+          <p15:clr>
+            <a:srgbClr val="A4A3A4"/>
+          </p15:clr>
+        </p15:guide>
+        <p15:guide id="2" pos="3840" userDrawn="1">
+          <p15:clr>
+            <a:srgbClr val="A4A3A4"/>
+          </p15:clr>
+        </p15:guide>
+      </p15:sldGuideLst>
+    </p:ext>
+  </p:extLst>
 </p:presentation>
 </file>
 
+<file path=ppt/revisionInfo.xml><?xml version="1.0" encoding="utf-8"?>
+<p1510:revInfo xmlns:a="http://schemas.openxmlformats.org/drawingml/2006/main" xmlns:r="http://schemas.openxmlformats.org/officeDocument/2006/relationships" xmlns:p1510="http://schemas.microsoft.com/office/powerpoint/2015/10/main"/>
+</file>
+
 <file path=ppt/slideLayouts/slideLayout1.xml><?xml version="1.0" encoding="utf-8"?>
-<p:sldLayout xmlns:a="http://schemas.openxmlformats.org/drawingml/2006/main" xmlns:r="http://schemas.openxmlformats.org/officeDocument/2006/relationships" xmlns:p="http://schemas.openxmlformats.org/presentationml/2006/main" type="title" preserve="1">
+<p:sldLayout xmlns:a="http://schemas.openxmlformats.org/drawingml/2006/main" xmlns:r="http://schemas.openxmlformats.org/officeDocument/2006/relationships" xmlns:p="http://schemas.openxmlformats.org/presentationml/2006/main" showMasterSp="0" type="title" preserve="1">
   <p:cSld name="Titelfolie">
     <p:spTree>
       <p:nvGrpSpPr>
@@ -136,154 +156,199 @@
       </p:grpSpPr>
       <p:sp>
         <p:nvSpPr>
-          <p:cNvPr id="2" name="Titel 1"/>
-          <p:cNvSpPr>
-            <a:spLocks noGrp="1"/>
-          </p:cNvSpPr>
-          <p:nvPr>
-            <p:ph type="ctrTitle"/>
-          </p:nvPr>
+          <p:cNvPr id="7" name="Rectangle 6"/>
+          <p:cNvSpPr/>
+          <p:nvPr/>
         </p:nvSpPr>
         <p:spPr>
           <a:xfrm>
-            <a:off x="685800" y="2130425"/>
-            <a:ext cx="7772400" cy="1470025"/>
+            <a:off x="3175" y="6400800"/>
+            <a:ext cx="12188825" cy="457200"/>
+          </a:xfrm>
+          <a:prstGeom prst="rect">
+            <a:avLst/>
+          </a:prstGeom>
+          <a:solidFill>
+            <a:schemeClr val="accent2"/>
+          </a:solidFill>
+          <a:ln>
+            <a:noFill/>
+          </a:ln>
+        </p:spPr>
+        <p:style>
+          <a:lnRef idx="2">
+            <a:schemeClr val="accent1">
+              <a:shade val="50000"/>
+            </a:schemeClr>
+          </a:lnRef>
+          <a:fillRef idx="1">
+            <a:schemeClr val="accent1"/>
+          </a:fillRef>
+          <a:effectRef idx="0">
+            <a:schemeClr val="accent1"/>
+          </a:effectRef>
+          <a:fontRef idx="minor">
+            <a:schemeClr val="lt1"/>
+          </a:fontRef>
+        </p:style>
+      </p:sp>
+      <p:sp>
+        <p:nvSpPr>
+          <p:cNvPr id="8" name="Rectangle 7"/>
+          <p:cNvSpPr/>
+          <p:nvPr/>
+        </p:nvSpPr>
+        <p:spPr>
+          <a:xfrm>
+            <a:off x="15" y="6334316"/>
+            <a:ext cx="12188825" cy="64008"/>
+          </a:xfrm>
+          <a:prstGeom prst="rect">
+            <a:avLst/>
+          </a:prstGeom>
+          <a:solidFill>
+            <a:schemeClr val="accent1"/>
+          </a:solidFill>
+          <a:ln>
+            <a:noFill/>
+          </a:ln>
+        </p:spPr>
+        <p:style>
+          <a:lnRef idx="2">
+            <a:schemeClr val="accent1">
+              <a:shade val="50000"/>
+            </a:schemeClr>
+          </a:lnRef>
+          <a:fillRef idx="1">
+            <a:schemeClr val="accent1"/>
+          </a:fillRef>
+          <a:effectRef idx="0">
+            <a:schemeClr val="accent1"/>
+          </a:effectRef>
+          <a:fontRef idx="minor">
+            <a:schemeClr val="lt1"/>
+          </a:fontRef>
+        </p:style>
+      </p:sp>
+      <p:sp>
+        <p:nvSpPr>
+          <p:cNvPr id="2" name="Title 1"/>
+          <p:cNvSpPr>
+            <a:spLocks noGrp="1"/>
+          </p:cNvSpPr>
+          <p:nvPr>
+            <p:ph type="ctrTitle"/>
+          </p:nvPr>
+        </p:nvSpPr>
+        <p:spPr>
+          <a:xfrm>
+            <a:off x="1097280" y="758952"/>
+            <a:ext cx="10058400" cy="3566160"/>
           </a:xfrm>
         </p:spPr>
         <p:txBody>
-          <a:bodyPr/>
-          <a:lstStyle/>
-          <a:p>
-            <a:r>
-              <a:rPr lang="de-DE" smtClean="0"/>
-              <a:t>Titelmasterformat durch Klicken bearbeiten</a:t>
-            </a:r>
-            <a:endParaRPr lang="de-DE"/>
-          </a:p>
-        </p:txBody>
-      </p:sp>
-      <p:sp>
-        <p:nvSpPr>
-          <p:cNvPr id="3" name="Untertitel 2"/>
-          <p:cNvSpPr>
-            <a:spLocks noGrp="1"/>
-          </p:cNvSpPr>
-          <p:nvPr>
-            <p:ph type="subTitle" idx="1"/>
-          </p:nvPr>
-        </p:nvSpPr>
-        <p:spPr>
-          <a:xfrm>
-            <a:off x="1371600" y="3886200"/>
-            <a:ext cx="6400800" cy="1752600"/>
-          </a:xfrm>
-        </p:spPr>
-        <p:txBody>
-          <a:bodyPr/>
+          <a:bodyPr anchor="b">
+            <a:normAutofit/>
+          </a:bodyPr>
           <a:lstStyle>
-            <a:lvl1pPr marL="0" indent="0" algn="ctr">
-              <a:buNone/>
-              <a:defRPr>
+            <a:lvl1pPr algn="l">
+              <a:lnSpc>
+                <a:spcPct val="85000"/>
+              </a:lnSpc>
+              <a:defRPr sz="8000" spc="-50" baseline="0">
                 <a:solidFill>
                   <a:schemeClr val="tx1">
-                    <a:tint val="75000"/>
+                    <a:lumMod val="85000"/>
+                    <a:lumOff val="15000"/>
                   </a:schemeClr>
                 </a:solidFill>
               </a:defRPr>
             </a:lvl1pPr>
+          </a:lstStyle>
+          <a:p>
+            <a:r>
+              <a:rPr lang="de-DE"/>
+              <a:t>Mastertitelformat bearbeiten</a:t>
+            </a:r>
+            <a:endParaRPr lang="en-US" dirty="0"/>
+          </a:p>
+        </p:txBody>
+      </p:sp>
+      <p:sp>
+        <p:nvSpPr>
+          <p:cNvPr id="3" name="Subtitle 2"/>
+          <p:cNvSpPr>
+            <a:spLocks noGrp="1"/>
+          </p:cNvSpPr>
+          <p:nvPr>
+            <p:ph type="subTitle" idx="1"/>
+          </p:nvPr>
+        </p:nvSpPr>
+        <p:spPr>
+          <a:xfrm>
+            <a:off x="1100051" y="4455620"/>
+            <a:ext cx="10058400" cy="1143000"/>
+          </a:xfrm>
+        </p:spPr>
+        <p:txBody>
+          <a:bodyPr lIns="91440" rIns="91440">
+            <a:normAutofit/>
+          </a:bodyPr>
+          <a:lstStyle>
+            <a:lvl1pPr marL="0" indent="0" algn="l">
+              <a:buNone/>
+              <a:defRPr sz="2400" cap="all" spc="200" baseline="0">
+                <a:solidFill>
+                  <a:schemeClr val="tx2"/>
+                </a:solidFill>
+                <a:latin typeface="+mj-lt"/>
+              </a:defRPr>
+            </a:lvl1pPr>
             <a:lvl2pPr marL="457200" indent="0" algn="ctr">
               <a:buNone/>
-              <a:defRPr>
-                <a:solidFill>
-                  <a:schemeClr val="tx1">
-                    <a:tint val="75000"/>
-                  </a:schemeClr>
-                </a:solidFill>
-              </a:defRPr>
+              <a:defRPr sz="2400"/>
             </a:lvl2pPr>
             <a:lvl3pPr marL="914400" indent="0" algn="ctr">
               <a:buNone/>
-              <a:defRPr>
-                <a:solidFill>
-                  <a:schemeClr val="tx1">
-                    <a:tint val="75000"/>
-                  </a:schemeClr>
-                </a:solidFill>
-              </a:defRPr>
+              <a:defRPr sz="2400"/>
             </a:lvl3pPr>
             <a:lvl4pPr marL="1371600" indent="0" algn="ctr">
               <a:buNone/>
-              <a:defRPr>
-                <a:solidFill>
-                  <a:schemeClr val="tx1">
-                    <a:tint val="75000"/>
-                  </a:schemeClr>
-                </a:solidFill>
-              </a:defRPr>
+              <a:defRPr sz="2000"/>
             </a:lvl4pPr>
             <a:lvl5pPr marL="1828800" indent="0" algn="ctr">
               <a:buNone/>
-              <a:defRPr>
-                <a:solidFill>
-                  <a:schemeClr val="tx1">
-                    <a:tint val="75000"/>
-                  </a:schemeClr>
-                </a:solidFill>
-              </a:defRPr>
+              <a:defRPr sz="2000"/>
             </a:lvl5pPr>
             <a:lvl6pPr marL="2286000" indent="0" algn="ctr">
               <a:buNone/>
-              <a:defRPr>
-                <a:solidFill>
-                  <a:schemeClr val="tx1">
-                    <a:tint val="75000"/>
-                  </a:schemeClr>
-                </a:solidFill>
-              </a:defRPr>
+              <a:defRPr sz="2000"/>
             </a:lvl6pPr>
             <a:lvl7pPr marL="2743200" indent="0" algn="ctr">
               <a:buNone/>
-              <a:defRPr>
-                <a:solidFill>
-                  <a:schemeClr val="tx1">
-                    <a:tint val="75000"/>
-                  </a:schemeClr>
-                </a:solidFill>
-              </a:defRPr>
+              <a:defRPr sz="2000"/>
             </a:lvl7pPr>
             <a:lvl8pPr marL="3200400" indent="0" algn="ctr">
               <a:buNone/>
-              <a:defRPr>
-                <a:solidFill>
-                  <a:schemeClr val="tx1">
-                    <a:tint val="75000"/>
-                  </a:schemeClr>
-                </a:solidFill>
-              </a:defRPr>
+              <a:defRPr sz="2000"/>
             </a:lvl8pPr>
             <a:lvl9pPr marL="3657600" indent="0" algn="ctr">
               <a:buNone/>
-              <a:defRPr>
-                <a:solidFill>
-                  <a:schemeClr val="tx1">
-                    <a:tint val="75000"/>
-                  </a:schemeClr>
-                </a:solidFill>
-              </a:defRPr>
+              <a:defRPr sz="2000"/>
             </a:lvl9pPr>
           </a:lstStyle>
           <a:p>
             <a:r>
-              <a:rPr lang="de-DE" smtClean="0"/>
-              <a:t>Formatvorlage des Untertitelmasters durch Klicken bearbeiten</a:t>
-            </a:r>
-            <a:endParaRPr lang="de-DE"/>
-          </a:p>
-        </p:txBody>
-      </p:sp>
-      <p:sp>
-        <p:nvSpPr>
-          <p:cNvPr id="4" name="Datumsplatzhalter 3"/>
+              <a:rPr lang="de-DE"/>
+              <a:t>Master-Untertitelformat bearbeiten</a:t>
+            </a:r>
+            <a:endParaRPr lang="en-US" dirty="0"/>
+          </a:p>
+        </p:txBody>
+      </p:sp>
+      <p:sp>
+        <p:nvSpPr>
+          <p:cNvPr id="4" name="Date Placeholder 3"/>
           <p:cNvSpPr>
             <a:spLocks noGrp="1"/>
           </p:cNvSpPr>
@@ -298,7 +363,7 @@
           <a:p>
             <a:fld id="{9FB63C0A-AEF3-44F7-A4BC-C837ADFBB76C}" type="datetimeFigureOut">
               <a:rPr lang="de-DE" smtClean="0"/>
-              <a:t>07.11.2017</a:t>
+              <a:t>27.11.2017</a:t>
             </a:fld>
             <a:endParaRPr lang="de-DE"/>
           </a:p>
@@ -306,7 +371,7 @@
       </p:sp>
       <p:sp>
         <p:nvSpPr>
-          <p:cNvPr id="5" name="Fußzeilenplatzhalter 4"/>
+          <p:cNvPr id="5" name="Footer Placeholder 4"/>
           <p:cNvSpPr>
             <a:spLocks noGrp="1"/>
           </p:cNvSpPr>
@@ -325,7 +390,7 @@
       </p:sp>
       <p:sp>
         <p:nvSpPr>
-          <p:cNvPr id="6" name="Foliennummernplatzhalter 5"/>
+          <p:cNvPr id="6" name="Slide Number Placeholder 5"/>
           <p:cNvSpPr>
             <a:spLocks noGrp="1"/>
           </p:cNvSpPr>
@@ -346,10 +411,48 @@
           </a:p>
         </p:txBody>
       </p:sp>
+      <p:cxnSp>
+        <p:nvCxnSpPr>
+          <p:cNvPr id="9" name="Straight Connector 8"/>
+          <p:cNvCxnSpPr/>
+          <p:nvPr/>
+        </p:nvCxnSpPr>
+        <p:spPr>
+          <a:xfrm>
+            <a:off x="1207658" y="4343400"/>
+            <a:ext cx="9875520" cy="0"/>
+          </a:xfrm>
+          <a:prstGeom prst="line">
+            <a:avLst/>
+          </a:prstGeom>
+          <a:ln w="6350">
+            <a:solidFill>
+              <a:schemeClr val="tx1">
+                <a:lumMod val="50000"/>
+                <a:lumOff val="50000"/>
+              </a:schemeClr>
+            </a:solidFill>
+          </a:ln>
+        </p:spPr>
+        <p:style>
+          <a:lnRef idx="1">
+            <a:schemeClr val="accent1"/>
+          </a:lnRef>
+          <a:fillRef idx="0">
+            <a:schemeClr val="accent1"/>
+          </a:fillRef>
+          <a:effectRef idx="0">
+            <a:schemeClr val="accent1"/>
+          </a:effectRef>
+          <a:fontRef idx="minor">
+            <a:schemeClr val="tx1"/>
+          </a:fontRef>
+        </p:style>
+      </p:cxnSp>
     </p:spTree>
     <p:extLst>
       <p:ext uri="{BB962C8B-B14F-4D97-AF65-F5344CB8AC3E}">
-        <p14:creationId xmlns:p14="http://schemas.microsoft.com/office/powerpoint/2010/main" val="3910701526"/>
+        <p14:creationId xmlns:p14="http://schemas.microsoft.com/office/powerpoint/2010/main" val="125011377"/>
       </p:ext>
     </p:extLst>
   </p:cSld>
@@ -378,7 +481,7 @@
       </p:grpSpPr>
       <p:sp>
         <p:nvSpPr>
-          <p:cNvPr id="2" name="Titel 1"/>
+          <p:cNvPr id="2" name="Title 1"/>
           <p:cNvSpPr>
             <a:spLocks noGrp="1"/>
           </p:cNvSpPr>
@@ -392,16 +495,16 @@
           <a:lstStyle/>
           <a:p>
             <a:r>
-              <a:rPr lang="de-DE" smtClean="0"/>
-              <a:t>Titelmasterformat durch Klicken bearbeiten</a:t>
-            </a:r>
-            <a:endParaRPr lang="de-DE"/>
-          </a:p>
-        </p:txBody>
-      </p:sp>
-      <p:sp>
-        <p:nvSpPr>
-          <p:cNvPr id="3" name="Vertikaler Textplatzhalter 2"/>
+              <a:rPr lang="de-DE"/>
+              <a:t>Mastertitelformat bearbeiten</a:t>
+            </a:r>
+            <a:endParaRPr lang="en-US" dirty="0"/>
+          </a:p>
+        </p:txBody>
+      </p:sp>
+      <p:sp>
+        <p:nvSpPr>
+          <p:cNvPr id="3" name="Vertical Text Placeholder 2"/>
           <p:cNvSpPr>
             <a:spLocks noGrp="1"/>
           </p:cNvSpPr>
@@ -411,49 +514,49 @@
         </p:nvSpPr>
         <p:spPr/>
         <p:txBody>
-          <a:bodyPr vert="eaVert"/>
+          <a:bodyPr vert="eaVert" lIns="45720" tIns="0" rIns="45720" bIns="0"/>
           <a:lstStyle/>
           <a:p>
             <a:pPr lvl="0"/>
             <a:r>
-              <a:rPr lang="de-DE" smtClean="0"/>
-              <a:t>Textmasterformat bearbeiten</a:t>
+              <a:rPr lang="de-DE"/>
+              <a:t>Mastertextformat bearbeiten</a:t>
             </a:r>
           </a:p>
           <a:p>
             <a:pPr lvl="1"/>
             <a:r>
-              <a:rPr lang="de-DE" smtClean="0"/>
+              <a:rPr lang="de-DE"/>
               <a:t>Zweite Ebene</a:t>
             </a:r>
           </a:p>
           <a:p>
             <a:pPr lvl="2"/>
             <a:r>
-              <a:rPr lang="de-DE" smtClean="0"/>
+              <a:rPr lang="de-DE"/>
               <a:t>Dritte Ebene</a:t>
             </a:r>
           </a:p>
           <a:p>
             <a:pPr lvl="3"/>
             <a:r>
-              <a:rPr lang="de-DE" smtClean="0"/>
+              <a:rPr lang="de-DE"/>
               <a:t>Vierte Ebene</a:t>
             </a:r>
           </a:p>
           <a:p>
             <a:pPr lvl="4"/>
             <a:r>
-              <a:rPr lang="de-DE" smtClean="0"/>
+              <a:rPr lang="de-DE"/>
               <a:t>Fünfte Ebene</a:t>
             </a:r>
-            <a:endParaRPr lang="de-DE"/>
-          </a:p>
-        </p:txBody>
-      </p:sp>
-      <p:sp>
-        <p:nvSpPr>
-          <p:cNvPr id="4" name="Datumsplatzhalter 3"/>
+            <a:endParaRPr lang="en-US" dirty="0"/>
+          </a:p>
+        </p:txBody>
+      </p:sp>
+      <p:sp>
+        <p:nvSpPr>
+          <p:cNvPr id="4" name="Date Placeholder 3"/>
           <p:cNvSpPr>
             <a:spLocks noGrp="1"/>
           </p:cNvSpPr>
@@ -468,7 +571,7 @@
           <a:p>
             <a:fld id="{9FB63C0A-AEF3-44F7-A4BC-C837ADFBB76C}" type="datetimeFigureOut">
               <a:rPr lang="de-DE" smtClean="0"/>
-              <a:t>07.11.2017</a:t>
+              <a:t>27.11.2017</a:t>
             </a:fld>
             <a:endParaRPr lang="de-DE"/>
           </a:p>
@@ -476,7 +579,7 @@
       </p:sp>
       <p:sp>
         <p:nvSpPr>
-          <p:cNvPr id="5" name="Fußzeilenplatzhalter 4"/>
+          <p:cNvPr id="5" name="Footer Placeholder 4"/>
           <p:cNvSpPr>
             <a:spLocks noGrp="1"/>
           </p:cNvSpPr>
@@ -495,7 +598,7 @@
       </p:sp>
       <p:sp>
         <p:nvSpPr>
-          <p:cNvPr id="6" name="Foliennummernplatzhalter 5"/>
+          <p:cNvPr id="6" name="Slide Number Placeholder 5"/>
           <p:cNvSpPr>
             <a:spLocks noGrp="1"/>
           </p:cNvSpPr>
@@ -519,7 +622,7 @@
     </p:spTree>
     <p:extLst>
       <p:ext uri="{BB962C8B-B14F-4D97-AF65-F5344CB8AC3E}">
-        <p14:creationId xmlns:p14="http://schemas.microsoft.com/office/powerpoint/2010/main" val="1442199884"/>
+        <p14:creationId xmlns:p14="http://schemas.microsoft.com/office/powerpoint/2010/main" val="2559774648"/>
       </p:ext>
     </p:extLst>
   </p:cSld>
@@ -530,7 +633,7 @@
 </file>
 
 <file path=ppt/slideLayouts/slideLayout11.xml><?xml version="1.0" encoding="utf-8"?>
-<p:sldLayout xmlns:a="http://schemas.openxmlformats.org/drawingml/2006/main" xmlns:r="http://schemas.openxmlformats.org/officeDocument/2006/relationships" xmlns:p="http://schemas.openxmlformats.org/presentationml/2006/main" type="vertTitleAndTx" preserve="1">
+<p:sldLayout xmlns:a="http://schemas.openxmlformats.org/drawingml/2006/main" xmlns:r="http://schemas.openxmlformats.org/officeDocument/2006/relationships" xmlns:p="http://schemas.openxmlformats.org/presentationml/2006/main" showMasterSp="0" type="vertTitleAndTx" preserve="1">
   <p:cSld name="Vertikaler Titel und Text">
     <p:spTree>
       <p:nvGrpSpPr>
@@ -548,18 +651,94 @@
       </p:grpSpPr>
       <p:sp>
         <p:nvSpPr>
-          <p:cNvPr id="2" name="Vertikaler Titel 1"/>
-          <p:cNvSpPr>
-            <a:spLocks noGrp="1"/>
-          </p:cNvSpPr>
-          <p:nvPr>
-            <p:ph type="title" orient="vert"/>
-          </p:nvPr>
+          <p:cNvPr id="7" name="Rectangle 6"/>
+          <p:cNvSpPr/>
+          <p:nvPr/>
         </p:nvSpPr>
         <p:spPr>
           <a:xfrm>
-            <a:off x="6629400" y="274638"/>
-            <a:ext cx="2057400" cy="5851525"/>
+            <a:off x="3175" y="6400800"/>
+            <a:ext cx="12188825" cy="457200"/>
+          </a:xfrm>
+          <a:prstGeom prst="rect">
+            <a:avLst/>
+          </a:prstGeom>
+          <a:solidFill>
+            <a:schemeClr val="accent2"/>
+          </a:solidFill>
+          <a:ln>
+            <a:noFill/>
+          </a:ln>
+        </p:spPr>
+        <p:style>
+          <a:lnRef idx="2">
+            <a:schemeClr val="accent1">
+              <a:shade val="50000"/>
+            </a:schemeClr>
+          </a:lnRef>
+          <a:fillRef idx="1">
+            <a:schemeClr val="accent1"/>
+          </a:fillRef>
+          <a:effectRef idx="0">
+            <a:schemeClr val="accent1"/>
+          </a:effectRef>
+          <a:fontRef idx="minor">
+            <a:schemeClr val="lt1"/>
+          </a:fontRef>
+        </p:style>
+      </p:sp>
+      <p:sp>
+        <p:nvSpPr>
+          <p:cNvPr id="8" name="Rectangle 7"/>
+          <p:cNvSpPr/>
+          <p:nvPr/>
+        </p:nvSpPr>
+        <p:spPr>
+          <a:xfrm>
+            <a:off x="15" y="6334316"/>
+            <a:ext cx="12188825" cy="64008"/>
+          </a:xfrm>
+          <a:prstGeom prst="rect">
+            <a:avLst/>
+          </a:prstGeom>
+          <a:solidFill>
+            <a:schemeClr val="accent1"/>
+          </a:solidFill>
+          <a:ln>
+            <a:noFill/>
+          </a:ln>
+        </p:spPr>
+        <p:style>
+          <a:lnRef idx="2">
+            <a:schemeClr val="accent1">
+              <a:shade val="50000"/>
+            </a:schemeClr>
+          </a:lnRef>
+          <a:fillRef idx="1">
+            <a:schemeClr val="accent1"/>
+          </a:fillRef>
+          <a:effectRef idx="0">
+            <a:schemeClr val="accent1"/>
+          </a:effectRef>
+          <a:fontRef idx="minor">
+            <a:schemeClr val="lt1"/>
+          </a:fontRef>
+        </p:style>
+      </p:sp>
+      <p:sp>
+        <p:nvSpPr>
+          <p:cNvPr id="2" name="Vertical Title 1"/>
+          <p:cNvSpPr>
+            <a:spLocks noGrp="1"/>
+          </p:cNvSpPr>
+          <p:nvPr>
+            <p:ph type="title" orient="vert"/>
+          </p:nvPr>
+        </p:nvSpPr>
+        <p:spPr>
+          <a:xfrm>
+            <a:off x="8724900" y="414778"/>
+            <a:ext cx="2628900" cy="5757421"/>
           </a:xfrm>
         </p:spPr>
         <p:txBody>
@@ -567,16 +746,16 @@
           <a:lstStyle/>
           <a:p>
             <a:r>
-              <a:rPr lang="de-DE" smtClean="0"/>
-              <a:t>Titelmasterformat durch Klicken bearbeiten</a:t>
-            </a:r>
-            <a:endParaRPr lang="de-DE"/>
-          </a:p>
-        </p:txBody>
-      </p:sp>
-      <p:sp>
-        <p:nvSpPr>
-          <p:cNvPr id="3" name="Vertikaler Textplatzhalter 2"/>
+              <a:rPr lang="de-DE"/>
+              <a:t>Mastertitelformat bearbeiten</a:t>
+            </a:r>
+            <a:endParaRPr lang="en-US" dirty="0"/>
+          </a:p>
+        </p:txBody>
+      </p:sp>
+      <p:sp>
+        <p:nvSpPr>
+          <p:cNvPr id="3" name="Vertical Text Placeholder 2"/>
           <p:cNvSpPr>
             <a:spLocks noGrp="1"/>
           </p:cNvSpPr>
@@ -586,54 +765,54 @@
         </p:nvSpPr>
         <p:spPr>
           <a:xfrm>
-            <a:off x="457200" y="274638"/>
-            <a:ext cx="6019800" cy="5851525"/>
+            <a:off x="838200" y="414778"/>
+            <a:ext cx="7734300" cy="5757422"/>
           </a:xfrm>
         </p:spPr>
         <p:txBody>
-          <a:bodyPr vert="eaVert"/>
+          <a:bodyPr vert="eaVert" lIns="45720" tIns="0" rIns="45720" bIns="0"/>
           <a:lstStyle/>
           <a:p>
             <a:pPr lvl="0"/>
             <a:r>
-              <a:rPr lang="de-DE" smtClean="0"/>
-              <a:t>Textmasterformat bearbeiten</a:t>
+              <a:rPr lang="de-DE"/>
+              <a:t>Mastertextformat bearbeiten</a:t>
             </a:r>
           </a:p>
           <a:p>
             <a:pPr lvl="1"/>
             <a:r>
-              <a:rPr lang="de-DE" smtClean="0"/>
+              <a:rPr lang="de-DE"/>
               <a:t>Zweite Ebene</a:t>
             </a:r>
           </a:p>
           <a:p>
             <a:pPr lvl="2"/>
             <a:r>
-              <a:rPr lang="de-DE" smtClean="0"/>
+              <a:rPr lang="de-DE"/>
               <a:t>Dritte Ebene</a:t>
             </a:r>
           </a:p>
           <a:p>
             <a:pPr lvl="3"/>
             <a:r>
-              <a:rPr lang="de-DE" smtClean="0"/>
+              <a:rPr lang="de-DE"/>
               <a:t>Vierte Ebene</a:t>
             </a:r>
           </a:p>
           <a:p>
             <a:pPr lvl="4"/>
             <a:r>
-              <a:rPr lang="de-DE" smtClean="0"/>
+              <a:rPr lang="de-DE"/>
               <a:t>Fünfte Ebene</a:t>
             </a:r>
-            <a:endParaRPr lang="de-DE"/>
-          </a:p>
-        </p:txBody>
-      </p:sp>
-      <p:sp>
-        <p:nvSpPr>
-          <p:cNvPr id="4" name="Datumsplatzhalter 3"/>
+            <a:endParaRPr lang="en-US" dirty="0"/>
+          </a:p>
+        </p:txBody>
+      </p:sp>
+      <p:sp>
+        <p:nvSpPr>
+          <p:cNvPr id="4" name="Date Placeholder 3"/>
           <p:cNvSpPr>
             <a:spLocks noGrp="1"/>
           </p:cNvSpPr>
@@ -648,7 +827,7 @@
           <a:p>
             <a:fld id="{9FB63C0A-AEF3-44F7-A4BC-C837ADFBB76C}" type="datetimeFigureOut">
               <a:rPr lang="de-DE" smtClean="0"/>
-              <a:t>07.11.2017</a:t>
+              <a:t>27.11.2017</a:t>
             </a:fld>
             <a:endParaRPr lang="de-DE"/>
           </a:p>
@@ -656,7 +835,7 @@
       </p:sp>
       <p:sp>
         <p:nvSpPr>
-          <p:cNvPr id="5" name="Fußzeilenplatzhalter 4"/>
+          <p:cNvPr id="5" name="Footer Placeholder 4"/>
           <p:cNvSpPr>
             <a:spLocks noGrp="1"/>
           </p:cNvSpPr>
@@ -675,7 +854,7 @@
       </p:sp>
       <p:sp>
         <p:nvSpPr>
-          <p:cNvPr id="6" name="Foliennummernplatzhalter 5"/>
+          <p:cNvPr id="6" name="Slide Number Placeholder 5"/>
           <p:cNvSpPr>
             <a:spLocks noGrp="1"/>
           </p:cNvSpPr>
@@ -699,7 +878,7 @@
     </p:spTree>
     <p:extLst>
       <p:ext uri="{BB962C8B-B14F-4D97-AF65-F5344CB8AC3E}">
-        <p14:creationId xmlns:p14="http://schemas.microsoft.com/office/powerpoint/2010/main" val="2957748633"/>
+        <p14:creationId xmlns:p14="http://schemas.microsoft.com/office/powerpoint/2010/main" val="176392102"/>
       </p:ext>
     </p:extLst>
   </p:cSld>
@@ -728,7 +907,7 @@
       </p:grpSpPr>
       <p:sp>
         <p:nvSpPr>
-          <p:cNvPr id="2" name="Titel 1"/>
+          <p:cNvPr id="2" name="Title 1"/>
           <p:cNvSpPr>
             <a:spLocks noGrp="1"/>
           </p:cNvSpPr>
@@ -739,19 +918,23 @@
         <p:spPr/>
         <p:txBody>
           <a:bodyPr/>
-          <a:lstStyle/>
-          <a:p>
-            <a:r>
-              <a:rPr lang="de-DE" smtClean="0"/>
-              <a:t>Titelmasterformat durch Klicken bearbeiten</a:t>
-            </a:r>
-            <a:endParaRPr lang="de-DE"/>
-          </a:p>
-        </p:txBody>
-      </p:sp>
-      <p:sp>
-        <p:nvSpPr>
-          <p:cNvPr id="3" name="Inhaltsplatzhalter 2"/>
+          <a:lstStyle>
+            <a:lvl1pPr marL="0">
+              <a:defRPr/>
+            </a:lvl1pPr>
+          </a:lstStyle>
+          <a:p>
+            <a:r>
+              <a:rPr lang="de-DE"/>
+              <a:t>Mastertitelformat bearbeiten</a:t>
+            </a:r>
+            <a:endParaRPr lang="en-US" dirty="0"/>
+          </a:p>
+        </p:txBody>
+      </p:sp>
+      <p:sp>
+        <p:nvSpPr>
+          <p:cNvPr id="3" name="Content Placeholder 2"/>
           <p:cNvSpPr>
             <a:spLocks noGrp="1"/>
           </p:cNvSpPr>
@@ -766,44 +949,44 @@
           <a:p>
             <a:pPr lvl="0"/>
             <a:r>
-              <a:rPr lang="de-DE" smtClean="0"/>
-              <a:t>Textmasterformat bearbeiten</a:t>
+              <a:rPr lang="de-DE"/>
+              <a:t>Mastertextformat bearbeiten</a:t>
             </a:r>
           </a:p>
           <a:p>
             <a:pPr lvl="1"/>
             <a:r>
-              <a:rPr lang="de-DE" smtClean="0"/>
+              <a:rPr lang="de-DE"/>
               <a:t>Zweite Ebene</a:t>
             </a:r>
           </a:p>
           <a:p>
             <a:pPr lvl="2"/>
             <a:r>
-              <a:rPr lang="de-DE" smtClean="0"/>
+              <a:rPr lang="de-DE"/>
               <a:t>Dritte Ebene</a:t>
             </a:r>
           </a:p>
           <a:p>
             <a:pPr lvl="3"/>
             <a:r>
-              <a:rPr lang="de-DE" smtClean="0"/>
+              <a:rPr lang="de-DE"/>
               <a:t>Vierte Ebene</a:t>
             </a:r>
           </a:p>
           <a:p>
             <a:pPr lvl="4"/>
             <a:r>
-              <a:rPr lang="de-DE" smtClean="0"/>
+              <a:rPr lang="de-DE"/>
               <a:t>Fünfte Ebene</a:t>
             </a:r>
-            <a:endParaRPr lang="de-DE"/>
-          </a:p>
-        </p:txBody>
-      </p:sp>
-      <p:sp>
-        <p:nvSpPr>
-          <p:cNvPr id="4" name="Datumsplatzhalter 3"/>
+            <a:endParaRPr lang="en-US" dirty="0"/>
+          </a:p>
+        </p:txBody>
+      </p:sp>
+      <p:sp>
+        <p:nvSpPr>
+          <p:cNvPr id="4" name="Date Placeholder 3"/>
           <p:cNvSpPr>
             <a:spLocks noGrp="1"/>
           </p:cNvSpPr>
@@ -818,7 +1001,7 @@
           <a:p>
             <a:fld id="{9FB63C0A-AEF3-44F7-A4BC-C837ADFBB76C}" type="datetimeFigureOut">
               <a:rPr lang="de-DE" smtClean="0"/>
-              <a:t>07.11.2017</a:t>
+              <a:t>27.11.2017</a:t>
             </a:fld>
             <a:endParaRPr lang="de-DE"/>
           </a:p>
@@ -826,7 +1009,7 @@
       </p:sp>
       <p:sp>
         <p:nvSpPr>
-          <p:cNvPr id="5" name="Fußzeilenplatzhalter 4"/>
+          <p:cNvPr id="5" name="Footer Placeholder 4"/>
           <p:cNvSpPr>
             <a:spLocks noGrp="1"/>
           </p:cNvSpPr>
@@ -845,7 +1028,7 @@
       </p:sp>
       <p:sp>
         <p:nvSpPr>
-          <p:cNvPr id="6" name="Foliennummernplatzhalter 5"/>
+          <p:cNvPr id="6" name="Slide Number Placeholder 5"/>
           <p:cNvSpPr>
             <a:spLocks noGrp="1"/>
           </p:cNvSpPr>
@@ -869,7 +1052,7 @@
     </p:spTree>
     <p:extLst>
       <p:ext uri="{BB962C8B-B14F-4D97-AF65-F5344CB8AC3E}">
-        <p14:creationId xmlns:p14="http://schemas.microsoft.com/office/powerpoint/2010/main" val="249402144"/>
+        <p14:creationId xmlns:p14="http://schemas.microsoft.com/office/powerpoint/2010/main" val="4068936380"/>
       </p:ext>
     </p:extLst>
   </p:cSld>
@@ -880,8 +1063,16 @@
 </file>
 
 <file path=ppt/slideLayouts/slideLayout3.xml><?xml version="1.0" encoding="utf-8"?>
-<p:sldLayout xmlns:a="http://schemas.openxmlformats.org/drawingml/2006/main" xmlns:r="http://schemas.openxmlformats.org/officeDocument/2006/relationships" xmlns:p="http://schemas.openxmlformats.org/presentationml/2006/main" type="secHead" preserve="1">
+<p:sldLayout xmlns:a="http://schemas.openxmlformats.org/drawingml/2006/main" xmlns:r="http://schemas.openxmlformats.org/officeDocument/2006/relationships" xmlns:p="http://schemas.openxmlformats.org/presentationml/2006/main" showMasterSp="0" type="secHead" preserve="1">
   <p:cSld name="Abschnitts-&#10;überschrift">
+    <p:bg>
+      <p:bgPr>
+        <a:solidFill>
+          <a:schemeClr val="bg1"/>
+        </a:solidFill>
+        <a:effectLst/>
+      </p:bgPr>
+    </p:bg>
     <p:spTree>
       <p:nvGrpSpPr>
         <p:cNvPr id="1" name=""/>
@@ -898,39 +1089,127 @@
       </p:grpSpPr>
       <p:sp>
         <p:nvSpPr>
-          <p:cNvPr id="2" name="Titel 1"/>
-          <p:cNvSpPr>
-            <a:spLocks noGrp="1"/>
-          </p:cNvSpPr>
-          <p:nvPr>
-            <p:ph type="title"/>
-          </p:nvPr>
+          <p:cNvPr id="7" name="Rectangle 6"/>
+          <p:cNvSpPr/>
+          <p:nvPr/>
         </p:nvSpPr>
         <p:spPr>
           <a:xfrm>
-            <a:off x="722313" y="4406900"/>
-            <a:ext cx="7772400" cy="1362075"/>
+            <a:off x="3175" y="6400800"/>
+            <a:ext cx="12188825" cy="457200"/>
+          </a:xfrm>
+          <a:prstGeom prst="rect">
+            <a:avLst/>
+          </a:prstGeom>
+          <a:solidFill>
+            <a:schemeClr val="accent2"/>
+          </a:solidFill>
+          <a:ln>
+            <a:noFill/>
+          </a:ln>
+        </p:spPr>
+        <p:style>
+          <a:lnRef idx="2">
+            <a:schemeClr val="accent1">
+              <a:shade val="50000"/>
+            </a:schemeClr>
+          </a:lnRef>
+          <a:fillRef idx="1">
+            <a:schemeClr val="accent1"/>
+          </a:fillRef>
+          <a:effectRef idx="0">
+            <a:schemeClr val="accent1"/>
+          </a:effectRef>
+          <a:fontRef idx="minor">
+            <a:schemeClr val="lt1"/>
+          </a:fontRef>
+        </p:style>
+      </p:sp>
+      <p:sp>
+        <p:nvSpPr>
+          <p:cNvPr id="8" name="Rectangle 7"/>
+          <p:cNvSpPr/>
+          <p:nvPr/>
+        </p:nvSpPr>
+        <p:spPr>
+          <a:xfrm>
+            <a:off x="15" y="6334316"/>
+            <a:ext cx="12188825" cy="64008"/>
+          </a:xfrm>
+          <a:prstGeom prst="rect">
+            <a:avLst/>
+          </a:prstGeom>
+          <a:solidFill>
+            <a:schemeClr val="accent1"/>
+          </a:solidFill>
+          <a:ln>
+            <a:noFill/>
+          </a:ln>
+        </p:spPr>
+        <p:style>
+          <a:lnRef idx="2">
+            <a:schemeClr val="accent1">
+              <a:shade val="50000"/>
+            </a:schemeClr>
+          </a:lnRef>
+          <a:fillRef idx="1">
+            <a:schemeClr val="accent1"/>
+          </a:fillRef>
+          <a:effectRef idx="0">
+            <a:schemeClr val="accent1"/>
+          </a:effectRef>
+          <a:fontRef idx="minor">
+            <a:schemeClr val="lt1"/>
+          </a:fontRef>
+        </p:style>
+      </p:sp>
+      <p:sp>
+        <p:nvSpPr>
+          <p:cNvPr id="2" name="Title 1"/>
+          <p:cNvSpPr>
+            <a:spLocks noGrp="1"/>
+          </p:cNvSpPr>
+          <p:nvPr>
+            <p:ph type="title"/>
+          </p:nvPr>
+        </p:nvSpPr>
+        <p:spPr>
+          <a:xfrm>
+            <a:off x="1097280" y="758952"/>
+            <a:ext cx="10058400" cy="3566160"/>
           </a:xfrm>
         </p:spPr>
         <p:txBody>
-          <a:bodyPr anchor="t"/>
+          <a:bodyPr anchor="b" anchorCtr="0">
+            <a:normAutofit/>
+          </a:bodyPr>
           <a:lstStyle>
-            <a:lvl1pPr algn="l">
-              <a:defRPr sz="4000" b="1" cap="all"/>
+            <a:lvl1pPr>
+              <a:lnSpc>
+                <a:spcPct val="85000"/>
+              </a:lnSpc>
+              <a:defRPr sz="8000" b="0">
+                <a:solidFill>
+                  <a:schemeClr val="tx1">
+                    <a:lumMod val="85000"/>
+                    <a:lumOff val="15000"/>
+                  </a:schemeClr>
+                </a:solidFill>
+              </a:defRPr>
             </a:lvl1pPr>
           </a:lstStyle>
           <a:p>
             <a:r>
-              <a:rPr lang="de-DE" smtClean="0"/>
-              <a:t>Titelmasterformat durch Klicken bearbeiten</a:t>
-            </a:r>
-            <a:endParaRPr lang="de-DE"/>
-          </a:p>
-        </p:txBody>
-      </p:sp>
-      <p:sp>
-        <p:nvSpPr>
-          <p:cNvPr id="3" name="Textplatzhalter 2"/>
+              <a:rPr lang="de-DE"/>
+              <a:t>Mastertitelformat bearbeiten</a:t>
+            </a:r>
+            <a:endParaRPr lang="en-US" dirty="0"/>
+          </a:p>
+        </p:txBody>
+      </p:sp>
+      <p:sp>
+        <p:nvSpPr>
+          <p:cNvPr id="3" name="Text Placeholder 2"/>
           <p:cNvSpPr>
             <a:spLocks noGrp="1"/>
           </p:cNvSpPr>
@@ -940,21 +1219,22 @@
         </p:nvSpPr>
         <p:spPr>
           <a:xfrm>
-            <a:off x="722313" y="2906713"/>
-            <a:ext cx="7772400" cy="1500187"/>
+            <a:off x="1097280" y="4453128"/>
+            <a:ext cx="10058400" cy="1143000"/>
           </a:xfrm>
         </p:spPr>
         <p:txBody>
-          <a:bodyPr anchor="b"/>
+          <a:bodyPr lIns="91440" rIns="91440" anchor="t" anchorCtr="0">
+            <a:normAutofit/>
+          </a:bodyPr>
           <a:lstStyle>
             <a:lvl1pPr marL="0" indent="0">
               <a:buNone/>
-              <a:defRPr sz="2000">
+              <a:defRPr sz="2400" cap="all" spc="200" baseline="0">
                 <a:solidFill>
-                  <a:schemeClr val="tx1">
-                    <a:tint val="75000"/>
-                  </a:schemeClr>
+                  <a:schemeClr val="tx2"/>
                 </a:solidFill>
+                <a:latin typeface="+mj-lt"/>
               </a:defRPr>
             </a:lvl1pPr>
             <a:lvl2pPr marL="457200" indent="0">
@@ -1041,15 +1321,15 @@
           <a:p>
             <a:pPr lvl="0"/>
             <a:r>
-              <a:rPr lang="de-DE" smtClean="0"/>
-              <a:t>Textmasterformat bearbeiten</a:t>
-            </a:r>
-          </a:p>
-        </p:txBody>
-      </p:sp>
-      <p:sp>
-        <p:nvSpPr>
-          <p:cNvPr id="4" name="Datumsplatzhalter 3"/>
+              <a:rPr lang="de-DE"/>
+              <a:t>Mastertextformat bearbeiten</a:t>
+            </a:r>
+          </a:p>
+        </p:txBody>
+      </p:sp>
+      <p:sp>
+        <p:nvSpPr>
+          <p:cNvPr id="4" name="Date Placeholder 3"/>
           <p:cNvSpPr>
             <a:spLocks noGrp="1"/>
           </p:cNvSpPr>
@@ -1064,7 +1344,7 @@
           <a:p>
             <a:fld id="{9FB63C0A-AEF3-44F7-A4BC-C837ADFBB76C}" type="datetimeFigureOut">
               <a:rPr lang="de-DE" smtClean="0"/>
-              <a:t>07.11.2017</a:t>
+              <a:t>27.11.2017</a:t>
             </a:fld>
             <a:endParaRPr lang="de-DE"/>
           </a:p>
@@ -1072,7 +1352,7 @@
       </p:sp>
       <p:sp>
         <p:nvSpPr>
-          <p:cNvPr id="5" name="Fußzeilenplatzhalter 4"/>
+          <p:cNvPr id="5" name="Footer Placeholder 4"/>
           <p:cNvSpPr>
             <a:spLocks noGrp="1"/>
           </p:cNvSpPr>
@@ -1091,7 +1371,7 @@
       </p:sp>
       <p:sp>
         <p:nvSpPr>
-          <p:cNvPr id="6" name="Foliennummernplatzhalter 5"/>
+          <p:cNvPr id="6" name="Slide Number Placeholder 5"/>
           <p:cNvSpPr>
             <a:spLocks noGrp="1"/>
           </p:cNvSpPr>
@@ -1112,10 +1392,48 @@
           </a:p>
         </p:txBody>
       </p:sp>
+      <p:cxnSp>
+        <p:nvCxnSpPr>
+          <p:cNvPr id="9" name="Straight Connector 8"/>
+          <p:cNvCxnSpPr/>
+          <p:nvPr/>
+        </p:nvCxnSpPr>
+        <p:spPr>
+          <a:xfrm>
+            <a:off x="1207658" y="4343400"/>
+            <a:ext cx="9875520" cy="0"/>
+          </a:xfrm>
+          <a:prstGeom prst="line">
+            <a:avLst/>
+          </a:prstGeom>
+          <a:ln w="6350">
+            <a:solidFill>
+              <a:schemeClr val="tx1">
+                <a:lumMod val="50000"/>
+                <a:lumOff val="50000"/>
+              </a:schemeClr>
+            </a:solidFill>
+          </a:ln>
+        </p:spPr>
+        <p:style>
+          <a:lnRef idx="1">
+            <a:schemeClr val="accent1"/>
+          </a:lnRef>
+          <a:fillRef idx="0">
+            <a:schemeClr val="accent1"/>
+          </a:fillRef>
+          <a:effectRef idx="0">
+            <a:schemeClr val="accent1"/>
+          </a:effectRef>
+          <a:fontRef idx="minor">
+            <a:schemeClr val="tx1"/>
+          </a:fontRef>
+        </p:style>
+      </p:cxnSp>
     </p:spTree>
     <p:extLst>
       <p:ext uri="{BB962C8B-B14F-4D97-AF65-F5344CB8AC3E}">
-        <p14:creationId xmlns:p14="http://schemas.microsoft.com/office/powerpoint/2010/main" val="1720213569"/>
+        <p14:creationId xmlns:p14="http://schemas.microsoft.com/office/powerpoint/2010/main" val="1812641190"/>
       </p:ext>
     </p:extLst>
   </p:cSld>
@@ -1144,200 +1462,149 @@
       </p:grpSpPr>
       <p:sp>
         <p:nvSpPr>
-          <p:cNvPr id="2" name="Titel 1"/>
+          <p:cNvPr id="8" name="Title 7"/>
           <p:cNvSpPr>
             <a:spLocks noGrp="1"/>
           </p:cNvSpPr>
           <p:nvPr>
             <p:ph type="title"/>
-          </p:nvPr>
-        </p:nvSpPr>
-        <p:spPr/>
-        <p:txBody>
-          <a:bodyPr/>
-          <a:lstStyle/>
-          <a:p>
-            <a:r>
-              <a:rPr lang="de-DE" smtClean="0"/>
-              <a:t>Titelmasterformat durch Klicken bearbeiten</a:t>
-            </a:r>
-            <a:endParaRPr lang="de-DE"/>
-          </a:p>
-        </p:txBody>
-      </p:sp>
-      <p:sp>
-        <p:nvSpPr>
-          <p:cNvPr id="3" name="Inhaltsplatzhalter 2"/>
-          <p:cNvSpPr>
-            <a:spLocks noGrp="1"/>
-          </p:cNvSpPr>
-          <p:nvPr>
-            <p:ph sz="half" idx="1"/>
           </p:nvPr>
         </p:nvSpPr>
         <p:spPr>
           <a:xfrm>
-            <a:off x="457200" y="1600200"/>
-            <a:ext cx="4038600" cy="4525963"/>
+            <a:off x="1097280" y="286603"/>
+            <a:ext cx="10058400" cy="1450757"/>
           </a:xfrm>
         </p:spPr>
         <p:txBody>
           <a:bodyPr/>
-          <a:lstStyle>
-            <a:lvl1pPr>
-              <a:defRPr sz="2800"/>
-            </a:lvl1pPr>
-            <a:lvl2pPr>
-              <a:defRPr sz="2400"/>
-            </a:lvl2pPr>
-            <a:lvl3pPr>
-              <a:defRPr sz="2000"/>
-            </a:lvl3pPr>
-            <a:lvl4pPr>
-              <a:defRPr sz="1800"/>
-            </a:lvl4pPr>
-            <a:lvl5pPr>
-              <a:defRPr sz="1800"/>
-            </a:lvl5pPr>
-            <a:lvl6pPr>
-              <a:defRPr sz="1800"/>
-            </a:lvl6pPr>
-            <a:lvl7pPr>
-              <a:defRPr sz="1800"/>
-            </a:lvl7pPr>
-            <a:lvl8pPr>
-              <a:defRPr sz="1800"/>
-            </a:lvl8pPr>
-            <a:lvl9pPr>
-              <a:defRPr sz="1800"/>
-            </a:lvl9pPr>
-          </a:lstStyle>
-          <a:p>
-            <a:pPr lvl="0"/>
-            <a:r>
-              <a:rPr lang="de-DE" smtClean="0"/>
-              <a:t>Textmasterformat bearbeiten</a:t>
-            </a:r>
-          </a:p>
-          <a:p>
-            <a:pPr lvl="1"/>
-            <a:r>
-              <a:rPr lang="de-DE" smtClean="0"/>
-              <a:t>Zweite Ebene</a:t>
-            </a:r>
-          </a:p>
-          <a:p>
-            <a:pPr lvl="2"/>
-            <a:r>
-              <a:rPr lang="de-DE" smtClean="0"/>
-              <a:t>Dritte Ebene</a:t>
-            </a:r>
-          </a:p>
-          <a:p>
-            <a:pPr lvl="3"/>
-            <a:r>
-              <a:rPr lang="de-DE" smtClean="0"/>
-              <a:t>Vierte Ebene</a:t>
-            </a:r>
-          </a:p>
-          <a:p>
-            <a:pPr lvl="4"/>
-            <a:r>
-              <a:rPr lang="de-DE" smtClean="0"/>
-              <a:t>Fünfte Ebene</a:t>
-            </a:r>
-            <a:endParaRPr lang="de-DE"/>
-          </a:p>
-        </p:txBody>
-      </p:sp>
-      <p:sp>
-        <p:nvSpPr>
-          <p:cNvPr id="4" name="Inhaltsplatzhalter 3"/>
-          <p:cNvSpPr>
-            <a:spLocks noGrp="1"/>
-          </p:cNvSpPr>
-          <p:nvPr>
-            <p:ph sz="half" idx="2"/>
+          <a:lstStyle/>
+          <a:p>
+            <a:r>
+              <a:rPr lang="de-DE"/>
+              <a:t>Mastertitelformat bearbeiten</a:t>
+            </a:r>
+            <a:endParaRPr lang="en-US" dirty="0"/>
+          </a:p>
+        </p:txBody>
+      </p:sp>
+      <p:sp>
+        <p:nvSpPr>
+          <p:cNvPr id="3" name="Content Placeholder 2"/>
+          <p:cNvSpPr>
+            <a:spLocks noGrp="1"/>
+          </p:cNvSpPr>
+          <p:nvPr>
+            <p:ph sz="half" idx="1"/>
           </p:nvPr>
         </p:nvSpPr>
         <p:spPr>
           <a:xfrm>
-            <a:off x="4648200" y="1600200"/>
-            <a:ext cx="4038600" cy="4525963"/>
+            <a:off x="1097279" y="1845734"/>
+            <a:ext cx="4937760" cy="4023360"/>
           </a:xfrm>
         </p:spPr>
         <p:txBody>
           <a:bodyPr/>
-          <a:lstStyle>
-            <a:lvl1pPr>
-              <a:defRPr sz="2800"/>
-            </a:lvl1pPr>
-            <a:lvl2pPr>
-              <a:defRPr sz="2400"/>
-            </a:lvl2pPr>
-            <a:lvl3pPr>
-              <a:defRPr sz="2000"/>
-            </a:lvl3pPr>
-            <a:lvl4pPr>
-              <a:defRPr sz="1800"/>
-            </a:lvl4pPr>
-            <a:lvl5pPr>
-              <a:defRPr sz="1800"/>
-            </a:lvl5pPr>
-            <a:lvl6pPr>
-              <a:defRPr sz="1800"/>
-            </a:lvl6pPr>
-            <a:lvl7pPr>
-              <a:defRPr sz="1800"/>
-            </a:lvl7pPr>
-            <a:lvl8pPr>
-              <a:defRPr sz="1800"/>
-            </a:lvl8pPr>
-            <a:lvl9pPr>
-              <a:defRPr sz="1800"/>
-            </a:lvl9pPr>
-          </a:lstStyle>
+          <a:lstStyle/>
           <a:p>
             <a:pPr lvl="0"/>
             <a:r>
-              <a:rPr lang="de-DE" smtClean="0"/>
-              <a:t>Textmasterformat bearbeiten</a:t>
+              <a:rPr lang="de-DE"/>
+              <a:t>Mastertextformat bearbeiten</a:t>
             </a:r>
           </a:p>
           <a:p>
             <a:pPr lvl="1"/>
             <a:r>
-              <a:rPr lang="de-DE" smtClean="0"/>
+              <a:rPr lang="de-DE"/>
               <a:t>Zweite Ebene</a:t>
             </a:r>
           </a:p>
           <a:p>
             <a:pPr lvl="2"/>
             <a:r>
-              <a:rPr lang="de-DE" smtClean="0"/>
+              <a:rPr lang="de-DE"/>
               <a:t>Dritte Ebene</a:t>
             </a:r>
           </a:p>
           <a:p>
             <a:pPr lvl="3"/>
             <a:r>
-              <a:rPr lang="de-DE" smtClean="0"/>
+              <a:rPr lang="de-DE"/>
               <a:t>Vierte Ebene</a:t>
             </a:r>
           </a:p>
           <a:p>
             <a:pPr lvl="4"/>
             <a:r>
-              <a:rPr lang="de-DE" smtClean="0"/>
+              <a:rPr lang="de-DE"/>
               <a:t>Fünfte Ebene</a:t>
             </a:r>
-            <a:endParaRPr lang="de-DE"/>
-          </a:p>
-        </p:txBody>
-      </p:sp>
-      <p:sp>
-        <p:nvSpPr>
-          <p:cNvPr id="5" name="Datumsplatzhalter 4"/>
+            <a:endParaRPr lang="en-US" dirty="0"/>
+          </a:p>
+        </p:txBody>
+      </p:sp>
+      <p:sp>
+        <p:nvSpPr>
+          <p:cNvPr id="4" name="Content Placeholder 3"/>
+          <p:cNvSpPr>
+            <a:spLocks noGrp="1"/>
+          </p:cNvSpPr>
+          <p:nvPr>
+            <p:ph sz="half" idx="2"/>
+          </p:nvPr>
+        </p:nvSpPr>
+        <p:spPr>
+          <a:xfrm>
+            <a:off x="6217920" y="1845735"/>
+            <a:ext cx="4937760" cy="4023360"/>
+          </a:xfrm>
+        </p:spPr>
+        <p:txBody>
+          <a:bodyPr/>
+          <a:lstStyle/>
+          <a:p>
+            <a:pPr lvl="0"/>
+            <a:r>
+              <a:rPr lang="de-DE"/>
+              <a:t>Mastertextformat bearbeiten</a:t>
+            </a:r>
+          </a:p>
+          <a:p>
+            <a:pPr lvl="1"/>
+            <a:r>
+              <a:rPr lang="de-DE"/>
+              <a:t>Zweite Ebene</a:t>
+            </a:r>
+          </a:p>
+          <a:p>
+            <a:pPr lvl="2"/>
+            <a:r>
+              <a:rPr lang="de-DE"/>
+              <a:t>Dritte Ebene</a:t>
+            </a:r>
+          </a:p>
+          <a:p>
+            <a:pPr lvl="3"/>
+            <a:r>
+              <a:rPr lang="de-DE"/>
+              <a:t>Vierte Ebene</a:t>
+            </a:r>
+          </a:p>
+          <a:p>
+            <a:pPr lvl="4"/>
+            <a:r>
+              <a:rPr lang="de-DE"/>
+              <a:t>Fünfte Ebene</a:t>
+            </a:r>
+            <a:endParaRPr lang="en-US" dirty="0"/>
+          </a:p>
+        </p:txBody>
+      </p:sp>
+      <p:sp>
+        <p:nvSpPr>
+          <p:cNvPr id="5" name="Date Placeholder 4"/>
           <p:cNvSpPr>
             <a:spLocks noGrp="1"/>
           </p:cNvSpPr>
@@ -1352,7 +1619,7 @@
           <a:p>
             <a:fld id="{9FB63C0A-AEF3-44F7-A4BC-C837ADFBB76C}" type="datetimeFigureOut">
               <a:rPr lang="de-DE" smtClean="0"/>
-              <a:t>07.11.2017</a:t>
+              <a:t>27.11.2017</a:t>
             </a:fld>
             <a:endParaRPr lang="de-DE"/>
           </a:p>
@@ -1360,7 +1627,7 @@
       </p:sp>
       <p:sp>
         <p:nvSpPr>
-          <p:cNvPr id="6" name="Fußzeilenplatzhalter 5"/>
+          <p:cNvPr id="6" name="Footer Placeholder 5"/>
           <p:cNvSpPr>
             <a:spLocks noGrp="1"/>
           </p:cNvSpPr>
@@ -1379,7 +1646,7 @@
       </p:sp>
       <p:sp>
         <p:nvSpPr>
-          <p:cNvPr id="7" name="Foliennummernplatzhalter 6"/>
+          <p:cNvPr id="7" name="Slide Number Placeholder 6"/>
           <p:cNvSpPr>
             <a:spLocks noGrp="1"/>
           </p:cNvSpPr>
@@ -1403,7 +1670,7 @@
     </p:spTree>
     <p:extLst>
       <p:ext uri="{BB962C8B-B14F-4D97-AF65-F5344CB8AC3E}">
-        <p14:creationId xmlns:p14="http://schemas.microsoft.com/office/powerpoint/2010/main" val="3961551190"/>
+        <p14:creationId xmlns:p14="http://schemas.microsoft.com/office/powerpoint/2010/main" val="2076550882"/>
       </p:ext>
     </p:extLst>
   </p:cSld>
@@ -1432,53 +1699,60 @@
       </p:grpSpPr>
       <p:sp>
         <p:nvSpPr>
-          <p:cNvPr id="2" name="Titel 1"/>
+          <p:cNvPr id="10" name="Title 9"/>
           <p:cNvSpPr>
             <a:spLocks noGrp="1"/>
           </p:cNvSpPr>
           <p:nvPr>
             <p:ph type="title"/>
-          </p:nvPr>
-        </p:nvSpPr>
-        <p:spPr/>
-        <p:txBody>
-          <a:bodyPr/>
-          <a:lstStyle>
-            <a:lvl1pPr>
-              <a:defRPr/>
-            </a:lvl1pPr>
-          </a:lstStyle>
-          <a:p>
-            <a:r>
-              <a:rPr lang="de-DE" smtClean="0"/>
-              <a:t>Titelmasterformat durch Klicken bearbeiten</a:t>
-            </a:r>
-            <a:endParaRPr lang="de-DE"/>
-          </a:p>
-        </p:txBody>
-      </p:sp>
-      <p:sp>
-        <p:nvSpPr>
-          <p:cNvPr id="3" name="Textplatzhalter 2"/>
-          <p:cNvSpPr>
-            <a:spLocks noGrp="1"/>
-          </p:cNvSpPr>
-          <p:nvPr>
-            <p:ph type="body" idx="1"/>
           </p:nvPr>
         </p:nvSpPr>
         <p:spPr>
           <a:xfrm>
-            <a:off x="457200" y="1535113"/>
-            <a:ext cx="4040188" cy="639762"/>
+            <a:off x="1097280" y="286603"/>
+            <a:ext cx="10058400" cy="1450757"/>
           </a:xfrm>
         </p:spPr>
         <p:txBody>
-          <a:bodyPr anchor="b"/>
+          <a:bodyPr/>
+          <a:lstStyle/>
+          <a:p>
+            <a:r>
+              <a:rPr lang="de-DE"/>
+              <a:t>Mastertitelformat bearbeiten</a:t>
+            </a:r>
+            <a:endParaRPr lang="en-US" dirty="0"/>
+          </a:p>
+        </p:txBody>
+      </p:sp>
+      <p:sp>
+        <p:nvSpPr>
+          <p:cNvPr id="3" name="Text Placeholder 2"/>
+          <p:cNvSpPr>
+            <a:spLocks noGrp="1"/>
+          </p:cNvSpPr>
+          <p:nvPr>
+            <p:ph type="body" idx="1"/>
+          </p:nvPr>
+        </p:nvSpPr>
+        <p:spPr>
+          <a:xfrm>
+            <a:off x="1097280" y="1846052"/>
+            <a:ext cx="4937760" cy="736282"/>
+          </a:xfrm>
+        </p:spPr>
+        <p:txBody>
+          <a:bodyPr lIns="91440" rIns="91440" anchor="ctr">
+            <a:normAutofit/>
+          </a:bodyPr>
           <a:lstStyle>
             <a:lvl1pPr marL="0" indent="0">
               <a:buNone/>
-              <a:defRPr sz="2400" b="1"/>
+              <a:defRPr sz="2000" b="0" cap="all" baseline="0">
+                <a:solidFill>
+                  <a:schemeClr val="tx2"/>
+                </a:solidFill>
+              </a:defRPr>
             </a:lvl1pPr>
             <a:lvl2pPr marL="457200" indent="0">
               <a:buNone/>
@@ -1516,15 +1790,15 @@
           <a:p>
             <a:pPr lvl="0"/>
             <a:r>
-              <a:rPr lang="de-DE" smtClean="0"/>
-              <a:t>Textmasterformat bearbeiten</a:t>
-            </a:r>
-          </a:p>
-        </p:txBody>
-      </p:sp>
-      <p:sp>
-        <p:nvSpPr>
-          <p:cNvPr id="4" name="Inhaltsplatzhalter 3"/>
+              <a:rPr lang="de-DE"/>
+              <a:t>Mastertextformat bearbeiten</a:t>
+            </a:r>
+          </a:p>
+        </p:txBody>
+      </p:sp>
+      <p:sp>
+        <p:nvSpPr>
+          <p:cNvPr id="4" name="Content Placeholder 3"/>
           <p:cNvSpPr>
             <a:spLocks noGrp="1"/>
           </p:cNvSpPr>
@@ -1534,82 +1808,54 @@
         </p:nvSpPr>
         <p:spPr>
           <a:xfrm>
-            <a:off x="457200" y="2174875"/>
-            <a:ext cx="4040188" cy="3951288"/>
+            <a:off x="1097280" y="2582334"/>
+            <a:ext cx="4937760" cy="3378200"/>
           </a:xfrm>
         </p:spPr>
         <p:txBody>
           <a:bodyPr/>
-          <a:lstStyle>
-            <a:lvl1pPr>
-              <a:defRPr sz="2400"/>
-            </a:lvl1pPr>
-            <a:lvl2pPr>
-              <a:defRPr sz="2000"/>
-            </a:lvl2pPr>
-            <a:lvl3pPr>
-              <a:defRPr sz="1800"/>
-            </a:lvl3pPr>
-            <a:lvl4pPr>
-              <a:defRPr sz="1600"/>
-            </a:lvl4pPr>
-            <a:lvl5pPr>
-              <a:defRPr sz="1600"/>
-            </a:lvl5pPr>
-            <a:lvl6pPr>
-              <a:defRPr sz="1600"/>
-            </a:lvl6pPr>
-            <a:lvl7pPr>
-              <a:defRPr sz="1600"/>
-            </a:lvl7pPr>
-            <a:lvl8pPr>
-              <a:defRPr sz="1600"/>
-            </a:lvl8pPr>
-            <a:lvl9pPr>
-              <a:defRPr sz="1600"/>
-            </a:lvl9pPr>
-          </a:lstStyle>
+          <a:lstStyle/>
           <a:p>
             <a:pPr lvl="0"/>
             <a:r>
-              <a:rPr lang="de-DE" smtClean="0"/>
-              <a:t>Textmasterformat bearbeiten</a:t>
+              <a:rPr lang="de-DE"/>
+              <a:t>Mastertextformat bearbeiten</a:t>
             </a:r>
           </a:p>
           <a:p>
             <a:pPr lvl="1"/>
             <a:r>
-              <a:rPr lang="de-DE" smtClean="0"/>
+              <a:rPr lang="de-DE"/>
               <a:t>Zweite Ebene</a:t>
             </a:r>
           </a:p>
           <a:p>
             <a:pPr lvl="2"/>
             <a:r>
-              <a:rPr lang="de-DE" smtClean="0"/>
+              <a:rPr lang="de-DE"/>
               <a:t>Dritte Ebene</a:t>
             </a:r>
           </a:p>
           <a:p>
             <a:pPr lvl="3"/>
             <a:r>
-              <a:rPr lang="de-DE" smtClean="0"/>
+              <a:rPr lang="de-DE"/>
               <a:t>Vierte Ebene</a:t>
             </a:r>
           </a:p>
           <a:p>
             <a:pPr lvl="4"/>
             <a:r>
-              <a:rPr lang="de-DE" smtClean="0"/>
+              <a:rPr lang="de-DE"/>
               <a:t>Fünfte Ebene</a:t>
             </a:r>
-            <a:endParaRPr lang="de-DE"/>
-          </a:p>
-        </p:txBody>
-      </p:sp>
-      <p:sp>
-        <p:nvSpPr>
-          <p:cNvPr id="5" name="Textplatzhalter 4"/>
+            <a:endParaRPr lang="en-US" dirty="0"/>
+          </a:p>
+        </p:txBody>
+      </p:sp>
+      <p:sp>
+        <p:nvSpPr>
+          <p:cNvPr id="5" name="Text Placeholder 4"/>
           <p:cNvSpPr>
             <a:spLocks noGrp="1"/>
           </p:cNvSpPr>
@@ -1619,16 +1865,22 @@
         </p:nvSpPr>
         <p:spPr>
           <a:xfrm>
-            <a:off x="4645025" y="1535113"/>
-            <a:ext cx="4041775" cy="639762"/>
+            <a:off x="6217920" y="1846052"/>
+            <a:ext cx="4937760" cy="736282"/>
           </a:xfrm>
         </p:spPr>
         <p:txBody>
-          <a:bodyPr anchor="b"/>
+          <a:bodyPr lIns="91440" rIns="91440" anchor="ctr">
+            <a:normAutofit/>
+          </a:bodyPr>
           <a:lstStyle>
             <a:lvl1pPr marL="0" indent="0">
               <a:buNone/>
-              <a:defRPr sz="2400" b="1"/>
+              <a:defRPr sz="2000" b="0" cap="all" baseline="0">
+                <a:solidFill>
+                  <a:schemeClr val="tx2"/>
+                </a:solidFill>
+              </a:defRPr>
             </a:lvl1pPr>
             <a:lvl2pPr marL="457200" indent="0">
               <a:buNone/>
@@ -1666,15 +1918,15 @@
           <a:p>
             <a:pPr lvl="0"/>
             <a:r>
-              <a:rPr lang="de-DE" smtClean="0"/>
-              <a:t>Textmasterformat bearbeiten</a:t>
-            </a:r>
-          </a:p>
-        </p:txBody>
-      </p:sp>
-      <p:sp>
-        <p:nvSpPr>
-          <p:cNvPr id="6" name="Inhaltsplatzhalter 5"/>
+              <a:rPr lang="de-DE"/>
+              <a:t>Mastertextformat bearbeiten</a:t>
+            </a:r>
+          </a:p>
+        </p:txBody>
+      </p:sp>
+      <p:sp>
+        <p:nvSpPr>
+          <p:cNvPr id="6" name="Content Placeholder 5"/>
           <p:cNvSpPr>
             <a:spLocks noGrp="1"/>
           </p:cNvSpPr>
@@ -1684,82 +1936,54 @@
         </p:nvSpPr>
         <p:spPr>
           <a:xfrm>
-            <a:off x="4645025" y="2174875"/>
-            <a:ext cx="4041775" cy="3951288"/>
+            <a:off x="6217920" y="2582334"/>
+            <a:ext cx="4937760" cy="3378200"/>
           </a:xfrm>
         </p:spPr>
         <p:txBody>
           <a:bodyPr/>
-          <a:lstStyle>
-            <a:lvl1pPr>
-              <a:defRPr sz="2400"/>
-            </a:lvl1pPr>
-            <a:lvl2pPr>
-              <a:defRPr sz="2000"/>
-            </a:lvl2pPr>
-            <a:lvl3pPr>
-              <a:defRPr sz="1800"/>
-            </a:lvl3pPr>
-            <a:lvl4pPr>
-              <a:defRPr sz="1600"/>
-            </a:lvl4pPr>
-            <a:lvl5pPr>
-              <a:defRPr sz="1600"/>
-            </a:lvl5pPr>
-            <a:lvl6pPr>
-              <a:defRPr sz="1600"/>
-            </a:lvl6pPr>
-            <a:lvl7pPr>
-              <a:defRPr sz="1600"/>
-            </a:lvl7pPr>
-            <a:lvl8pPr>
-              <a:defRPr sz="1600"/>
-            </a:lvl8pPr>
-            <a:lvl9pPr>
-              <a:defRPr sz="1600"/>
-            </a:lvl9pPr>
-          </a:lstStyle>
+          <a:lstStyle/>
           <a:p>
             <a:pPr lvl="0"/>
             <a:r>
-              <a:rPr lang="de-DE" smtClean="0"/>
-              <a:t>Textmasterformat bearbeiten</a:t>
+              <a:rPr lang="de-DE"/>
+              <a:t>Mastertextformat bearbeiten</a:t>
             </a:r>
           </a:p>
           <a:p>
             <a:pPr lvl="1"/>
             <a:r>
-              <a:rPr lang="de-DE" smtClean="0"/>
+              <a:rPr lang="de-DE"/>
               <a:t>Zweite Ebene</a:t>
             </a:r>
           </a:p>
           <a:p>
             <a:pPr lvl="2"/>
             <a:r>
-              <a:rPr lang="de-DE" smtClean="0"/>
+              <a:rPr lang="de-DE"/>
               <a:t>Dritte Ebene</a:t>
             </a:r>
           </a:p>
           <a:p>
             <a:pPr lvl="3"/>
             <a:r>
-              <a:rPr lang="de-DE" smtClean="0"/>
+              <a:rPr lang="de-DE"/>
               <a:t>Vierte Ebene</a:t>
             </a:r>
           </a:p>
           <a:p>
             <a:pPr lvl="4"/>
             <a:r>
-              <a:rPr lang="de-DE" smtClean="0"/>
+              <a:rPr lang="de-DE"/>
               <a:t>Fünfte Ebene</a:t>
             </a:r>
-            <a:endParaRPr lang="de-DE"/>
-          </a:p>
-        </p:txBody>
-      </p:sp>
-      <p:sp>
-        <p:nvSpPr>
-          <p:cNvPr id="7" name="Datumsplatzhalter 6"/>
+            <a:endParaRPr lang="en-US" dirty="0"/>
+          </a:p>
+        </p:txBody>
+      </p:sp>
+      <p:sp>
+        <p:nvSpPr>
+          <p:cNvPr id="7" name="Date Placeholder 6"/>
           <p:cNvSpPr>
             <a:spLocks noGrp="1"/>
           </p:cNvSpPr>
@@ -1774,7 +1998,7 @@
           <a:p>
             <a:fld id="{9FB63C0A-AEF3-44F7-A4BC-C837ADFBB76C}" type="datetimeFigureOut">
               <a:rPr lang="de-DE" smtClean="0"/>
-              <a:t>07.11.2017</a:t>
+              <a:t>27.11.2017</a:t>
             </a:fld>
             <a:endParaRPr lang="de-DE"/>
           </a:p>
@@ -1782,7 +2006,7 @@
       </p:sp>
       <p:sp>
         <p:nvSpPr>
-          <p:cNvPr id="8" name="Fußzeilenplatzhalter 7"/>
+          <p:cNvPr id="8" name="Footer Placeholder 7"/>
           <p:cNvSpPr>
             <a:spLocks noGrp="1"/>
           </p:cNvSpPr>
@@ -1801,7 +2025,7 @@
       </p:sp>
       <p:sp>
         <p:nvSpPr>
-          <p:cNvPr id="9" name="Foliennummernplatzhalter 8"/>
+          <p:cNvPr id="9" name="Slide Number Placeholder 8"/>
           <p:cNvSpPr>
             <a:spLocks noGrp="1"/>
           </p:cNvSpPr>
@@ -1825,7 +2049,7 @@
     </p:spTree>
     <p:extLst>
       <p:ext uri="{BB962C8B-B14F-4D97-AF65-F5344CB8AC3E}">
-        <p14:creationId xmlns:p14="http://schemas.microsoft.com/office/powerpoint/2010/main" val="1276029861"/>
+        <p14:creationId xmlns:p14="http://schemas.microsoft.com/office/powerpoint/2010/main" val="4262323768"/>
       </p:ext>
     </p:extLst>
   </p:cSld>
@@ -1854,7 +2078,7 @@
       </p:grpSpPr>
       <p:sp>
         <p:nvSpPr>
-          <p:cNvPr id="2" name="Titel 1"/>
+          <p:cNvPr id="2" name="Title 1"/>
           <p:cNvSpPr>
             <a:spLocks noGrp="1"/>
           </p:cNvSpPr>
@@ -1868,16 +2092,16 @@
           <a:lstStyle/>
           <a:p>
             <a:r>
-              <a:rPr lang="de-DE" smtClean="0"/>
-              <a:t>Titelmasterformat durch Klicken bearbeiten</a:t>
-            </a:r>
-            <a:endParaRPr lang="de-DE"/>
-          </a:p>
-        </p:txBody>
-      </p:sp>
-      <p:sp>
-        <p:nvSpPr>
-          <p:cNvPr id="3" name="Datumsplatzhalter 2"/>
+              <a:rPr lang="de-DE"/>
+              <a:t>Mastertitelformat bearbeiten</a:t>
+            </a:r>
+            <a:endParaRPr lang="en-US" dirty="0"/>
+          </a:p>
+        </p:txBody>
+      </p:sp>
+      <p:sp>
+        <p:nvSpPr>
+          <p:cNvPr id="3" name="Date Placeholder 2"/>
           <p:cNvSpPr>
             <a:spLocks noGrp="1"/>
           </p:cNvSpPr>
@@ -1892,7 +2116,7 @@
           <a:p>
             <a:fld id="{9FB63C0A-AEF3-44F7-A4BC-C837ADFBB76C}" type="datetimeFigureOut">
               <a:rPr lang="de-DE" smtClean="0"/>
-              <a:t>07.11.2017</a:t>
+              <a:t>27.11.2017</a:t>
             </a:fld>
             <a:endParaRPr lang="de-DE"/>
           </a:p>
@@ -1900,7 +2124,7 @@
       </p:sp>
       <p:sp>
         <p:nvSpPr>
-          <p:cNvPr id="4" name="Fußzeilenplatzhalter 3"/>
+          <p:cNvPr id="4" name="Footer Placeholder 3"/>
           <p:cNvSpPr>
             <a:spLocks noGrp="1"/>
           </p:cNvSpPr>
@@ -1919,7 +2143,7 @@
       </p:sp>
       <p:sp>
         <p:nvSpPr>
-          <p:cNvPr id="5" name="Foliennummernplatzhalter 4"/>
+          <p:cNvPr id="5" name="Slide Number Placeholder 4"/>
           <p:cNvSpPr>
             <a:spLocks noGrp="1"/>
           </p:cNvSpPr>
@@ -1943,7 +2167,7 @@
     </p:spTree>
     <p:extLst>
       <p:ext uri="{BB962C8B-B14F-4D97-AF65-F5344CB8AC3E}">
-        <p14:creationId xmlns:p14="http://schemas.microsoft.com/office/powerpoint/2010/main" val="3586132616"/>
+        <p14:creationId xmlns:p14="http://schemas.microsoft.com/office/powerpoint/2010/main" val="2627386731"/>
       </p:ext>
     </p:extLst>
   </p:cSld>
@@ -1954,7 +2178,7 @@
 </file>
 
 <file path=ppt/slideLayouts/slideLayout7.xml><?xml version="1.0" encoding="utf-8"?>
-<p:sldLayout xmlns:a="http://schemas.openxmlformats.org/drawingml/2006/main" xmlns:r="http://schemas.openxmlformats.org/officeDocument/2006/relationships" xmlns:p="http://schemas.openxmlformats.org/presentationml/2006/main" type="blank" preserve="1">
+<p:sldLayout xmlns:a="http://schemas.openxmlformats.org/drawingml/2006/main" xmlns:r="http://schemas.openxmlformats.org/officeDocument/2006/relationships" xmlns:p="http://schemas.openxmlformats.org/presentationml/2006/main" showMasterSp="0" type="blank" preserve="1">
   <p:cSld name="Leer">
     <p:spTree>
       <p:nvGrpSpPr>
@@ -1972,7 +2196,83 @@
       </p:grpSpPr>
       <p:sp>
         <p:nvSpPr>
-          <p:cNvPr id="2" name="Datumsplatzhalter 1"/>
+          <p:cNvPr id="5" name="Rectangle 4"/>
+          <p:cNvSpPr/>
+          <p:nvPr/>
+        </p:nvSpPr>
+        <p:spPr>
+          <a:xfrm>
+            <a:off x="3175" y="6400800"/>
+            <a:ext cx="12188825" cy="457200"/>
+          </a:xfrm>
+          <a:prstGeom prst="rect">
+            <a:avLst/>
+          </a:prstGeom>
+          <a:solidFill>
+            <a:schemeClr val="accent2"/>
+          </a:solidFill>
+          <a:ln>
+            <a:noFill/>
+          </a:ln>
+        </p:spPr>
+        <p:style>
+          <a:lnRef idx="2">
+            <a:schemeClr val="accent1">
+              <a:shade val="50000"/>
+            </a:schemeClr>
+          </a:lnRef>
+          <a:fillRef idx="1">
+            <a:schemeClr val="accent1"/>
+          </a:fillRef>
+          <a:effectRef idx="0">
+            <a:schemeClr val="accent1"/>
+          </a:effectRef>
+          <a:fontRef idx="minor">
+            <a:schemeClr val="lt1"/>
+          </a:fontRef>
+        </p:style>
+      </p:sp>
+      <p:sp>
+        <p:nvSpPr>
+          <p:cNvPr id="6" name="Rectangle 5"/>
+          <p:cNvSpPr/>
+          <p:nvPr/>
+        </p:nvSpPr>
+        <p:spPr>
+          <a:xfrm>
+            <a:off x="15" y="6334316"/>
+            <a:ext cx="12188825" cy="64008"/>
+          </a:xfrm>
+          <a:prstGeom prst="rect">
+            <a:avLst/>
+          </a:prstGeom>
+          <a:solidFill>
+            <a:schemeClr val="accent1"/>
+          </a:solidFill>
+          <a:ln>
+            <a:noFill/>
+          </a:ln>
+        </p:spPr>
+        <p:style>
+          <a:lnRef idx="2">
+            <a:schemeClr val="accent1">
+              <a:shade val="50000"/>
+            </a:schemeClr>
+          </a:lnRef>
+          <a:fillRef idx="1">
+            <a:schemeClr val="accent1"/>
+          </a:fillRef>
+          <a:effectRef idx="0">
+            <a:schemeClr val="accent1"/>
+          </a:effectRef>
+          <a:fontRef idx="minor">
+            <a:schemeClr val="lt1"/>
+          </a:fontRef>
+        </p:style>
+      </p:sp>
+      <p:sp>
+        <p:nvSpPr>
+          <p:cNvPr id="7" name="Date Placeholder 6"/>
           <p:cNvSpPr>
             <a:spLocks noGrp="1"/>
           </p:cNvSpPr>
@@ -1987,7 +2287,7 @@
           <a:p>
             <a:fld id="{9FB63C0A-AEF3-44F7-A4BC-C837ADFBB76C}" type="datetimeFigureOut">
               <a:rPr lang="de-DE" smtClean="0"/>
-              <a:t>07.11.2017</a:t>
+              <a:t>27.11.2017</a:t>
             </a:fld>
             <a:endParaRPr lang="de-DE"/>
           </a:p>
@@ -1995,7 +2295,7 @@
       </p:sp>
       <p:sp>
         <p:nvSpPr>
-          <p:cNvPr id="3" name="Fußzeilenplatzhalter 2"/>
+          <p:cNvPr id="8" name="Footer Placeholder 7"/>
           <p:cNvSpPr>
             <a:spLocks noGrp="1"/>
           </p:cNvSpPr>
@@ -2006,7 +2306,15 @@
         <p:spPr/>
         <p:txBody>
           <a:bodyPr/>
-          <a:lstStyle/>
+          <a:lstStyle>
+            <a:lvl1pPr>
+              <a:defRPr>
+                <a:solidFill>
+                  <a:srgbClr val="FFFFFF"/>
+                </a:solidFill>
+              </a:defRPr>
+            </a:lvl1pPr>
+          </a:lstStyle>
           <a:p>
             <a:endParaRPr lang="de-DE"/>
           </a:p>
@@ -2014,7 +2322,7 @@
       </p:sp>
       <p:sp>
         <p:nvSpPr>
-          <p:cNvPr id="4" name="Foliennummernplatzhalter 3"/>
+          <p:cNvPr id="9" name="Slide Number Placeholder 8"/>
           <p:cNvSpPr>
             <a:spLocks noGrp="1"/>
           </p:cNvSpPr>
@@ -2038,7 +2346,7 @@
     </p:spTree>
     <p:extLst>
       <p:ext uri="{BB962C8B-B14F-4D97-AF65-F5344CB8AC3E}">
-        <p14:creationId xmlns:p14="http://schemas.microsoft.com/office/powerpoint/2010/main" val="1182843088"/>
+        <p14:creationId xmlns:p14="http://schemas.microsoft.com/office/powerpoint/2010/main" val="1274112443"/>
       </p:ext>
     </p:extLst>
   </p:cSld>
@@ -2049,7 +2357,7 @@
 </file>
 
 <file path=ppt/slideLayouts/slideLayout8.xml><?xml version="1.0" encoding="utf-8"?>
-<p:sldLayout xmlns:a="http://schemas.openxmlformats.org/drawingml/2006/main" xmlns:r="http://schemas.openxmlformats.org/officeDocument/2006/relationships" xmlns:p="http://schemas.openxmlformats.org/presentationml/2006/main" type="objTx" preserve="1">
+<p:sldLayout xmlns:a="http://schemas.openxmlformats.org/drawingml/2006/main" xmlns:r="http://schemas.openxmlformats.org/officeDocument/2006/relationships" xmlns:p="http://schemas.openxmlformats.org/presentationml/2006/main" showMasterSp="0" type="objTx" preserve="1">
   <p:cSld name="Inhalt mit Überschrift">
     <p:spTree>
       <p:nvGrpSpPr>
@@ -2067,39 +2375,121 @@
       </p:grpSpPr>
       <p:sp>
         <p:nvSpPr>
-          <p:cNvPr id="2" name="Titel 1"/>
-          <p:cNvSpPr>
-            <a:spLocks noGrp="1"/>
-          </p:cNvSpPr>
-          <p:nvPr>
-            <p:ph type="title"/>
-          </p:nvPr>
+          <p:cNvPr id="8" name="Rectangle 7"/>
+          <p:cNvSpPr/>
+          <p:nvPr/>
         </p:nvSpPr>
         <p:spPr>
           <a:xfrm>
-            <a:off x="457200" y="273050"/>
-            <a:ext cx="3008313" cy="1162050"/>
+            <a:off x="16" y="0"/>
+            <a:ext cx="4050791" cy="6858000"/>
+          </a:xfrm>
+          <a:prstGeom prst="rect">
+            <a:avLst/>
+          </a:prstGeom>
+          <a:solidFill>
+            <a:schemeClr val="accent2"/>
+          </a:solidFill>
+          <a:ln>
+            <a:noFill/>
+          </a:ln>
+        </p:spPr>
+        <p:style>
+          <a:lnRef idx="2">
+            <a:schemeClr val="accent1">
+              <a:shade val="50000"/>
+            </a:schemeClr>
+          </a:lnRef>
+          <a:fillRef idx="1">
+            <a:schemeClr val="accent1"/>
+          </a:fillRef>
+          <a:effectRef idx="0">
+            <a:schemeClr val="accent1"/>
+          </a:effectRef>
+          <a:fontRef idx="minor">
+            <a:schemeClr val="lt1"/>
+          </a:fontRef>
+        </p:style>
+      </p:sp>
+      <p:sp>
+        <p:nvSpPr>
+          <p:cNvPr id="9" name="Rectangle 8"/>
+          <p:cNvSpPr/>
+          <p:nvPr/>
+        </p:nvSpPr>
+        <p:spPr>
+          <a:xfrm>
+            <a:off x="4040071" y="0"/>
+            <a:ext cx="64008" cy="6858000"/>
+          </a:xfrm>
+          <a:prstGeom prst="rect">
+            <a:avLst/>
+          </a:prstGeom>
+          <a:solidFill>
+            <a:schemeClr val="accent1"/>
+          </a:solidFill>
+          <a:ln>
+            <a:noFill/>
+          </a:ln>
+        </p:spPr>
+        <p:style>
+          <a:lnRef idx="2">
+            <a:schemeClr val="accent1">
+              <a:shade val="50000"/>
+            </a:schemeClr>
+          </a:lnRef>
+          <a:fillRef idx="1">
+            <a:schemeClr val="accent1"/>
+          </a:fillRef>
+          <a:effectRef idx="0">
+            <a:schemeClr val="accent1"/>
+          </a:effectRef>
+          <a:fontRef idx="minor">
+            <a:schemeClr val="lt1"/>
+          </a:fontRef>
+        </p:style>
+      </p:sp>
+      <p:sp>
+        <p:nvSpPr>
+          <p:cNvPr id="2" name="Title 1"/>
+          <p:cNvSpPr>
+            <a:spLocks noGrp="1"/>
+          </p:cNvSpPr>
+          <p:nvPr>
+            <p:ph type="title"/>
+          </p:nvPr>
+        </p:nvSpPr>
+        <p:spPr>
+          <a:xfrm>
+            <a:off x="457200" y="594359"/>
+            <a:ext cx="3200400" cy="2286000"/>
           </a:xfrm>
         </p:spPr>
         <p:txBody>
-          <a:bodyPr anchor="b"/>
+          <a:bodyPr anchor="b">
+            <a:normAutofit/>
+          </a:bodyPr>
           <a:lstStyle>
-            <a:lvl1pPr algn="l">
-              <a:defRPr sz="2000" b="1"/>
+            <a:lvl1pPr>
+              <a:defRPr sz="3600" b="0">
+                <a:solidFill>
+                  <a:srgbClr val="FFFFFF"/>
+                </a:solidFill>
+              </a:defRPr>
             </a:lvl1pPr>
           </a:lstStyle>
           <a:p>
             <a:r>
-              <a:rPr lang="de-DE" smtClean="0"/>
-              <a:t>Titelmasterformat durch Klicken bearbeiten</a:t>
-            </a:r>
-            <a:endParaRPr lang="de-DE"/>
-          </a:p>
-        </p:txBody>
-      </p:sp>
-      <p:sp>
-        <p:nvSpPr>
-          <p:cNvPr id="3" name="Inhaltsplatzhalter 2"/>
+              <a:rPr lang="de-DE"/>
+              <a:t>Mastertitelformat bearbeiten</a:t>
+            </a:r>
+            <a:endParaRPr lang="en-US" dirty="0"/>
+          </a:p>
+        </p:txBody>
+      </p:sp>
+      <p:sp>
+        <p:nvSpPr>
+          <p:cNvPr id="3" name="Content Placeholder 2"/>
           <p:cNvSpPr>
             <a:spLocks noGrp="1"/>
           </p:cNvSpPr>
@@ -2109,82 +2499,54 @@
         </p:nvSpPr>
         <p:spPr>
           <a:xfrm>
-            <a:off x="3575050" y="273050"/>
-            <a:ext cx="5111750" cy="5853113"/>
+            <a:off x="4800600" y="731520"/>
+            <a:ext cx="6492240" cy="5257800"/>
           </a:xfrm>
         </p:spPr>
         <p:txBody>
           <a:bodyPr/>
-          <a:lstStyle>
-            <a:lvl1pPr>
-              <a:defRPr sz="3200"/>
-            </a:lvl1pPr>
-            <a:lvl2pPr>
-              <a:defRPr sz="2800"/>
-            </a:lvl2pPr>
-            <a:lvl3pPr>
-              <a:defRPr sz="2400"/>
-            </a:lvl3pPr>
-            <a:lvl4pPr>
-              <a:defRPr sz="2000"/>
-            </a:lvl4pPr>
-            <a:lvl5pPr>
-              <a:defRPr sz="2000"/>
-            </a:lvl5pPr>
-            <a:lvl6pPr>
-              <a:defRPr sz="2000"/>
-            </a:lvl6pPr>
-            <a:lvl7pPr>
-              <a:defRPr sz="2000"/>
-            </a:lvl7pPr>
-            <a:lvl8pPr>
-              <a:defRPr sz="2000"/>
-            </a:lvl8pPr>
-            <a:lvl9pPr>
-              <a:defRPr sz="2000"/>
-            </a:lvl9pPr>
-          </a:lstStyle>
+          <a:lstStyle/>
           <a:p>
             <a:pPr lvl="0"/>
             <a:r>
-              <a:rPr lang="de-DE" smtClean="0"/>
-              <a:t>Textmasterformat bearbeiten</a:t>
+              <a:rPr lang="de-DE"/>
+              <a:t>Mastertextformat bearbeiten</a:t>
             </a:r>
           </a:p>
           <a:p>
             <a:pPr lvl="1"/>
             <a:r>
-              <a:rPr lang="de-DE" smtClean="0"/>
+              <a:rPr lang="de-DE"/>
               <a:t>Zweite Ebene</a:t>
             </a:r>
           </a:p>
           <a:p>
             <a:pPr lvl="2"/>
             <a:r>
-              <a:rPr lang="de-DE" smtClean="0"/>
+              <a:rPr lang="de-DE"/>
               <a:t>Dritte Ebene</a:t>
             </a:r>
           </a:p>
           <a:p>
             <a:pPr lvl="3"/>
             <a:r>
-              <a:rPr lang="de-DE" smtClean="0"/>
+              <a:rPr lang="de-DE"/>
               <a:t>Vierte Ebene</a:t>
             </a:r>
           </a:p>
           <a:p>
             <a:pPr lvl="4"/>
             <a:r>
-              <a:rPr lang="de-DE" smtClean="0"/>
+              <a:rPr lang="de-DE"/>
               <a:t>Fünfte Ebene</a:t>
             </a:r>
-            <a:endParaRPr lang="de-DE"/>
-          </a:p>
-        </p:txBody>
-      </p:sp>
-      <p:sp>
-        <p:nvSpPr>
-          <p:cNvPr id="4" name="Textplatzhalter 3"/>
+            <a:endParaRPr lang="en-US" dirty="0"/>
+          </a:p>
+        </p:txBody>
+      </p:sp>
+      <p:sp>
+        <p:nvSpPr>
+          <p:cNvPr id="4" name="Text Placeholder 3"/>
           <p:cNvSpPr>
             <a:spLocks noGrp="1"/>
           </p:cNvSpPr>
@@ -2194,16 +2556,22 @@
         </p:nvSpPr>
         <p:spPr>
           <a:xfrm>
-            <a:off x="457200" y="1435100"/>
-            <a:ext cx="3008313" cy="4691063"/>
+            <a:off x="457200" y="2926080"/>
+            <a:ext cx="3200400" cy="3379124"/>
           </a:xfrm>
         </p:spPr>
         <p:txBody>
-          <a:bodyPr/>
+          <a:bodyPr lIns="91440" rIns="91440">
+            <a:normAutofit/>
+          </a:bodyPr>
           <a:lstStyle>
             <a:lvl1pPr marL="0" indent="0">
               <a:buNone/>
-              <a:defRPr sz="1400"/>
+              <a:defRPr sz="1500">
+                <a:solidFill>
+                  <a:srgbClr val="FFFFFF"/>
+                </a:solidFill>
+              </a:defRPr>
             </a:lvl1pPr>
             <a:lvl2pPr marL="457200" indent="0">
               <a:buNone/>
@@ -2241,15 +2609,15 @@
           <a:p>
             <a:pPr lvl="0"/>
             <a:r>
-              <a:rPr lang="de-DE" smtClean="0"/>
-              <a:t>Textmasterformat bearbeiten</a:t>
-            </a:r>
-          </a:p>
-        </p:txBody>
-      </p:sp>
-      <p:sp>
-        <p:nvSpPr>
-          <p:cNvPr id="5" name="Datumsplatzhalter 4"/>
+              <a:rPr lang="de-DE"/>
+              <a:t>Mastertextformat bearbeiten</a:t>
+            </a:r>
+          </a:p>
+        </p:txBody>
+      </p:sp>
+      <p:sp>
+        <p:nvSpPr>
+          <p:cNvPr id="5" name="Date Placeholder 4"/>
           <p:cNvSpPr>
             <a:spLocks noGrp="1"/>
           </p:cNvSpPr>
@@ -2257,14 +2625,23 @@
             <p:ph type="dt" sz="half" idx="10"/>
           </p:nvPr>
         </p:nvSpPr>
-        <p:spPr/>
-        <p:txBody>
-          <a:bodyPr/>
-          <a:lstStyle/>
+        <p:spPr>
+          <a:xfrm>
+            <a:off x="465512" y="6459785"/>
+            <a:ext cx="2618510" cy="365125"/>
+          </a:xfrm>
+        </p:spPr>
+        <p:txBody>
+          <a:bodyPr/>
+          <a:lstStyle>
+            <a:lvl1pPr algn="l">
+              <a:defRPr/>
+            </a:lvl1pPr>
+          </a:lstStyle>
           <a:p>
             <a:fld id="{9FB63C0A-AEF3-44F7-A4BC-C837ADFBB76C}" type="datetimeFigureOut">
               <a:rPr lang="de-DE" smtClean="0"/>
-              <a:t>07.11.2017</a:t>
+              <a:t>27.11.2017</a:t>
             </a:fld>
             <a:endParaRPr lang="de-DE"/>
           </a:p>
@@ -2272,7 +2649,7 @@
       </p:sp>
       <p:sp>
         <p:nvSpPr>
-          <p:cNvPr id="6" name="Fußzeilenplatzhalter 5"/>
+          <p:cNvPr id="6" name="Footer Placeholder 5"/>
           <p:cNvSpPr>
             <a:spLocks noGrp="1"/>
           </p:cNvSpPr>
@@ -2280,10 +2657,23 @@
             <p:ph type="ftr" sz="quarter" idx="11"/>
           </p:nvPr>
         </p:nvSpPr>
-        <p:spPr/>
-        <p:txBody>
-          <a:bodyPr/>
-          <a:lstStyle/>
+        <p:spPr>
+          <a:xfrm>
+            <a:off x="4800600" y="6459785"/>
+            <a:ext cx="4648200" cy="365125"/>
+          </a:xfrm>
+        </p:spPr>
+        <p:txBody>
+          <a:bodyPr/>
+          <a:lstStyle>
+            <a:lvl1pPr algn="l">
+              <a:defRPr>
+                <a:solidFill>
+                  <a:schemeClr val="tx2"/>
+                </a:solidFill>
+              </a:defRPr>
+            </a:lvl1pPr>
+          </a:lstStyle>
           <a:p>
             <a:endParaRPr lang="de-DE"/>
           </a:p>
@@ -2291,7 +2681,7 @@
       </p:sp>
       <p:sp>
         <p:nvSpPr>
-          <p:cNvPr id="7" name="Foliennummernplatzhalter 6"/>
+          <p:cNvPr id="7" name="Slide Number Placeholder 6"/>
           <p:cNvSpPr>
             <a:spLocks noGrp="1"/>
           </p:cNvSpPr>
@@ -2302,7 +2692,15 @@
         <p:spPr/>
         <p:txBody>
           <a:bodyPr/>
-          <a:lstStyle/>
+          <a:lstStyle>
+            <a:lvl1pPr>
+              <a:defRPr>
+                <a:solidFill>
+                  <a:schemeClr val="tx2"/>
+                </a:solidFill>
+              </a:defRPr>
+            </a:lvl1pPr>
+          </a:lstStyle>
           <a:p>
             <a:fld id="{510BAE72-FC2D-4572-BB31-AD9C7192A892}" type="slidenum">
               <a:rPr lang="de-DE" smtClean="0"/>
@@ -2315,7 +2713,7 @@
     </p:spTree>
     <p:extLst>
       <p:ext uri="{BB962C8B-B14F-4D97-AF65-F5344CB8AC3E}">
-        <p14:creationId xmlns:p14="http://schemas.microsoft.com/office/powerpoint/2010/main" val="4105620907"/>
+        <p14:creationId xmlns:p14="http://schemas.microsoft.com/office/powerpoint/2010/main" val="169958210"/>
       </p:ext>
     </p:extLst>
   </p:cSld>
@@ -2326,7 +2724,7 @@
 </file>
 
 <file path=ppt/slideLayouts/slideLayout9.xml><?xml version="1.0" encoding="utf-8"?>
-<p:sldLayout xmlns:a="http://schemas.openxmlformats.org/drawingml/2006/main" xmlns:r="http://schemas.openxmlformats.org/officeDocument/2006/relationships" xmlns:p="http://schemas.openxmlformats.org/presentationml/2006/main" type="picTx" preserve="1">
+<p:sldLayout xmlns:a="http://schemas.openxmlformats.org/drawingml/2006/main" xmlns:r="http://schemas.openxmlformats.org/officeDocument/2006/relationships" xmlns:p="http://schemas.openxmlformats.org/presentationml/2006/main" showMasterSp="0" type="picTx" preserve="1">
   <p:cSld name="Bild mit Überschrift">
     <p:spTree>
       <p:nvGrpSpPr>
@@ -2344,41 +2742,123 @@
       </p:grpSpPr>
       <p:sp>
         <p:nvSpPr>
-          <p:cNvPr id="2" name="Titel 1"/>
-          <p:cNvSpPr>
-            <a:spLocks noGrp="1"/>
-          </p:cNvSpPr>
-          <p:nvPr>
-            <p:ph type="title"/>
-          </p:nvPr>
+          <p:cNvPr id="8" name="Rectangle 7"/>
+          <p:cNvSpPr/>
+          <p:nvPr/>
         </p:nvSpPr>
         <p:spPr>
           <a:xfrm>
-            <a:off x="1792288" y="4800600"/>
-            <a:ext cx="5486400" cy="566738"/>
+            <a:off x="0" y="4953000"/>
+            <a:ext cx="12188825" cy="1905000"/>
+          </a:xfrm>
+          <a:prstGeom prst="rect">
+            <a:avLst/>
+          </a:prstGeom>
+          <a:solidFill>
+            <a:schemeClr val="accent2"/>
+          </a:solidFill>
+          <a:ln>
+            <a:noFill/>
+          </a:ln>
+        </p:spPr>
+        <p:style>
+          <a:lnRef idx="2">
+            <a:schemeClr val="accent1">
+              <a:shade val="50000"/>
+            </a:schemeClr>
+          </a:lnRef>
+          <a:fillRef idx="1">
+            <a:schemeClr val="accent1"/>
+          </a:fillRef>
+          <a:effectRef idx="0">
+            <a:schemeClr val="accent1"/>
+          </a:effectRef>
+          <a:fontRef idx="minor">
+            <a:schemeClr val="lt1"/>
+          </a:fontRef>
+        </p:style>
+      </p:sp>
+      <p:sp>
+        <p:nvSpPr>
+          <p:cNvPr id="9" name="Rectangle 8"/>
+          <p:cNvSpPr/>
+          <p:nvPr/>
+        </p:nvSpPr>
+        <p:spPr>
+          <a:xfrm>
+            <a:off x="15" y="4915076"/>
+            <a:ext cx="12188825" cy="64008"/>
+          </a:xfrm>
+          <a:prstGeom prst="rect">
+            <a:avLst/>
+          </a:prstGeom>
+          <a:solidFill>
+            <a:schemeClr val="accent1"/>
+          </a:solidFill>
+          <a:ln>
+            <a:noFill/>
+          </a:ln>
+        </p:spPr>
+        <p:style>
+          <a:lnRef idx="2">
+            <a:schemeClr val="accent1">
+              <a:shade val="50000"/>
+            </a:schemeClr>
+          </a:lnRef>
+          <a:fillRef idx="1">
+            <a:schemeClr val="accent1"/>
+          </a:fillRef>
+          <a:effectRef idx="0">
+            <a:schemeClr val="accent1"/>
+          </a:effectRef>
+          <a:fontRef idx="minor">
+            <a:schemeClr val="lt1"/>
+          </a:fontRef>
+        </p:style>
+      </p:sp>
+      <p:sp>
+        <p:nvSpPr>
+          <p:cNvPr id="2" name="Title 1"/>
+          <p:cNvSpPr>
+            <a:spLocks noGrp="1"/>
+          </p:cNvSpPr>
+          <p:nvPr>
+            <p:ph type="title"/>
+          </p:nvPr>
+        </p:nvSpPr>
+        <p:spPr>
+          <a:xfrm>
+            <a:off x="1097280" y="5074920"/>
+            <a:ext cx="10113264" cy="822960"/>
           </a:xfrm>
         </p:spPr>
         <p:txBody>
-          <a:bodyPr anchor="b"/>
+          <a:bodyPr lIns="91440" tIns="0" rIns="91440" bIns="0" anchor="b">
+            <a:noAutofit/>
+          </a:bodyPr>
           <a:lstStyle>
-            <a:lvl1pPr algn="l">
-              <a:defRPr sz="2000" b="1"/>
+            <a:lvl1pPr>
+              <a:defRPr sz="3600" b="0">
+                <a:solidFill>
+                  <a:srgbClr val="FFFFFF"/>
+                </a:solidFill>
+              </a:defRPr>
             </a:lvl1pPr>
           </a:lstStyle>
           <a:p>
             <a:r>
-              <a:rPr lang="de-DE" smtClean="0"/>
-              <a:t>Titelmasterformat durch Klicken bearbeiten</a:t>
-            </a:r>
-            <a:endParaRPr lang="de-DE"/>
-          </a:p>
-        </p:txBody>
-      </p:sp>
-      <p:sp>
-        <p:nvSpPr>
-          <p:cNvPr id="3" name="Bildplatzhalter 2"/>
-          <p:cNvSpPr>
-            <a:spLocks noGrp="1"/>
+              <a:rPr lang="de-DE"/>
+              <a:t>Mastertitelformat bearbeiten</a:t>
+            </a:r>
+            <a:endParaRPr lang="en-US" dirty="0"/>
+          </a:p>
+        </p:txBody>
+      </p:sp>
+      <p:sp>
+        <p:nvSpPr>
+          <p:cNvPr id="3" name="Picture Placeholder 2"/>
+          <p:cNvSpPr>
+            <a:spLocks noGrp="1" noChangeAspect="1"/>
           </p:cNvSpPr>
           <p:nvPr>
             <p:ph type="pic" idx="1"/>
@@ -2386,16 +2866,26 @@
         </p:nvSpPr>
         <p:spPr>
           <a:xfrm>
-            <a:off x="1792288" y="612775"/>
-            <a:ext cx="5486400" cy="4114800"/>
+            <a:off x="15" y="0"/>
+            <a:ext cx="12191985" cy="4915076"/>
           </a:xfrm>
+          <a:blipFill>
+            <a:blip r:embed="rId2"/>
+            <a:stretch>
+              <a:fillRect/>
+            </a:stretch>
+          </a:blipFill>
         </p:spPr>
         <p:txBody>
-          <a:bodyPr/>
+          <a:bodyPr lIns="457200" tIns="457200" anchor="t"/>
           <a:lstStyle>
             <a:lvl1pPr marL="0" indent="0">
               <a:buNone/>
-              <a:defRPr sz="3200"/>
+              <a:defRPr sz="3200">
+                <a:solidFill>
+                  <a:schemeClr val="bg1"/>
+                </a:solidFill>
+              </a:defRPr>
             </a:lvl1pPr>
             <a:lvl2pPr marL="457200" indent="0">
               <a:buNone/>
@@ -2431,13 +2921,17 @@
             </a:lvl9pPr>
           </a:lstStyle>
           <a:p>
-            <a:endParaRPr lang="de-DE"/>
-          </a:p>
-        </p:txBody>
-      </p:sp>
-      <p:sp>
-        <p:nvSpPr>
-          <p:cNvPr id="4" name="Textplatzhalter 3"/>
+            <a:r>
+              <a:rPr lang="de-DE"/>
+              <a:t>Bild durch Klicken auf Symbol hinzufügen</a:t>
+            </a:r>
+            <a:endParaRPr lang="en-US" dirty="0"/>
+          </a:p>
+        </p:txBody>
+      </p:sp>
+      <p:sp>
+        <p:nvSpPr>
+          <p:cNvPr id="4" name="Text Placeholder 3"/>
           <p:cNvSpPr>
             <a:spLocks noGrp="1"/>
           </p:cNvSpPr>
@@ -2447,16 +2941,28 @@
         </p:nvSpPr>
         <p:spPr>
           <a:xfrm>
-            <a:off x="1792288" y="5367338"/>
-            <a:ext cx="5486400" cy="804862"/>
+            <a:off x="1097280" y="5907023"/>
+            <a:ext cx="10113264" cy="594360"/>
           </a:xfrm>
         </p:spPr>
         <p:txBody>
-          <a:bodyPr/>
+          <a:bodyPr lIns="91440" tIns="0" rIns="91440" bIns="0">
+            <a:normAutofit/>
+          </a:bodyPr>
           <a:lstStyle>
             <a:lvl1pPr marL="0" indent="0">
-              <a:buNone/>
-              <a:defRPr sz="1400"/>
+              <a:spcBef>
+                <a:spcPts val="0"/>
+              </a:spcBef>
+              <a:spcAft>
+                <a:spcPts val="600"/>
+              </a:spcAft>
+              <a:buNone/>
+              <a:defRPr sz="1500">
+                <a:solidFill>
+                  <a:srgbClr val="FFFFFF"/>
+                </a:solidFill>
+              </a:defRPr>
             </a:lvl1pPr>
             <a:lvl2pPr marL="457200" indent="0">
               <a:buNone/>
@@ -2494,15 +3000,15 @@
           <a:p>
             <a:pPr lvl="0"/>
             <a:r>
-              <a:rPr lang="de-DE" smtClean="0"/>
-              <a:t>Textmasterformat bearbeiten</a:t>
-            </a:r>
-          </a:p>
-        </p:txBody>
-      </p:sp>
-      <p:sp>
-        <p:nvSpPr>
-          <p:cNvPr id="5" name="Datumsplatzhalter 4"/>
+              <a:rPr lang="de-DE"/>
+              <a:t>Mastertextformat bearbeiten</a:t>
+            </a:r>
+          </a:p>
+        </p:txBody>
+      </p:sp>
+      <p:sp>
+        <p:nvSpPr>
+          <p:cNvPr id="5" name="Date Placeholder 4"/>
           <p:cNvSpPr>
             <a:spLocks noGrp="1"/>
           </p:cNvSpPr>
@@ -2517,7 +3023,7 @@
           <a:p>
             <a:fld id="{9FB63C0A-AEF3-44F7-A4BC-C837ADFBB76C}" type="datetimeFigureOut">
               <a:rPr lang="de-DE" smtClean="0"/>
-              <a:t>07.11.2017</a:t>
+              <a:t>27.11.2017</a:t>
             </a:fld>
             <a:endParaRPr lang="de-DE"/>
           </a:p>
@@ -2525,7 +3031,7 @@
       </p:sp>
       <p:sp>
         <p:nvSpPr>
-          <p:cNvPr id="6" name="Fußzeilenplatzhalter 5"/>
+          <p:cNvPr id="6" name="Footer Placeholder 5"/>
           <p:cNvSpPr>
             <a:spLocks noGrp="1"/>
           </p:cNvSpPr>
@@ -2544,7 +3050,7 @@
       </p:sp>
       <p:sp>
         <p:nvSpPr>
-          <p:cNvPr id="7" name="Foliennummernplatzhalter 6"/>
+          <p:cNvPr id="7" name="Slide Number Placeholder 6"/>
           <p:cNvSpPr>
             <a:spLocks noGrp="1"/>
           </p:cNvSpPr>
@@ -2568,7 +3074,7 @@
     </p:spTree>
     <p:extLst>
       <p:ext uri="{BB962C8B-B14F-4D97-AF65-F5344CB8AC3E}">
-        <p14:creationId xmlns:p14="http://schemas.microsoft.com/office/powerpoint/2010/main" val="850126837"/>
+        <p14:creationId xmlns:p14="http://schemas.microsoft.com/office/powerpoint/2010/main" val="2493175114"/>
       </p:ext>
     </p:extLst>
   </p:cSld>
@@ -2602,40 +3108,116 @@
       </p:grpSpPr>
       <p:sp>
         <p:nvSpPr>
-          <p:cNvPr id="2" name="Titelplatzhalter 1"/>
-          <p:cNvSpPr>
-            <a:spLocks noGrp="1"/>
-          </p:cNvSpPr>
-          <p:nvPr>
-            <p:ph type="title"/>
-          </p:nvPr>
+          <p:cNvPr id="7" name="Rectangle 6"/>
+          <p:cNvSpPr/>
+          <p:nvPr/>
         </p:nvSpPr>
         <p:spPr>
           <a:xfrm>
-            <a:off x="457200" y="274638"/>
-            <a:ext cx="8229600" cy="1143000"/>
+            <a:off x="1" y="6400800"/>
+            <a:ext cx="12192000" cy="457200"/>
+          </a:xfrm>
+          <a:prstGeom prst="rect">
+            <a:avLst/>
+          </a:prstGeom>
+          <a:solidFill>
+            <a:schemeClr val="accent2"/>
+          </a:solidFill>
+          <a:ln>
+            <a:noFill/>
+          </a:ln>
+        </p:spPr>
+        <p:style>
+          <a:lnRef idx="2">
+            <a:schemeClr val="accent1">
+              <a:shade val="50000"/>
+            </a:schemeClr>
+          </a:lnRef>
+          <a:fillRef idx="1">
+            <a:schemeClr val="accent1"/>
+          </a:fillRef>
+          <a:effectRef idx="0">
+            <a:schemeClr val="accent1"/>
+          </a:effectRef>
+          <a:fontRef idx="minor">
+            <a:schemeClr val="lt1"/>
+          </a:fontRef>
+        </p:style>
+      </p:sp>
+      <p:sp>
+        <p:nvSpPr>
+          <p:cNvPr id="9" name="Rectangle 8"/>
+          <p:cNvSpPr/>
+          <p:nvPr/>
+        </p:nvSpPr>
+        <p:spPr>
+          <a:xfrm>
+            <a:off x="0" y="6334316"/>
+            <a:ext cx="12192001" cy="65998"/>
+          </a:xfrm>
+          <a:prstGeom prst="rect">
+            <a:avLst/>
+          </a:prstGeom>
+          <a:solidFill>
+            <a:schemeClr val="accent1"/>
+          </a:solidFill>
+          <a:ln>
+            <a:noFill/>
+          </a:ln>
+        </p:spPr>
+        <p:style>
+          <a:lnRef idx="2">
+            <a:schemeClr val="accent1">
+              <a:shade val="50000"/>
+            </a:schemeClr>
+          </a:lnRef>
+          <a:fillRef idx="1">
+            <a:schemeClr val="accent1"/>
+          </a:fillRef>
+          <a:effectRef idx="0">
+            <a:schemeClr val="accent1"/>
+          </a:effectRef>
+          <a:fontRef idx="minor">
+            <a:schemeClr val="lt1"/>
+          </a:fontRef>
+        </p:style>
+      </p:sp>
+      <p:sp>
+        <p:nvSpPr>
+          <p:cNvPr id="2" name="Title Placeholder 1"/>
+          <p:cNvSpPr>
+            <a:spLocks noGrp="1"/>
+          </p:cNvSpPr>
+          <p:nvPr>
+            <p:ph type="title"/>
+          </p:nvPr>
+        </p:nvSpPr>
+        <p:spPr>
+          <a:xfrm>
+            <a:off x="1097280" y="286603"/>
+            <a:ext cx="10058400" cy="1450757"/>
           </a:xfrm>
           <a:prstGeom prst="rect">
             <a:avLst/>
           </a:prstGeom>
         </p:spPr>
         <p:txBody>
-          <a:bodyPr vert="horz" lIns="91440" tIns="45720" rIns="91440" bIns="45720" rtlCol="0" anchor="ctr">
+          <a:bodyPr vert="horz" lIns="91440" tIns="45720" rIns="91440" bIns="45720" rtlCol="0" anchor="b">
             <a:normAutofit/>
           </a:bodyPr>
           <a:lstStyle/>
           <a:p>
             <a:r>
-              <a:rPr lang="de-DE" smtClean="0"/>
-              <a:t>Titelmasterformat durch Klicken bearbeiten</a:t>
-            </a:r>
-            <a:endParaRPr lang="de-DE"/>
-          </a:p>
-        </p:txBody>
-      </p:sp>
-      <p:sp>
-        <p:nvSpPr>
-          <p:cNvPr id="3" name="Textplatzhalter 2"/>
+              <a:rPr lang="de-DE"/>
+              <a:t>Mastertitelformat bearbeiten</a:t>
+            </a:r>
+            <a:endParaRPr lang="en-US" dirty="0"/>
+          </a:p>
+        </p:txBody>
+      </p:sp>
+      <p:sp>
+        <p:nvSpPr>
+          <p:cNvPr id="3" name="Text Placeholder 2"/>
           <p:cNvSpPr>
             <a:spLocks noGrp="1"/>
           </p:cNvSpPr>
@@ -2645,59 +3227,59 @@
         </p:nvSpPr>
         <p:spPr>
           <a:xfrm>
-            <a:off x="457200" y="1600200"/>
-            <a:ext cx="8229600" cy="4525963"/>
+            <a:off x="1097280" y="1845734"/>
+            <a:ext cx="10058400" cy="4023360"/>
           </a:xfrm>
           <a:prstGeom prst="rect">
             <a:avLst/>
           </a:prstGeom>
         </p:spPr>
         <p:txBody>
-          <a:bodyPr vert="horz" lIns="91440" tIns="45720" rIns="91440" bIns="45720" rtlCol="0">
+          <a:bodyPr vert="horz" lIns="0" tIns="45720" rIns="0" bIns="45720" rtlCol="0">
             <a:normAutofit/>
           </a:bodyPr>
           <a:lstStyle/>
           <a:p>
             <a:pPr lvl="0"/>
             <a:r>
-              <a:rPr lang="de-DE" smtClean="0"/>
-              <a:t>Textmasterformat bearbeiten</a:t>
+              <a:rPr lang="de-DE"/>
+              <a:t>Mastertextformat bearbeiten</a:t>
             </a:r>
           </a:p>
           <a:p>
             <a:pPr lvl="1"/>
             <a:r>
-              <a:rPr lang="de-DE" smtClean="0"/>
+              <a:rPr lang="de-DE"/>
               <a:t>Zweite Ebene</a:t>
             </a:r>
           </a:p>
           <a:p>
             <a:pPr lvl="2"/>
             <a:r>
-              <a:rPr lang="de-DE" smtClean="0"/>
+              <a:rPr lang="de-DE"/>
               <a:t>Dritte Ebene</a:t>
             </a:r>
           </a:p>
           <a:p>
             <a:pPr lvl="3"/>
             <a:r>
-              <a:rPr lang="de-DE" smtClean="0"/>
+              <a:rPr lang="de-DE"/>
               <a:t>Vierte Ebene</a:t>
             </a:r>
           </a:p>
           <a:p>
             <a:pPr lvl="4"/>
             <a:r>
-              <a:rPr lang="de-DE" smtClean="0"/>
+              <a:rPr lang="de-DE"/>
               <a:t>Fünfte Ebene</a:t>
             </a:r>
-            <a:endParaRPr lang="de-DE"/>
-          </a:p>
-        </p:txBody>
-      </p:sp>
-      <p:sp>
-        <p:nvSpPr>
-          <p:cNvPr id="4" name="Datumsplatzhalter 3"/>
+            <a:endParaRPr lang="en-US" dirty="0"/>
+          </a:p>
+        </p:txBody>
+      </p:sp>
+      <p:sp>
+        <p:nvSpPr>
+          <p:cNvPr id="4" name="Date Placeholder 3"/>
           <p:cNvSpPr>
             <a:spLocks noGrp="1"/>
           </p:cNvSpPr>
@@ -2707,8 +3289,8 @@
         </p:nvSpPr>
         <p:spPr>
           <a:xfrm>
-            <a:off x="457200" y="6356350"/>
-            <a:ext cx="2133600" cy="365125"/>
+            <a:off x="1097280" y="6459785"/>
+            <a:ext cx="2472271" cy="365125"/>
           </a:xfrm>
           <a:prstGeom prst="rect">
             <a:avLst/>
@@ -2718,11 +3300,9 @@
           <a:bodyPr vert="horz" lIns="91440" tIns="45720" rIns="91440" bIns="45720" rtlCol="0" anchor="ctr"/>
           <a:lstStyle>
             <a:lvl1pPr algn="l">
-              <a:defRPr sz="1200">
+              <a:defRPr sz="900">
                 <a:solidFill>
-                  <a:schemeClr val="tx1">
-                    <a:tint val="75000"/>
-                  </a:schemeClr>
+                  <a:srgbClr val="FFFFFF"/>
                 </a:solidFill>
               </a:defRPr>
             </a:lvl1pPr>
@@ -2730,7 +3310,7 @@
           <a:p>
             <a:fld id="{9FB63C0A-AEF3-44F7-A4BC-C837ADFBB76C}" type="datetimeFigureOut">
               <a:rPr lang="de-DE" smtClean="0"/>
-              <a:t>07.11.2017</a:t>
+              <a:t>27.11.2017</a:t>
             </a:fld>
             <a:endParaRPr lang="de-DE"/>
           </a:p>
@@ -2738,7 +3318,7 @@
       </p:sp>
       <p:sp>
         <p:nvSpPr>
-          <p:cNvPr id="5" name="Fußzeilenplatzhalter 4"/>
+          <p:cNvPr id="5" name="Footer Placeholder 4"/>
           <p:cNvSpPr>
             <a:spLocks noGrp="1"/>
           </p:cNvSpPr>
@@ -2748,8 +3328,8 @@
         </p:nvSpPr>
         <p:spPr>
           <a:xfrm>
-            <a:off x="3124200" y="6356350"/>
-            <a:ext cx="2895600" cy="365125"/>
+            <a:off x="3686185" y="6459785"/>
+            <a:ext cx="4822804" cy="365125"/>
           </a:xfrm>
           <a:prstGeom prst="rect">
             <a:avLst/>
@@ -2759,11 +3339,9 @@
           <a:bodyPr vert="horz" lIns="91440" tIns="45720" rIns="91440" bIns="45720" rtlCol="0" anchor="ctr"/>
           <a:lstStyle>
             <a:lvl1pPr algn="ctr">
-              <a:defRPr sz="1200">
+              <a:defRPr sz="900" cap="all" baseline="0">
                 <a:solidFill>
-                  <a:schemeClr val="tx1">
-                    <a:tint val="75000"/>
-                  </a:schemeClr>
+                  <a:srgbClr val="FFFFFF"/>
                 </a:solidFill>
               </a:defRPr>
             </a:lvl1pPr>
@@ -2775,7 +3353,7 @@
       </p:sp>
       <p:sp>
         <p:nvSpPr>
-          <p:cNvPr id="6" name="Foliennummernplatzhalter 5"/>
+          <p:cNvPr id="6" name="Slide Number Placeholder 5"/>
           <p:cNvSpPr>
             <a:spLocks noGrp="1"/>
           </p:cNvSpPr>
@@ -2785,8 +3363,8 @@
         </p:nvSpPr>
         <p:spPr>
           <a:xfrm>
-            <a:off x="6553200" y="6356350"/>
-            <a:ext cx="2133600" cy="365125"/>
+            <a:off x="9900458" y="6459785"/>
+            <a:ext cx="1312025" cy="365125"/>
           </a:xfrm>
           <a:prstGeom prst="rect">
             <a:avLst/>
@@ -2796,11 +3374,9 @@
           <a:bodyPr vert="horz" lIns="91440" tIns="45720" rIns="91440" bIns="45720" rtlCol="0" anchor="ctr"/>
           <a:lstStyle>
             <a:lvl1pPr algn="r">
-              <a:defRPr sz="1200">
+              <a:defRPr sz="1050">
                 <a:solidFill>
-                  <a:schemeClr val="tx1">
-                    <a:tint val="75000"/>
-                  </a:schemeClr>
+                  <a:srgbClr val="FFFFFF"/>
                 </a:solidFill>
               </a:defRPr>
             </a:lvl1pPr>
@@ -2814,37 +3390,81 @@
           </a:p>
         </p:txBody>
       </p:sp>
+      <p:cxnSp>
+        <p:nvCxnSpPr>
+          <p:cNvPr id="10" name="Straight Connector 9"/>
+          <p:cNvCxnSpPr/>
+          <p:nvPr/>
+        </p:nvCxnSpPr>
+        <p:spPr>
+          <a:xfrm>
+            <a:off x="1193532" y="1737845"/>
+            <a:ext cx="9966960" cy="0"/>
+          </a:xfrm>
+          <a:prstGeom prst="line">
+            <a:avLst/>
+          </a:prstGeom>
+          <a:ln w="6350">
+            <a:solidFill>
+              <a:schemeClr val="tx1">
+                <a:lumMod val="50000"/>
+                <a:lumOff val="50000"/>
+              </a:schemeClr>
+            </a:solidFill>
+          </a:ln>
+        </p:spPr>
+        <p:style>
+          <a:lnRef idx="1">
+            <a:schemeClr val="accent1"/>
+          </a:lnRef>
+          <a:fillRef idx="0">
+            <a:schemeClr val="accent1"/>
+          </a:fillRef>
+          <a:effectRef idx="0">
+            <a:schemeClr val="accent1"/>
+          </a:effectRef>
+          <a:fontRef idx="minor">
+            <a:schemeClr val="tx1"/>
+          </a:fontRef>
+        </p:style>
+      </p:cxnSp>
     </p:spTree>
     <p:extLst>
       <p:ext uri="{BB962C8B-B14F-4D97-AF65-F5344CB8AC3E}">
-        <p14:creationId xmlns:p14="http://schemas.microsoft.com/office/powerpoint/2010/main" val="230122985"/>
+        <p14:creationId xmlns:p14="http://schemas.microsoft.com/office/powerpoint/2010/main" val="3604491514"/>
       </p:ext>
     </p:extLst>
   </p:cSld>
   <p:clrMap bg1="lt1" tx1="dk1" bg2="lt2" tx2="dk2" accent1="accent1" accent2="accent2" accent3="accent3" accent4="accent4" accent5="accent5" accent6="accent6" hlink="hlink" folHlink="folHlink"/>
   <p:sldLayoutIdLst>
-    <p:sldLayoutId id="2147483673" r:id="rId1"/>
-    <p:sldLayoutId id="2147483674" r:id="rId2"/>
-    <p:sldLayoutId id="2147483675" r:id="rId3"/>
-    <p:sldLayoutId id="2147483676" r:id="rId4"/>
-    <p:sldLayoutId id="2147483677" r:id="rId5"/>
-    <p:sldLayoutId id="2147483678" r:id="rId6"/>
-    <p:sldLayoutId id="2147483679" r:id="rId7"/>
-    <p:sldLayoutId id="2147483680" r:id="rId8"/>
-    <p:sldLayoutId id="2147483681" r:id="rId9"/>
-    <p:sldLayoutId id="2147483682" r:id="rId10"/>
-    <p:sldLayoutId id="2147483683" r:id="rId11"/>
+    <p:sldLayoutId id="2147483697" r:id="rId1"/>
+    <p:sldLayoutId id="2147483698" r:id="rId2"/>
+    <p:sldLayoutId id="2147483699" r:id="rId3"/>
+    <p:sldLayoutId id="2147483700" r:id="rId4"/>
+    <p:sldLayoutId id="2147483701" r:id="rId5"/>
+    <p:sldLayoutId id="2147483702" r:id="rId6"/>
+    <p:sldLayoutId id="2147483703" r:id="rId7"/>
+    <p:sldLayoutId id="2147483704" r:id="rId8"/>
+    <p:sldLayoutId id="2147483705" r:id="rId9"/>
+    <p:sldLayoutId id="2147483706" r:id="rId10"/>
+    <p:sldLayoutId id="2147483707" r:id="rId11"/>
   </p:sldLayoutIdLst>
   <p:txStyles>
     <p:titleStyle>
-      <a:lvl1pPr algn="ctr" defTabSz="914400" rtl="0" eaLnBrk="1" latinLnBrk="0" hangingPunct="1">
+      <a:lvl1pPr algn="l" defTabSz="914400" rtl="0" eaLnBrk="1" latinLnBrk="0" hangingPunct="1">
+        <a:lnSpc>
+          <a:spcPct val="85000"/>
+        </a:lnSpc>
         <a:spcBef>
           <a:spcPct val="0"/>
         </a:spcBef>
         <a:buNone/>
-        <a:defRPr sz="4400" kern="1200">
+        <a:defRPr sz="4800" kern="1200" spc="-50" baseline="0">
           <a:solidFill>
-            <a:schemeClr val="tx1"/>
+            <a:schemeClr val="tx1">
+              <a:lumMod val="75000"/>
+              <a:lumOff val="25000"/>
+            </a:schemeClr>
           </a:solidFill>
           <a:latin typeface="+mj-lt"/>
           <a:ea typeface="+mj-ea"/>
@@ -2853,135 +3473,244 @@
       </a:lvl1pPr>
     </p:titleStyle>
     <p:bodyStyle>
-      <a:lvl1pPr marL="342900" indent="-342900" algn="l" defTabSz="914400" rtl="0" eaLnBrk="1" latinLnBrk="0" hangingPunct="1">
+      <a:lvl1pPr marL="91440" indent="-91440" algn="l" defTabSz="914400" rtl="0" eaLnBrk="1" latinLnBrk="0" hangingPunct="1">
+        <a:lnSpc>
+          <a:spcPct val="90000"/>
+        </a:lnSpc>
         <a:spcBef>
-          <a:spcPct val="20000"/>
+          <a:spcPts val="1200"/>
         </a:spcBef>
-        <a:buFont typeface="Arial" panose="020B0604020202020204" pitchFamily="34" charset="0"/>
-        <a:buChar char="•"/>
-        <a:defRPr sz="3200" kern="1200">
+        <a:spcAft>
+          <a:spcPts val="200"/>
+        </a:spcAft>
+        <a:buClr>
+          <a:schemeClr val="accent1"/>
+        </a:buClr>
+        <a:buSzPct val="100000"/>
+        <a:buFont typeface="Calibri" panose="020F0502020204030204" pitchFamily="34" charset="0"/>
+        <a:buChar char=" "/>
+        <a:defRPr sz="2000" kern="1200">
           <a:solidFill>
-            <a:schemeClr val="tx1"/>
+            <a:schemeClr val="tx1">
+              <a:lumMod val="75000"/>
+              <a:lumOff val="25000"/>
+            </a:schemeClr>
           </a:solidFill>
           <a:latin typeface="+mn-lt"/>
           <a:ea typeface="+mn-ea"/>
           <a:cs typeface="+mn-cs"/>
         </a:defRPr>
       </a:lvl1pPr>
-      <a:lvl2pPr marL="742950" indent="-285750" algn="l" defTabSz="914400" rtl="0" eaLnBrk="1" latinLnBrk="0" hangingPunct="1">
+      <a:lvl2pPr marL="384048" indent="-182880" algn="l" defTabSz="914400" rtl="0" eaLnBrk="1" latinLnBrk="0" hangingPunct="1">
+        <a:lnSpc>
+          <a:spcPct val="90000"/>
+        </a:lnSpc>
         <a:spcBef>
-          <a:spcPct val="20000"/>
+          <a:spcPts val="200"/>
         </a:spcBef>
-        <a:buFont typeface="Arial" panose="020B0604020202020204" pitchFamily="34" charset="0"/>
-        <a:buChar char="–"/>
-        <a:defRPr sz="2800" kern="1200">
+        <a:spcAft>
+          <a:spcPts val="400"/>
+        </a:spcAft>
+        <a:buClr>
+          <a:schemeClr val="accent1"/>
+        </a:buClr>
+        <a:buFont typeface="Calibri" pitchFamily="34" charset="0"/>
+        <a:buChar char="◦"/>
+        <a:defRPr sz="1800" kern="1200">
           <a:solidFill>
-            <a:schemeClr val="tx1"/>
+            <a:schemeClr val="tx1">
+              <a:lumMod val="75000"/>
+              <a:lumOff val="25000"/>
+            </a:schemeClr>
           </a:solidFill>
           <a:latin typeface="+mn-lt"/>
           <a:ea typeface="+mn-ea"/>
           <a:cs typeface="+mn-cs"/>
         </a:defRPr>
       </a:lvl2pPr>
-      <a:lvl3pPr marL="1143000" indent="-228600" algn="l" defTabSz="914400" rtl="0" eaLnBrk="1" latinLnBrk="0" hangingPunct="1">
+      <a:lvl3pPr marL="566928" indent="-182880" algn="l" defTabSz="914400" rtl="0" eaLnBrk="1" latinLnBrk="0" hangingPunct="1">
+        <a:lnSpc>
+          <a:spcPct val="90000"/>
+        </a:lnSpc>
         <a:spcBef>
-          <a:spcPct val="20000"/>
+          <a:spcPts val="200"/>
         </a:spcBef>
-        <a:buFont typeface="Arial" panose="020B0604020202020204" pitchFamily="34" charset="0"/>
-        <a:buChar char="•"/>
-        <a:defRPr sz="2400" kern="1200">
+        <a:spcAft>
+          <a:spcPts val="400"/>
+        </a:spcAft>
+        <a:buClr>
+          <a:schemeClr val="accent1"/>
+        </a:buClr>
+        <a:buFont typeface="Calibri" pitchFamily="34" charset="0"/>
+        <a:buChar char="◦"/>
+        <a:defRPr sz="1400" kern="1200">
           <a:solidFill>
-            <a:schemeClr val="tx1"/>
+            <a:schemeClr val="tx1">
+              <a:lumMod val="75000"/>
+              <a:lumOff val="25000"/>
+            </a:schemeClr>
           </a:solidFill>
           <a:latin typeface="+mn-lt"/>
           <a:ea typeface="+mn-ea"/>
           <a:cs typeface="+mn-cs"/>
         </a:defRPr>
       </a:lvl3pPr>
-      <a:lvl4pPr marL="1600200" indent="-228600" algn="l" defTabSz="914400" rtl="0" eaLnBrk="1" latinLnBrk="0" hangingPunct="1">
+      <a:lvl4pPr marL="749808" indent="-182880" algn="l" defTabSz="914400" rtl="0" eaLnBrk="1" latinLnBrk="0" hangingPunct="1">
+        <a:lnSpc>
+          <a:spcPct val="90000"/>
+        </a:lnSpc>
         <a:spcBef>
-          <a:spcPct val="20000"/>
+          <a:spcPts val="200"/>
         </a:spcBef>
-        <a:buFont typeface="Arial" panose="020B0604020202020204" pitchFamily="34" charset="0"/>
-        <a:buChar char="–"/>
-        <a:defRPr sz="2000" kern="1200">
+        <a:spcAft>
+          <a:spcPts val="400"/>
+        </a:spcAft>
+        <a:buClr>
+          <a:schemeClr val="accent1"/>
+        </a:buClr>
+        <a:buFont typeface="Calibri" pitchFamily="34" charset="0"/>
+        <a:buChar char="◦"/>
+        <a:defRPr sz="1400" kern="1200">
           <a:solidFill>
-            <a:schemeClr val="tx1"/>
+            <a:schemeClr val="tx1">
+              <a:lumMod val="75000"/>
+              <a:lumOff val="25000"/>
+            </a:schemeClr>
           </a:solidFill>
           <a:latin typeface="+mn-lt"/>
           <a:ea typeface="+mn-ea"/>
           <a:cs typeface="+mn-cs"/>
         </a:defRPr>
       </a:lvl4pPr>
-      <a:lvl5pPr marL="2057400" indent="-228600" algn="l" defTabSz="914400" rtl="0" eaLnBrk="1" latinLnBrk="0" hangingPunct="1">
+      <a:lvl5pPr marL="932688" indent="-182880" algn="l" defTabSz="914400" rtl="0" eaLnBrk="1" latinLnBrk="0" hangingPunct="1">
+        <a:lnSpc>
+          <a:spcPct val="90000"/>
+        </a:lnSpc>
         <a:spcBef>
-          <a:spcPct val="20000"/>
+          <a:spcPts val="200"/>
         </a:spcBef>
-        <a:buFont typeface="Arial" panose="020B0604020202020204" pitchFamily="34" charset="0"/>
-        <a:buChar char="»"/>
-        <a:defRPr sz="2000" kern="1200">
+        <a:spcAft>
+          <a:spcPts val="400"/>
+        </a:spcAft>
+        <a:buClr>
+          <a:schemeClr val="accent1"/>
+        </a:buClr>
+        <a:buFont typeface="Calibri" pitchFamily="34" charset="0"/>
+        <a:buChar char="◦"/>
+        <a:defRPr sz="1400" kern="1200">
           <a:solidFill>
-            <a:schemeClr val="tx1"/>
+            <a:schemeClr val="tx1">
+              <a:lumMod val="75000"/>
+              <a:lumOff val="25000"/>
+            </a:schemeClr>
           </a:solidFill>
           <a:latin typeface="+mn-lt"/>
           <a:ea typeface="+mn-ea"/>
           <a:cs typeface="+mn-cs"/>
         </a:defRPr>
       </a:lvl5pPr>
-      <a:lvl6pPr marL="2514600" indent="-228600" algn="l" defTabSz="914400" rtl="0" eaLnBrk="1" latinLnBrk="0" hangingPunct="1">
+      <a:lvl6pPr marL="1100000" indent="-228600" algn="l" defTabSz="914400" rtl="0" eaLnBrk="1" latinLnBrk="0" hangingPunct="1">
+        <a:lnSpc>
+          <a:spcPct val="90000"/>
+        </a:lnSpc>
         <a:spcBef>
-          <a:spcPct val="20000"/>
+          <a:spcPts val="200"/>
         </a:spcBef>
-        <a:buFont typeface="Arial" panose="020B0604020202020204" pitchFamily="34" charset="0"/>
-        <a:buChar char="•"/>
-        <a:defRPr sz="2000" kern="1200">
+        <a:spcAft>
+          <a:spcPts val="400"/>
+        </a:spcAft>
+        <a:buClr>
+          <a:schemeClr val="accent1"/>
+        </a:buClr>
+        <a:buFont typeface="Calibri" pitchFamily="34" charset="0"/>
+        <a:buChar char="◦"/>
+        <a:defRPr sz="1400" kern="1200">
           <a:solidFill>
-            <a:schemeClr val="tx1"/>
+            <a:schemeClr val="tx1">
+              <a:lumMod val="75000"/>
+              <a:lumOff val="25000"/>
+            </a:schemeClr>
           </a:solidFill>
           <a:latin typeface="+mn-lt"/>
           <a:ea typeface="+mn-ea"/>
           <a:cs typeface="+mn-cs"/>
         </a:defRPr>
       </a:lvl6pPr>
-      <a:lvl7pPr marL="2971800" indent="-228600" algn="l" defTabSz="914400" rtl="0" eaLnBrk="1" latinLnBrk="0" hangingPunct="1">
+      <a:lvl7pPr marL="1300000" indent="-228600" algn="l" defTabSz="914400" rtl="0" eaLnBrk="1" latinLnBrk="0" hangingPunct="1">
+        <a:lnSpc>
+          <a:spcPct val="90000"/>
+        </a:lnSpc>
         <a:spcBef>
-          <a:spcPct val="20000"/>
+          <a:spcPts val="200"/>
         </a:spcBef>
-        <a:buFont typeface="Arial" panose="020B0604020202020204" pitchFamily="34" charset="0"/>
-        <a:buChar char="•"/>
-        <a:defRPr sz="2000" kern="1200">
+        <a:spcAft>
+          <a:spcPts val="400"/>
+        </a:spcAft>
+        <a:buClr>
+          <a:schemeClr val="accent1"/>
+        </a:buClr>
+        <a:buFont typeface="Calibri" pitchFamily="34" charset="0"/>
+        <a:buChar char="◦"/>
+        <a:defRPr sz="1400" kern="1200">
           <a:solidFill>
-            <a:schemeClr val="tx1"/>
+            <a:schemeClr val="tx1">
+              <a:lumMod val="75000"/>
+              <a:lumOff val="25000"/>
+            </a:schemeClr>
           </a:solidFill>
           <a:latin typeface="+mn-lt"/>
           <a:ea typeface="+mn-ea"/>
           <a:cs typeface="+mn-cs"/>
         </a:defRPr>
       </a:lvl7pPr>
-      <a:lvl8pPr marL="3429000" indent="-228600" algn="l" defTabSz="914400" rtl="0" eaLnBrk="1" latinLnBrk="0" hangingPunct="1">
+      <a:lvl8pPr marL="1500000" indent="-228600" algn="l" defTabSz="914400" rtl="0" eaLnBrk="1" latinLnBrk="0" hangingPunct="1">
+        <a:lnSpc>
+          <a:spcPct val="90000"/>
+        </a:lnSpc>
         <a:spcBef>
-          <a:spcPct val="20000"/>
+          <a:spcPts val="200"/>
         </a:spcBef>
-        <a:buFont typeface="Arial" panose="020B0604020202020204" pitchFamily="34" charset="0"/>
-        <a:buChar char="•"/>
-        <a:defRPr sz="2000" kern="1200">
+        <a:spcAft>
+          <a:spcPts val="400"/>
+        </a:spcAft>
+        <a:buClr>
+          <a:schemeClr val="accent1"/>
+        </a:buClr>
+        <a:buFont typeface="Calibri" pitchFamily="34" charset="0"/>
+        <a:buChar char="◦"/>
+        <a:defRPr sz="1400" kern="1200">
           <a:solidFill>
-            <a:schemeClr val="tx1"/>
+            <a:schemeClr val="tx1">
+              <a:lumMod val="75000"/>
+              <a:lumOff val="25000"/>
+            </a:schemeClr>
           </a:solidFill>
           <a:latin typeface="+mn-lt"/>
           <a:ea typeface="+mn-ea"/>
           <a:cs typeface="+mn-cs"/>
         </a:defRPr>
       </a:lvl8pPr>
-      <a:lvl9pPr marL="3886200" indent="-228600" algn="l" defTabSz="914400" rtl="0" eaLnBrk="1" latinLnBrk="0" hangingPunct="1">
+      <a:lvl9pPr marL="1700000" indent="-228600" algn="l" defTabSz="914400" rtl="0" eaLnBrk="1" latinLnBrk="0" hangingPunct="1">
+        <a:lnSpc>
+          <a:spcPct val="90000"/>
+        </a:lnSpc>
         <a:spcBef>
-          <a:spcPct val="20000"/>
+          <a:spcPts val="200"/>
         </a:spcBef>
-        <a:buFont typeface="Arial" panose="020B0604020202020204" pitchFamily="34" charset="0"/>
-        <a:buChar char="•"/>
-        <a:defRPr sz="2000" kern="1200">
+        <a:spcAft>
+          <a:spcPts val="400"/>
+        </a:spcAft>
+        <a:buClr>
+          <a:schemeClr val="accent1"/>
+        </a:buClr>
+        <a:buFont typeface="Calibri" pitchFamily="34" charset="0"/>
+        <a:buChar char="◦"/>
+        <a:defRPr sz="1400" kern="1200">
           <a:solidFill>
-            <a:schemeClr val="tx1"/>
+            <a:schemeClr val="tx1">
+              <a:lumMod val="75000"/>
+              <a:lumOff val="25000"/>
+            </a:schemeClr>
           </a:solidFill>
           <a:latin typeface="+mn-lt"/>
           <a:ea typeface="+mn-ea"/>
@@ -2991,7 +3720,7 @@
     </p:bodyStyle>
     <p:otherStyle>
       <a:defPPr>
-        <a:defRPr lang="de-DE"/>
+        <a:defRPr lang="en-US"/>
       </a:defPPr>
       <a:lvl1pPr marL="0" algn="l" defTabSz="914400" rtl="0" eaLnBrk="1" latinLnBrk="0" hangingPunct="1">
         <a:defRPr sz="1800" kern="1200">
@@ -3117,41 +3846,22 @@
         </p:nvSpPr>
         <p:spPr/>
         <p:txBody>
-          <a:bodyPr/>
-          <a:lstStyle/>
-          <a:p>
-            <a:r>
-              <a:rPr lang="de-DE" dirty="0" smtClean="0"/>
-              <a:t>Webdesign: Die wichtigsten Begriffe</a:t>
-            </a:r>
-            <a:endParaRPr lang="de-DE" dirty="0"/>
-          </a:p>
-        </p:txBody>
-      </p:sp>
-      <p:sp>
-        <p:nvSpPr>
-          <p:cNvPr id="3" name="Untertitel 2"/>
-          <p:cNvSpPr>
-            <a:spLocks noGrp="1"/>
-          </p:cNvSpPr>
-          <p:nvPr>
-            <p:ph type="subTitle" idx="1"/>
-          </p:nvPr>
-        </p:nvSpPr>
-        <p:spPr/>
-        <p:txBody>
-          <a:bodyPr/>
-          <a:lstStyle/>
-          <a:p>
-            <a:r>
-              <a:rPr lang="de-DE" dirty="0"/>
-              <a:t>v</a:t>
-            </a:r>
-            <a:r>
-              <a:rPr lang="de-DE" dirty="0" smtClean="0"/>
-              <a:t>on Ruben Winkler</a:t>
-            </a:r>
-            <a:endParaRPr lang="de-DE" dirty="0"/>
+          <a:bodyPr>
+            <a:normAutofit/>
+          </a:bodyPr>
+          <a:lstStyle/>
+          <a:p>
+            <a:r>
+              <a:rPr lang="de-DE" sz="7200" dirty="0"/>
+              <a:t>Modernes Webdesign: </a:t>
+            </a:r>
+            <a:br>
+              <a:rPr lang="de-DE" sz="7200" dirty="0"/>
+            </a:br>
+            <a:r>
+              <a:rPr lang="de-DE" sz="7200" dirty="0"/>
+              <a:t>Die wichtigsten Begriffe</a:t>
+            </a:r>
           </a:p>
         </p:txBody>
       </p:sp>
@@ -3201,10 +3911,9 @@
           <a:lstStyle/>
           <a:p>
             <a:r>
-              <a:rPr lang="de-DE" dirty="0" smtClean="0"/>
+              <a:rPr lang="de-DE" dirty="0"/>
               <a:t>Die Mischung macht‘s!</a:t>
             </a:r>
-            <a:endParaRPr lang="de-DE" dirty="0"/>
           </a:p>
         </p:txBody>
       </p:sp>
@@ -3223,25 +3932,24 @@
           <a:bodyPr/>
           <a:lstStyle/>
           <a:p>
+            <a:pPr>
+              <a:buFont typeface="Arial" panose="020B0604020202020204" pitchFamily="34" charset="0"/>
+              <a:buChar char="•"/>
+            </a:pPr>
             <a:r>
               <a:rPr lang="de-DE" dirty="0"/>
-              <a:t>i</a:t>
-            </a:r>
-            <a:r>
-              <a:rPr lang="de-DE" dirty="0" smtClean="0"/>
-              <a:t>n der Praxis verwendet man heute für moderne Projekte meist eine Mischung aus Mobile-First und Responsive Webdesign</a:t>
-            </a:r>
-          </a:p>
-          <a:p>
+              <a:t> in der Praxis verwendet man heute für moderne Projekte meist eine Mischung aus Mobile-First und Responsive Webdesign</a:t>
+            </a:r>
+          </a:p>
+          <a:p>
+            <a:pPr>
+              <a:buFont typeface="Arial" panose="020B0604020202020204" pitchFamily="34" charset="0"/>
+              <a:buChar char="•"/>
+            </a:pPr>
             <a:r>
               <a:rPr lang="de-DE" dirty="0"/>
-              <a:t>s</a:t>
-            </a:r>
-            <a:r>
-              <a:rPr lang="de-DE" dirty="0" smtClean="0"/>
-              <a:t>o ist die Darstellung auf mobilen Endgeräten besonders gut, aber auch über andere Endgeräte flüssig optimiert</a:t>
-            </a:r>
-            <a:endParaRPr lang="de-DE" dirty="0"/>
+              <a:t> so ist die Darstellung auf mobilen Endgeräten besonders gut, aber auch über andere Endgeräte flüssig optimiert</a:t>
+            </a:r>
           </a:p>
         </p:txBody>
       </p:sp>
@@ -3291,48 +3999,77 @@
           <a:lstStyle/>
           <a:p>
             <a:r>
-              <a:rPr lang="de-DE" dirty="0" smtClean="0"/>
+              <a:rPr lang="de-DE" dirty="0"/>
               <a:t>Was werden wir verwenden?</a:t>
             </a:r>
+          </a:p>
+        </p:txBody>
+      </p:sp>
+      <p:sp>
+        <p:nvSpPr>
+          <p:cNvPr id="3" name="Inhaltsplatzhalter 2"/>
+          <p:cNvSpPr>
+            <a:spLocks noGrp="1"/>
+          </p:cNvSpPr>
+          <p:nvPr>
+            <p:ph idx="1"/>
+          </p:nvPr>
+        </p:nvSpPr>
+        <p:spPr/>
+        <p:txBody>
+          <a:bodyPr>
+            <a:normAutofit/>
+          </a:bodyPr>
+          <a:lstStyle/>
+          <a:p>
+            <a:pPr marL="0" indent="0">
+              <a:buNone/>
+            </a:pPr>
+            <a:r>
+              <a:rPr lang="de-DE" sz="2400" b="1" dirty="0"/>
+              <a:t>Wir verwenden Responsive Webdesign!</a:t>
+            </a:r>
+          </a:p>
+          <a:p>
             <a:endParaRPr lang="de-DE" dirty="0"/>
           </a:p>
-        </p:txBody>
-      </p:sp>
-      <p:sp>
-        <p:nvSpPr>
-          <p:cNvPr id="3" name="Inhaltsplatzhalter 2"/>
-          <p:cNvSpPr>
-            <a:spLocks noGrp="1"/>
-          </p:cNvSpPr>
-          <p:nvPr>
-            <p:ph idx="1"/>
-          </p:nvPr>
-        </p:nvSpPr>
-        <p:spPr/>
-        <p:txBody>
-          <a:bodyPr>
-            <a:normAutofit fontScale="85000" lnSpcReduction="20000"/>
-          </a:bodyPr>
-          <a:lstStyle/>
           <a:p>
             <a:pPr marL="0" indent="0">
               <a:buNone/>
             </a:pPr>
             <a:r>
-              <a:rPr lang="de-DE" sz="3500" b="1" dirty="0" smtClean="0"/>
-              <a:t>Wir verwenden Responsive Webdesign!</a:t>
-            </a:r>
-          </a:p>
-          <a:p>
-            <a:endParaRPr lang="de-DE" dirty="0"/>
-          </a:p>
-          <a:p>
-            <a:pPr marL="0" indent="0">
-              <a:buNone/>
-            </a:pPr>
-            <a:r>
-              <a:rPr lang="de-DE" dirty="0" smtClean="0"/>
+              <a:rPr lang="de-DE" dirty="0"/>
               <a:t>Warum?</a:t>
+            </a:r>
+          </a:p>
+          <a:p>
+            <a:pPr>
+              <a:buFont typeface="Arial" panose="020B0604020202020204" pitchFamily="34" charset="0"/>
+              <a:buChar char="•"/>
+            </a:pPr>
+            <a:r>
+              <a:rPr lang="de-DE" dirty="0"/>
+              <a:t> gut zum Lernen und verstehen von grundlegenden Prinzipien</a:t>
+            </a:r>
+          </a:p>
+          <a:p>
+            <a:pPr>
+              <a:buFont typeface="Arial" panose="020B0604020202020204" pitchFamily="34" charset="0"/>
+              <a:buChar char="•"/>
+            </a:pPr>
+            <a:r>
+              <a:rPr lang="de-DE" dirty="0"/>
+              <a:t> auf allen Endgeräten gutes Ergebnis</a:t>
+            </a:r>
+          </a:p>
+          <a:p>
+            <a:pPr>
+              <a:buFont typeface="Arial" panose="020B0604020202020204" pitchFamily="34" charset="0"/>
+              <a:buChar char="•"/>
+            </a:pPr>
+            <a:r>
+              <a:rPr lang="de-DE" dirty="0"/>
+              <a:t> hoher Verbreitungsgrad in der Praxis</a:t>
             </a:r>
           </a:p>
           <a:p>
@@ -3340,52 +4077,14 @@
               <a:buFontTx/>
               <a:buChar char="-"/>
             </a:pPr>
+            <a:endParaRPr lang="de-DE" dirty="0"/>
+          </a:p>
+          <a:p>
+            <a:pPr marL="0" indent="0">
+              <a:buNone/>
+            </a:pPr>
             <a:r>
               <a:rPr lang="de-DE" dirty="0"/>
-              <a:t>g</a:t>
-            </a:r>
-            <a:r>
-              <a:rPr lang="de-DE" dirty="0" smtClean="0"/>
-              <a:t>ut zum Lernen und verstehen von grundlegenden Prinzipien</a:t>
-            </a:r>
-          </a:p>
-          <a:p>
-            <a:pPr>
-              <a:buFontTx/>
-              <a:buChar char="-"/>
-            </a:pPr>
-            <a:r>
-              <a:rPr lang="de-DE" dirty="0"/>
-              <a:t>a</a:t>
-            </a:r>
-            <a:r>
-              <a:rPr lang="de-DE" dirty="0" smtClean="0"/>
-              <a:t>uf allen Endgeräten gutes Ergebnis</a:t>
-            </a:r>
-          </a:p>
-          <a:p>
-            <a:pPr>
-              <a:buFontTx/>
-              <a:buChar char="-"/>
-            </a:pPr>
-            <a:r>
-              <a:rPr lang="de-DE" dirty="0" smtClean="0"/>
-              <a:t>hoher Verbreitungsgrad in der Praxis</a:t>
-            </a:r>
-          </a:p>
-          <a:p>
-            <a:pPr>
-              <a:buFontTx/>
-              <a:buChar char="-"/>
-            </a:pPr>
-            <a:endParaRPr lang="de-DE" dirty="0"/>
-          </a:p>
-          <a:p>
-            <a:pPr marL="0" indent="0">
-              <a:buNone/>
-            </a:pPr>
-            <a:r>
-              <a:rPr lang="de-DE" dirty="0" smtClean="0"/>
               <a:t>Nach dem Kurs wird es für euch problemlos möglich sein, Projekte auch in anderen Ansätzen v.a. Mobile-First umzusetzen!</a:t>
             </a:r>
           </a:p>
@@ -3444,75 +4143,64 @@
           <a:lstStyle/>
           <a:p>
             <a:r>
-              <a:rPr lang="de-DE" dirty="0" smtClean="0"/>
+              <a:rPr lang="de-DE" dirty="0"/>
               <a:t>Entwicklungsansätze</a:t>
             </a:r>
+          </a:p>
+        </p:txBody>
+      </p:sp>
+      <p:sp>
+        <p:nvSpPr>
+          <p:cNvPr id="3" name="Inhaltsplatzhalter 2"/>
+          <p:cNvSpPr>
+            <a:spLocks noGrp="1"/>
+          </p:cNvSpPr>
+          <p:nvPr>
+            <p:ph idx="1"/>
+          </p:nvPr>
+        </p:nvSpPr>
+        <p:spPr/>
+        <p:txBody>
+          <a:bodyPr/>
+          <a:lstStyle/>
+          <a:p>
+            <a:pPr marL="0" indent="0" algn="ctr">
+              <a:buNone/>
+            </a:pPr>
             <a:endParaRPr lang="de-DE" dirty="0"/>
           </a:p>
-        </p:txBody>
-      </p:sp>
-      <p:sp>
-        <p:nvSpPr>
-          <p:cNvPr id="3" name="Inhaltsplatzhalter 2"/>
-          <p:cNvSpPr>
-            <a:spLocks noGrp="1"/>
-          </p:cNvSpPr>
-          <p:nvPr>
-            <p:ph idx="1"/>
-          </p:nvPr>
-        </p:nvSpPr>
-        <p:spPr/>
-        <p:txBody>
-          <a:bodyPr/>
-          <a:lstStyle/>
           <a:p>
             <a:pPr marL="0" indent="0" algn="ctr">
               <a:buNone/>
             </a:pPr>
-            <a:endParaRPr lang="de-DE" dirty="0" smtClean="0"/>
+            <a:endParaRPr lang="de-DE" dirty="0"/>
           </a:p>
           <a:p>
             <a:pPr marL="0" indent="0" algn="ctr">
               <a:buNone/>
             </a:pPr>
-            <a:endParaRPr lang="de-DE" dirty="0"/>
+            <a:r>
+              <a:rPr lang="de-DE" sz="2800" b="1" dirty="0"/>
+              <a:t>Graceful Degradation</a:t>
+            </a:r>
           </a:p>
           <a:p>
             <a:pPr marL="0" indent="0" algn="ctr">
               <a:buNone/>
             </a:pPr>
             <a:r>
-              <a:rPr lang="de-DE" dirty="0" err="1" smtClean="0"/>
-              <a:t>Graceful</a:t>
-            </a:r>
-            <a:r>
-              <a:rPr lang="de-DE" dirty="0" smtClean="0"/>
-              <a:t> Degradation</a:t>
-            </a:r>
-            <a:endParaRPr lang="de-DE" dirty="0"/>
+              <a:rPr lang="de-DE" sz="2800" b="1" dirty="0"/>
+              <a:t>vs.</a:t>
+            </a:r>
           </a:p>
           <a:p>
             <a:pPr marL="0" indent="0" algn="ctr">
               <a:buNone/>
             </a:pPr>
             <a:r>
-              <a:rPr lang="de-DE" dirty="0" smtClean="0"/>
-              <a:t>vs.</a:t>
-            </a:r>
-          </a:p>
-          <a:p>
-            <a:pPr marL="0" indent="0" algn="ctr">
-              <a:buNone/>
-            </a:pPr>
-            <a:r>
-              <a:rPr lang="de-DE" dirty="0" smtClean="0"/>
-              <a:t>Progressive </a:t>
-            </a:r>
-            <a:r>
-              <a:rPr lang="de-DE" dirty="0" err="1" smtClean="0"/>
-              <a:t>Enhancement</a:t>
-            </a:r>
-            <a:endParaRPr lang="de-DE" dirty="0"/>
+              <a:rPr lang="de-DE" sz="2800" b="1" dirty="0"/>
+              <a:t>Progressive Enhancement</a:t>
+            </a:r>
           </a:p>
         </p:txBody>
       </p:sp>
@@ -3562,79 +4250,101 @@
           <a:lstStyle/>
           <a:p>
             <a:r>
-              <a:rPr lang="de-DE" dirty="0" err="1" smtClean="0"/>
-              <a:t>Graceful</a:t>
-            </a:r>
-            <a:r>
-              <a:rPr lang="de-DE" dirty="0" smtClean="0"/>
-              <a:t> Degradation</a:t>
-            </a:r>
+              <a:rPr lang="de-DE" dirty="0"/>
+              <a:t>Graceful Degradation</a:t>
+            </a:r>
+          </a:p>
+        </p:txBody>
+      </p:sp>
+      <p:sp>
+        <p:nvSpPr>
+          <p:cNvPr id="3" name="Inhaltsplatzhalter 2"/>
+          <p:cNvSpPr>
+            <a:spLocks noGrp="1"/>
+          </p:cNvSpPr>
+          <p:nvPr>
+            <p:ph idx="1"/>
+          </p:nvPr>
+        </p:nvSpPr>
+        <p:spPr/>
+        <p:txBody>
+          <a:bodyPr>
+            <a:normAutofit/>
+          </a:bodyPr>
+          <a:lstStyle/>
+          <a:p>
+            <a:pPr>
+              <a:buFont typeface="Arial" panose="020B0604020202020204" pitchFamily="34" charset="0"/>
+              <a:buChar char="•"/>
+            </a:pPr>
+            <a:r>
+              <a:rPr lang="de-DE" dirty="0"/>
+              <a:t> dt. etwa: „anmutige Herabstufung“</a:t>
+            </a:r>
+          </a:p>
+          <a:p>
+            <a:pPr>
+              <a:buFont typeface="Arial" panose="020B0604020202020204" pitchFamily="34" charset="0"/>
+              <a:buChar char="•"/>
+            </a:pPr>
+            <a:r>
+              <a:rPr lang="de-DE" dirty="0"/>
+              <a:t> Website wird für stärkstes bzw. modernstes System entwickelt (z.B. Leistungsfähiger Desktop-PC mit schneller Internetverbindung)</a:t>
+            </a:r>
+          </a:p>
+          <a:p>
+            <a:pPr>
+              <a:buFont typeface="Arial" panose="020B0604020202020204" pitchFamily="34" charset="0"/>
+              <a:buChar char="•"/>
+            </a:pPr>
+            <a:r>
+              <a:rPr lang="de-DE" dirty="0"/>
+              <a:t> für dieses System werden aufwändige Features implementiert und große Datenmengen geladen</a:t>
+            </a:r>
+          </a:p>
+          <a:p>
+            <a:pPr marL="0" indent="0">
+              <a:buNone/>
+            </a:pPr>
             <a:endParaRPr lang="de-DE" dirty="0"/>
           </a:p>
-        </p:txBody>
-      </p:sp>
-      <p:sp>
-        <p:nvSpPr>
-          <p:cNvPr id="3" name="Inhaltsplatzhalter 2"/>
-          <p:cNvSpPr>
-            <a:spLocks noGrp="1"/>
-          </p:cNvSpPr>
-          <p:nvPr>
-            <p:ph idx="1"/>
-          </p:nvPr>
-        </p:nvSpPr>
-        <p:spPr/>
-        <p:txBody>
-          <a:bodyPr>
-            <a:normAutofit fontScale="77500" lnSpcReduction="20000"/>
-          </a:bodyPr>
-          <a:lstStyle/>
-          <a:p>
-            <a:r>
-              <a:rPr lang="de-DE" dirty="0" smtClean="0"/>
-              <a:t>dt. etwa: „anmutige Herabstufung“</a:t>
-            </a:r>
-          </a:p>
-          <a:p>
-            <a:r>
-              <a:rPr lang="de-DE" dirty="0" smtClean="0"/>
-              <a:t>Website wird für stärkstes bzw. modernstes System entwickelt (z.B. Leistungsfähiger Desktop-PC mit schneller Internetverbindung)</a:t>
-            </a:r>
-          </a:p>
-          <a:p>
-            <a:r>
-              <a:rPr lang="de-DE" dirty="0" smtClean="0"/>
-              <a:t>Für dieses System werden aufwändige Features implementiert und große Datenmengen geladen</a:t>
-            </a:r>
-          </a:p>
-          <a:p>
-            <a:r>
-              <a:rPr lang="de-DE" dirty="0" smtClean="0"/>
-              <a:t>Problem: alte Systeme und langsame Internetverbindungen</a:t>
-            </a:r>
-          </a:p>
-          <a:p>
-            <a:r>
-              <a:rPr lang="de-DE" dirty="0" smtClean="0"/>
+          <a:p>
+            <a:pPr marL="0" indent="0">
+              <a:buNone/>
+            </a:pPr>
+            <a:r>
+              <a:rPr lang="de-DE" b="1" dirty="0"/>
+              <a:t>Problem: </a:t>
+            </a:r>
+            <a:r>
+              <a:rPr lang="de-DE" dirty="0"/>
+              <a:t>alte Systeme und langsame Internetverbindungen</a:t>
+            </a:r>
+          </a:p>
+          <a:p>
+            <a:pPr marL="0" indent="0">
+              <a:buNone/>
+            </a:pPr>
+            <a:r>
+              <a:rPr lang="de-DE" b="1" dirty="0"/>
               <a:t>Lösung: </a:t>
             </a:r>
             <a:r>
-              <a:rPr lang="de-DE" dirty="0" err="1" smtClean="0"/>
-              <a:t>Graceful</a:t>
-            </a:r>
-            <a:r>
-              <a:rPr lang="de-DE" dirty="0" smtClean="0"/>
-              <a:t> Degradation - Die Seite wird nun für schwächere Systeme mit langsamer Internetverbindung optimiert</a:t>
-            </a:r>
-          </a:p>
-          <a:p>
-            <a:r>
-              <a:rPr lang="de-DE" dirty="0" err="1" smtClean="0"/>
-              <a:t>Ergebiss</a:t>
-            </a:r>
-            <a:r>
-              <a:rPr lang="de-DE" dirty="0" smtClean="0"/>
-              <a:t>: perfekte Website für stärkste bzw. modernste Systeme und (meist) halbwegs brauchbare Website für schwächere Systeme</a:t>
+              <a:rPr lang="de-DE" dirty="0"/>
+              <a:t>Graceful Degradation - Die Seite wird nun für schwächere Systeme mit langsamer Internetverbindung optimiert</a:t>
+            </a:r>
+          </a:p>
+          <a:p>
+            <a:pPr marL="0" indent="0">
+              <a:buNone/>
+            </a:pPr>
+            <a:r>
+              <a:rPr lang="de-DE" b="1" dirty="0"/>
+              <a:t>Ergebnis: </a:t>
+            </a:r>
+            <a:r>
+              <a:rPr lang="de-DE" dirty="0"/>
+              <a:t>perfekte Website für stärkste bzw. modernste Systeme und (meist) halbwegs  brauchbare Website für schwächere Systeme</a:t>
             </a:r>
           </a:p>
         </p:txBody>
@@ -3685,77 +4395,102 @@
           <a:lstStyle/>
           <a:p>
             <a:r>
-              <a:rPr lang="de-DE" dirty="0" smtClean="0"/>
-              <a:t>Progressive </a:t>
-            </a:r>
-            <a:r>
-              <a:rPr lang="de-DE" dirty="0" err="1" smtClean="0"/>
-              <a:t>Enhancement</a:t>
-            </a:r>
+              <a:rPr lang="de-DE" dirty="0"/>
+              <a:t>Progressive Enhancement</a:t>
+            </a:r>
+          </a:p>
+        </p:txBody>
+      </p:sp>
+      <p:sp>
+        <p:nvSpPr>
+          <p:cNvPr id="3" name="Inhaltsplatzhalter 2"/>
+          <p:cNvSpPr>
+            <a:spLocks noGrp="1"/>
+          </p:cNvSpPr>
+          <p:nvPr>
+            <p:ph idx="1"/>
+          </p:nvPr>
+        </p:nvSpPr>
+        <p:spPr/>
+        <p:txBody>
+          <a:bodyPr>
+            <a:normAutofit/>
+          </a:bodyPr>
+          <a:lstStyle/>
+          <a:p>
+            <a:pPr>
+              <a:buFont typeface="Arial" panose="020B0604020202020204" pitchFamily="34" charset="0"/>
+              <a:buChar char="•"/>
+            </a:pPr>
+            <a:r>
+              <a:rPr lang="de-DE" dirty="0"/>
+              <a:t> dt. etwa: „fortschreitende Erweiterung“</a:t>
+            </a:r>
+          </a:p>
+          <a:p>
+            <a:pPr>
+              <a:buFont typeface="Arial" panose="020B0604020202020204" pitchFamily="34" charset="0"/>
+              <a:buChar char="•"/>
+            </a:pPr>
+            <a:r>
+              <a:rPr lang="de-DE" dirty="0"/>
+              <a:t> Website wird zuerst für schwächstes System entwickelt (z.B. 15 Jahre alter Desktop-PC mit IE7 und langsamer Internetverbindung) entwickelt</a:t>
+            </a:r>
+          </a:p>
+          <a:p>
+            <a:pPr>
+              <a:buFont typeface="Arial" panose="020B0604020202020204" pitchFamily="34" charset="0"/>
+              <a:buChar char="•"/>
+            </a:pPr>
+            <a:r>
+              <a:rPr lang="de-DE" dirty="0"/>
+              <a:t> es werden nur die wesentlichen Features implementiert und kleine Datenmengen verwendet</a:t>
+            </a:r>
+          </a:p>
+          <a:p>
+            <a:pPr marL="0" indent="0">
+              <a:buNone/>
+            </a:pPr>
             <a:endParaRPr lang="de-DE" dirty="0"/>
           </a:p>
-        </p:txBody>
-      </p:sp>
-      <p:sp>
-        <p:nvSpPr>
-          <p:cNvPr id="3" name="Inhaltsplatzhalter 2"/>
-          <p:cNvSpPr>
-            <a:spLocks noGrp="1"/>
-          </p:cNvSpPr>
-          <p:nvPr>
-            <p:ph idx="1"/>
-          </p:nvPr>
-        </p:nvSpPr>
-        <p:spPr/>
-        <p:txBody>
-          <a:bodyPr>
-            <a:normAutofit fontScale="77500" lnSpcReduction="20000"/>
-          </a:bodyPr>
-          <a:lstStyle/>
-          <a:p>
-            <a:r>
-              <a:rPr lang="de-DE" dirty="0" smtClean="0"/>
-              <a:t>dt. etwa: „fortschreitende Erweiterung“</a:t>
-            </a:r>
-          </a:p>
-          <a:p>
-            <a:r>
-              <a:rPr lang="de-DE" dirty="0" smtClean="0"/>
-              <a:t>Website wird zuerst für schwächstes System entwickelt (z.B. 15 Jahre alter Desktop-PC mit IE7 und langsamer Internetverbindung) entwickelt</a:t>
-            </a:r>
-          </a:p>
-          <a:p>
-            <a:r>
-              <a:rPr lang="de-DE" dirty="0" smtClean="0"/>
-              <a:t>Es werden nur die wesentlichen Features implementiert und kleine Datenmengen verwendet</a:t>
-            </a:r>
-          </a:p>
-          <a:p>
-            <a:r>
-              <a:rPr lang="de-DE" dirty="0" smtClean="0"/>
-              <a:t>Problem: Darstellung für starke bzw. moderne Systeme leidet enorm</a:t>
-            </a:r>
-          </a:p>
-          <a:p>
-            <a:r>
-              <a:rPr lang="de-DE" dirty="0" smtClean="0"/>
-              <a:t>Lösung: Progressive </a:t>
-            </a:r>
-            <a:r>
-              <a:rPr lang="de-DE" dirty="0" err="1" smtClean="0"/>
-              <a:t>Enhancement</a:t>
-            </a:r>
-            <a:r>
-              <a:rPr lang="de-DE" dirty="0" smtClean="0"/>
-              <a:t> – Die Seite wird nun für stärkere Systeme weiterentwickelt</a:t>
-            </a:r>
-          </a:p>
-          <a:p>
-            <a:r>
-              <a:rPr lang="de-DE" dirty="0" smtClean="0"/>
-              <a:t>Ergebnis: perfekte Darstellung der Website für schwache Systeme, jedoch (meist) etwas kompromittierte Darstellung für starke Systeme</a:t>
-            </a:r>
-            <a:endParaRPr lang="de-DE" dirty="0"/>
+          <a:p>
+            <a:pPr marL="0" indent="0">
+              <a:buNone/>
+            </a:pPr>
+            <a:r>
+              <a:rPr lang="de-DE" b="1" dirty="0"/>
+              <a:t>Problem: </a:t>
+            </a:r>
+            <a:r>
+              <a:rPr lang="de-DE" dirty="0"/>
+              <a:t>Darstellung für starke bzw. moderne Systeme leidet enorm</a:t>
+            </a:r>
+          </a:p>
+          <a:p>
+            <a:pPr marL="0" indent="0">
+              <a:buNone/>
+            </a:pPr>
+            <a:r>
+              <a:rPr lang="de-DE" b="1" dirty="0"/>
+              <a:t>Lösung: </a:t>
+            </a:r>
+            <a:r>
+              <a:rPr lang="de-DE" dirty="0"/>
+              <a:t>Progressive Enhancement – Die Seite wird nun für stärkere Systeme weiterentwickelt</a:t>
+            </a:r>
+          </a:p>
+          <a:p>
+            <a:pPr marL="0" indent="0">
+              <a:buNone/>
+            </a:pPr>
+            <a:r>
+              <a:rPr lang="de-DE" b="1" dirty="0"/>
+              <a:t>Ergebnis: </a:t>
+            </a:r>
+            <a:r>
+              <a:rPr lang="de-DE" dirty="0"/>
+              <a:t>perfekte Darstellung der Website für schwache Systeme, jedoch (meist) etwas kompromittierte Darstellung für starke Systeme</a:t>
+            </a:r>
           </a:p>
         </p:txBody>
       </p:sp>
@@ -3805,10 +4540,9 @@
           <a:lstStyle/>
           <a:p>
             <a:r>
-              <a:rPr lang="de-DE" dirty="0" smtClean="0"/>
+              <a:rPr lang="de-DE" dirty="0"/>
               <a:t>Arten von Webdesign</a:t>
             </a:r>
-            <a:endParaRPr lang="de-DE" dirty="0"/>
           </a:p>
         </p:txBody>
       </p:sp>
@@ -3830,15 +4564,14 @@
             <a:pPr marL="0" indent="0" algn="ctr">
               <a:buNone/>
             </a:pPr>
-            <a:r>
-              <a:rPr lang="de-DE" dirty="0" smtClean="0"/>
-              <a:t/>
-            </a:r>
             <a:br>
-              <a:rPr lang="de-DE" dirty="0" smtClean="0"/>
+              <a:rPr lang="de-DE" dirty="0"/>
             </a:br>
-            <a:r>
-              <a:rPr lang="de-DE" dirty="0" smtClean="0"/>
+            <a:br>
+              <a:rPr lang="de-DE" dirty="0"/>
+            </a:br>
+            <a:r>
+              <a:rPr lang="de-DE" sz="2800" b="1" dirty="0"/>
               <a:t>Mobile-First Webdesign</a:t>
             </a:r>
           </a:p>
@@ -3847,7 +4580,7 @@
               <a:buNone/>
             </a:pPr>
             <a:r>
-              <a:rPr lang="de-DE" dirty="0" smtClean="0"/>
+              <a:rPr lang="de-DE" sz="2800" b="1" dirty="0"/>
               <a:t>vs.</a:t>
             </a:r>
           </a:p>
@@ -3856,7 +4589,7 @@
               <a:buNone/>
             </a:pPr>
             <a:r>
-              <a:rPr lang="de-DE" dirty="0" smtClean="0"/>
+              <a:rPr lang="de-DE" sz="2800" b="1" dirty="0"/>
               <a:t>Responsive Webdesign</a:t>
             </a:r>
           </a:p>
@@ -3865,7 +4598,7 @@
               <a:buNone/>
             </a:pPr>
             <a:r>
-              <a:rPr lang="de-DE" dirty="0" smtClean="0"/>
+              <a:rPr lang="de-DE" sz="2800" b="1" dirty="0"/>
               <a:t>vs.</a:t>
             </a:r>
           </a:p>
@@ -3874,10 +4607,9 @@
               <a:buNone/>
             </a:pPr>
             <a:r>
-              <a:rPr lang="de-DE" dirty="0" smtClean="0"/>
+              <a:rPr lang="de-DE" sz="2800" b="1" dirty="0"/>
               <a:t>Adaptives Webdesign</a:t>
             </a:r>
-            <a:endParaRPr lang="de-DE" dirty="0"/>
           </a:p>
         </p:txBody>
       </p:sp>
@@ -3927,88 +4659,95 @@
           <a:lstStyle/>
           <a:p>
             <a:r>
-              <a:rPr lang="de-DE" dirty="0" smtClean="0"/>
+              <a:rPr lang="de-DE" dirty="0"/>
               <a:t>Mobile-First Webdesign</a:t>
             </a:r>
+          </a:p>
+        </p:txBody>
+      </p:sp>
+      <p:sp>
+        <p:nvSpPr>
+          <p:cNvPr id="3" name="Inhaltsplatzhalter 2"/>
+          <p:cNvSpPr>
+            <a:spLocks noGrp="1"/>
+          </p:cNvSpPr>
+          <p:nvPr>
+            <p:ph idx="1"/>
+          </p:nvPr>
+        </p:nvSpPr>
+        <p:spPr/>
+        <p:txBody>
+          <a:bodyPr>
+            <a:normAutofit/>
+          </a:bodyPr>
+          <a:lstStyle/>
+          <a:p>
+            <a:pPr>
+              <a:buFont typeface="Arial" panose="020B0604020202020204" pitchFamily="34" charset="0"/>
+              <a:buChar char="•"/>
+            </a:pPr>
+            <a:r>
+              <a:rPr lang="de-DE" dirty="0"/>
+              <a:t> modernster Ansatz</a:t>
+            </a:r>
+          </a:p>
+          <a:p>
+            <a:pPr>
+              <a:buFont typeface="Arial" panose="020B0604020202020204" pitchFamily="34" charset="0"/>
+              <a:buChar char="•"/>
+            </a:pPr>
+            <a:r>
+              <a:rPr lang="de-DE" dirty="0"/>
+              <a:t> die Website wird zuerst für das kleinste mobile Endgerät entwickelt</a:t>
+            </a:r>
+          </a:p>
+          <a:p>
+            <a:pPr>
+              <a:buFont typeface="Arial" panose="020B0604020202020204" pitchFamily="34" charset="0"/>
+              <a:buChar char="•"/>
+            </a:pPr>
+            <a:r>
+              <a:rPr lang="de-DE" dirty="0"/>
+              <a:t> im CSS werden zuerst (am Anfang der Datei) alle Einstellungen für das kleinste mobile Endgerät gemacht</a:t>
+            </a:r>
+          </a:p>
+          <a:p>
+            <a:pPr>
+              <a:buFont typeface="Arial" panose="020B0604020202020204" pitchFamily="34" charset="0"/>
+              <a:buChar char="•"/>
+            </a:pPr>
+            <a:r>
+              <a:rPr lang="de-DE" dirty="0"/>
+              <a:t> danach wird die Website für immer größere Endgeräte weiterentwickelt</a:t>
+            </a:r>
+          </a:p>
+          <a:p>
+            <a:pPr>
+              <a:buFont typeface="Arial" panose="020B0604020202020204" pitchFamily="34" charset="0"/>
+              <a:buChar char="•"/>
+            </a:pPr>
+            <a:r>
+              <a:rPr lang="de-DE" dirty="0"/>
+              <a:t> ergänzt sich meist gut mit Progressive Enhancement</a:t>
+            </a:r>
+          </a:p>
+          <a:p>
+            <a:pPr marL="0" indent="0">
+              <a:buNone/>
+            </a:pPr>
             <a:endParaRPr lang="de-DE" dirty="0"/>
           </a:p>
-        </p:txBody>
-      </p:sp>
-      <p:sp>
-        <p:nvSpPr>
-          <p:cNvPr id="3" name="Inhaltsplatzhalter 2"/>
-          <p:cNvSpPr>
-            <a:spLocks noGrp="1"/>
-          </p:cNvSpPr>
-          <p:nvPr>
-            <p:ph idx="1"/>
-          </p:nvPr>
-        </p:nvSpPr>
-        <p:spPr/>
-        <p:txBody>
-          <a:bodyPr>
-            <a:normAutofit fontScale="85000" lnSpcReduction="20000"/>
-          </a:bodyPr>
-          <a:lstStyle/>
-          <a:p>
+          <a:p>
+            <a:pPr marL="0" indent="0">
+              <a:buNone/>
+            </a:pPr>
+            <a:r>
+              <a:rPr lang="de-DE" b="1" dirty="0"/>
+              <a:t>Vorteil: </a:t>
+            </a:r>
             <a:r>
               <a:rPr lang="de-DE" dirty="0"/>
-              <a:t>m</a:t>
-            </a:r>
-            <a:r>
-              <a:rPr lang="de-DE" dirty="0" smtClean="0"/>
-              <a:t>odernster Ansatz</a:t>
-            </a:r>
-          </a:p>
-          <a:p>
-            <a:r>
-              <a:rPr lang="de-DE" dirty="0"/>
-              <a:t>d</a:t>
-            </a:r>
-            <a:r>
-              <a:rPr lang="de-DE" dirty="0" smtClean="0"/>
-              <a:t>ie Website wird zuerst für das kleinste mobile Endgerät entwickelt</a:t>
-            </a:r>
-          </a:p>
-          <a:p>
-            <a:r>
-              <a:rPr lang="de-DE" dirty="0"/>
-              <a:t>i</a:t>
-            </a:r>
-            <a:r>
-              <a:rPr lang="de-DE" dirty="0" smtClean="0"/>
-              <a:t>m CSS werden zuerst (am Anfang der Datei) alle Einstellungen für das kleinste mobile Endgerät gemacht</a:t>
-            </a:r>
-          </a:p>
-          <a:p>
-            <a:r>
-              <a:rPr lang="de-DE" dirty="0"/>
-              <a:t>d</a:t>
-            </a:r>
-            <a:r>
-              <a:rPr lang="de-DE" dirty="0" smtClean="0"/>
-              <a:t>anach wird die Website für immer größere Endgeräte weiterentwickelt</a:t>
-            </a:r>
-          </a:p>
-          <a:p>
-            <a:r>
-              <a:rPr lang="de-DE" dirty="0"/>
-              <a:t>e</a:t>
-            </a:r>
-            <a:r>
-              <a:rPr lang="de-DE" dirty="0" smtClean="0"/>
-              <a:t>rgänzt sich meist gut mit Progressive </a:t>
-            </a:r>
-            <a:r>
-              <a:rPr lang="de-DE" dirty="0" err="1" smtClean="0"/>
-              <a:t>Enhancement</a:t>
-            </a:r>
-            <a:endParaRPr lang="de-DE" dirty="0" smtClean="0"/>
-          </a:p>
-          <a:p>
-            <a:r>
-              <a:rPr lang="de-DE" dirty="0" smtClean="0"/>
-              <a:t>Vorteil: gut strukturierte, wenig „aufgeblähte“ CSS-Dateien und explizit für mobile Endgeräte optimiertes Design</a:t>
+              <a:t>gut strukturierte, wenig „aufgeblähte“ CSS-Dateien und explizit für mobile Endgeräte optimiertes Design</a:t>
             </a:r>
           </a:p>
         </p:txBody>
@@ -4059,122 +4798,114 @@
           <a:lstStyle/>
           <a:p>
             <a:r>
-              <a:rPr lang="de-DE" dirty="0" smtClean="0"/>
+              <a:rPr lang="de-DE" dirty="0"/>
               <a:t>Responsive Webdesign</a:t>
             </a:r>
+          </a:p>
+        </p:txBody>
+      </p:sp>
+      <p:sp>
+        <p:nvSpPr>
+          <p:cNvPr id="3" name="Inhaltsplatzhalter 2"/>
+          <p:cNvSpPr>
+            <a:spLocks noGrp="1"/>
+          </p:cNvSpPr>
+          <p:nvPr>
+            <p:ph idx="1"/>
+          </p:nvPr>
+        </p:nvSpPr>
+        <p:spPr/>
+        <p:txBody>
+          <a:bodyPr>
+            <a:normAutofit/>
+          </a:bodyPr>
+          <a:lstStyle/>
+          <a:p>
+            <a:pPr>
+              <a:buFont typeface="Arial" panose="020B0604020202020204" pitchFamily="34" charset="0"/>
+              <a:buChar char="•"/>
+            </a:pPr>
+            <a:r>
+              <a:rPr lang="de-DE" dirty="0"/>
+              <a:t> ebenfalls sehr moderner Ansatz</a:t>
+            </a:r>
+          </a:p>
+          <a:p>
+            <a:pPr>
+              <a:buFont typeface="Arial" panose="020B0604020202020204" pitchFamily="34" charset="0"/>
+              <a:buChar char="•"/>
+            </a:pPr>
+            <a:r>
+              <a:rPr lang="de-DE" dirty="0"/>
+              <a:t> Technik bei der sich die Website flexibel an jede erdenkliche Bildschirmgröße anpasst</a:t>
+            </a:r>
+          </a:p>
+          <a:p>
+            <a:pPr>
+              <a:buFont typeface="Arial" panose="020B0604020202020204" pitchFamily="34" charset="0"/>
+              <a:buChar char="•"/>
+            </a:pPr>
+            <a:r>
+              <a:rPr lang="de-DE" dirty="0"/>
+              <a:t> häufig werden Grid-Systeme verwendet (dazu später mehr)</a:t>
+            </a:r>
+          </a:p>
+          <a:p>
+            <a:pPr>
+              <a:buFont typeface="Arial" panose="020B0604020202020204" pitchFamily="34" charset="0"/>
+              <a:buChar char="•"/>
+            </a:pPr>
+            <a:r>
+              <a:rPr lang="de-DE" dirty="0"/>
+              <a:t> typisch sind  Media-</a:t>
+            </a:r>
+            <a:r>
+              <a:rPr lang="de-DE" dirty="0" err="1"/>
+              <a:t>Queries</a:t>
+            </a:r>
+            <a:r>
+              <a:rPr lang="de-DE" dirty="0"/>
+              <a:t> (dazu später mehr) und relative Größenangaben in %, </a:t>
+            </a:r>
+            <a:r>
+              <a:rPr lang="de-DE" dirty="0" err="1"/>
+              <a:t>em</a:t>
+            </a:r>
+            <a:r>
+              <a:rPr lang="de-DE" dirty="0"/>
+              <a:t> oder </a:t>
+            </a:r>
+            <a:r>
+              <a:rPr lang="de-DE" dirty="0" err="1"/>
+              <a:t>rem</a:t>
+            </a:r>
             <a:endParaRPr lang="de-DE" dirty="0"/>
           </a:p>
-        </p:txBody>
-      </p:sp>
-      <p:sp>
-        <p:nvSpPr>
-          <p:cNvPr id="3" name="Inhaltsplatzhalter 2"/>
-          <p:cNvSpPr>
-            <a:spLocks noGrp="1"/>
-          </p:cNvSpPr>
-          <p:nvPr>
-            <p:ph idx="1"/>
-          </p:nvPr>
-        </p:nvSpPr>
-        <p:spPr/>
-        <p:txBody>
-          <a:bodyPr>
-            <a:normAutofit fontScale="92500" lnSpcReduction="20000"/>
-          </a:bodyPr>
-          <a:lstStyle/>
-          <a:p>
-            <a:r>
-              <a:rPr lang="de-DE" dirty="0" smtClean="0"/>
-              <a:t>ebenfalls sehr moderner Ansatz</a:t>
-            </a:r>
-          </a:p>
-          <a:p>
-            <a:r>
-              <a:rPr lang="de-DE" dirty="0" smtClean="0"/>
-              <a:t>Technik bei der sich die Website flexibel an jede erdenkliche Bildschirmgröße anpasst</a:t>
-            </a:r>
-          </a:p>
-          <a:p>
+          <a:p>
+            <a:pPr>
+              <a:buFont typeface="Arial" panose="020B0604020202020204" pitchFamily="34" charset="0"/>
+              <a:buChar char="•"/>
+            </a:pPr>
             <a:r>
               <a:rPr lang="de-DE" dirty="0"/>
-              <a:t>h</a:t>
-            </a:r>
-            <a:r>
-              <a:rPr lang="de-DE" dirty="0" smtClean="0"/>
-              <a:t>äufig werden </a:t>
-            </a:r>
-            <a:r>
-              <a:rPr lang="de-DE" dirty="0" err="1" smtClean="0"/>
-              <a:t>Grid</a:t>
-            </a:r>
-            <a:r>
-              <a:rPr lang="de-DE" dirty="0" smtClean="0"/>
-              <a:t>-Systeme verwendet (dazu später mehr)</a:t>
-            </a:r>
-          </a:p>
-          <a:p>
+              <a:t> verwendet manchmal auch Graceful Degradation</a:t>
+            </a:r>
+          </a:p>
+          <a:p>
+            <a:endParaRPr lang="de-DE" dirty="0"/>
+          </a:p>
+          <a:p>
+            <a:pPr marL="0" indent="0">
+              <a:buNone/>
+            </a:pPr>
+            <a:r>
+              <a:rPr lang="de-DE" b="1" dirty="0"/>
+              <a:t>Vorteil: </a:t>
+            </a:r>
             <a:r>
               <a:rPr lang="de-DE" dirty="0"/>
-              <a:t>t</a:t>
-            </a:r>
-            <a:r>
-              <a:rPr lang="de-DE" dirty="0" smtClean="0"/>
-              <a:t>ypisch </a:t>
-            </a:r>
-            <a:r>
-              <a:rPr lang="de-DE" dirty="0" smtClean="0"/>
-              <a:t>sind  </a:t>
-            </a:r>
-            <a:r>
-              <a:rPr lang="de-DE" dirty="0" smtClean="0"/>
-              <a:t>Media-</a:t>
-            </a:r>
-            <a:r>
-              <a:rPr lang="de-DE" dirty="0" err="1" smtClean="0"/>
-              <a:t>Querys</a:t>
-            </a:r>
-            <a:r>
-              <a:rPr lang="de-DE" dirty="0" smtClean="0"/>
-              <a:t> (dazu später mehr) und relative Größenangaben in %, </a:t>
-            </a:r>
-            <a:r>
-              <a:rPr lang="de-DE" dirty="0" err="1" smtClean="0"/>
-              <a:t>em</a:t>
-            </a:r>
-            <a:r>
-              <a:rPr lang="de-DE" dirty="0" smtClean="0"/>
-              <a:t> oder </a:t>
-            </a:r>
-            <a:r>
-              <a:rPr lang="de-DE" dirty="0" err="1" smtClean="0"/>
-              <a:t>rem</a:t>
-            </a:r>
-            <a:endParaRPr lang="de-DE" dirty="0" smtClean="0"/>
-          </a:p>
-          <a:p>
-            <a:r>
-              <a:rPr lang="de-DE" dirty="0"/>
-              <a:t>v</a:t>
-            </a:r>
-            <a:r>
-              <a:rPr lang="de-DE" dirty="0" smtClean="0"/>
-              <a:t>erwendet manchmal auch </a:t>
-            </a:r>
-            <a:r>
-              <a:rPr lang="de-DE" dirty="0" err="1" smtClean="0"/>
-              <a:t>Graceful</a:t>
-            </a:r>
-            <a:r>
-              <a:rPr lang="de-DE" dirty="0" smtClean="0"/>
-              <a:t> Degradation</a:t>
-            </a:r>
-          </a:p>
-          <a:p>
-            <a:r>
-              <a:rPr lang="de-DE" dirty="0" smtClean="0"/>
-              <a:t>Vorteil: man muss nicht für jede neue Gerätegröße die Website umbauen</a:t>
-            </a:r>
-            <a:endParaRPr lang="de-DE" dirty="0"/>
+              <a:t>man muss nicht für jede neue Gerätegröße die Website umbauen</a:t>
+            </a:r>
           </a:p>
         </p:txBody>
       </p:sp>
@@ -4224,10 +4955,9 @@
           <a:lstStyle/>
           <a:p>
             <a:r>
-              <a:rPr lang="de-DE" dirty="0" smtClean="0"/>
+              <a:rPr lang="de-DE" dirty="0"/>
               <a:t>Adaptives Webdesign</a:t>
             </a:r>
-            <a:endParaRPr lang="de-DE" dirty="0"/>
           </a:p>
         </p:txBody>
       </p:sp>
@@ -4248,35 +4978,48 @@
           </a:bodyPr>
           <a:lstStyle/>
           <a:p>
-            <a:r>
-              <a:rPr lang="de-DE" sz="3000" dirty="0" smtClean="0"/>
-              <a:t>Seite wird mit starrem Layout für bestimmte Bildschirmgrößen optimiert (z.B. eine Version für Desktop, eine für iPad, eine für Samsung </a:t>
-            </a:r>
-            <a:r>
-              <a:rPr lang="de-DE" sz="3000" dirty="0" err="1" smtClean="0"/>
+            <a:pPr>
+              <a:buFont typeface="Arial" panose="020B0604020202020204" pitchFamily="34" charset="0"/>
+              <a:buChar char="•"/>
+            </a:pPr>
+            <a:r>
+              <a:rPr lang="de-DE" dirty="0"/>
+              <a:t> Seite wird mit starrem Layout für bestimmte Bildschirmgrößen optimiert (z.B. eine Version für Desktop, eine für iPad, eine für Samsung </a:t>
+            </a:r>
+            <a:r>
+              <a:rPr lang="de-DE" dirty="0" err="1"/>
               <a:t>Galaxy</a:t>
             </a:r>
             <a:r>
-              <a:rPr lang="de-DE" sz="3000" dirty="0" smtClean="0"/>
+              <a:rPr lang="de-DE" dirty="0"/>
               <a:t>)</a:t>
             </a:r>
           </a:p>
           <a:p>
-            <a:r>
-              <a:rPr lang="de-DE" sz="3000" dirty="0"/>
-              <a:t>w</a:t>
-            </a:r>
-            <a:r>
-              <a:rPr lang="de-DE" sz="3000" dirty="0" smtClean="0"/>
-              <a:t>ird heute FAST NIE verwendet</a:t>
-            </a:r>
-          </a:p>
-          <a:p>
-            <a:r>
-              <a:rPr lang="de-DE" sz="3000" dirty="0" smtClean="0"/>
-              <a:t>Nachteil: Sehr aufwendig und wenig flexibel (anfällig für Probleme)</a:t>
-            </a:r>
-            <a:endParaRPr lang="de-DE" sz="3000" dirty="0"/>
+            <a:pPr>
+              <a:buFont typeface="Arial" panose="020B0604020202020204" pitchFamily="34" charset="0"/>
+              <a:buChar char="•"/>
+            </a:pPr>
+            <a:r>
+              <a:rPr lang="de-DE" dirty="0"/>
+              <a:t> wird heute FAST NIE verwendet</a:t>
+            </a:r>
+          </a:p>
+          <a:p>
+            <a:endParaRPr lang="de-DE" dirty="0"/>
+          </a:p>
+          <a:p>
+            <a:pPr marL="0" indent="0">
+              <a:buNone/>
+            </a:pPr>
+            <a:r>
+              <a:rPr lang="de-DE" b="1" dirty="0"/>
+              <a:t>Nachteil: </a:t>
+            </a:r>
+            <a:r>
+              <a:rPr lang="de-DE" dirty="0"/>
+              <a:t>Sehr aufwendig und wenig flexibel (anfällig für Probleme)</a:t>
+            </a:r>
           </a:p>
         </p:txBody>
       </p:sp>
@@ -4326,36 +5069,70 @@
           <a:lstStyle/>
           <a:p>
             <a:r>
-              <a:rPr lang="de-DE" dirty="0" smtClean="0"/>
+              <a:rPr lang="de-DE" dirty="0"/>
               <a:t>Was sollte man wann verwenden?</a:t>
             </a:r>
+          </a:p>
+        </p:txBody>
+      </p:sp>
+      <p:sp>
+        <p:nvSpPr>
+          <p:cNvPr id="3" name="Inhaltsplatzhalter 2"/>
+          <p:cNvSpPr>
+            <a:spLocks noGrp="1"/>
+          </p:cNvSpPr>
+          <p:nvPr>
+            <p:ph idx="1"/>
+          </p:nvPr>
+        </p:nvSpPr>
+        <p:spPr/>
+        <p:txBody>
+          <a:bodyPr>
+            <a:normAutofit/>
+          </a:bodyPr>
+          <a:lstStyle/>
+          <a:p>
+            <a:pPr marL="0" indent="0">
+              <a:buNone/>
+            </a:pPr>
+            <a:r>
+              <a:rPr lang="de-DE" b="1" dirty="0"/>
+              <a:t>Mobile-First Webdesign</a:t>
+            </a:r>
+          </a:p>
+          <a:p>
+            <a:pPr>
+              <a:buFont typeface="Arial" panose="020B0604020202020204" pitchFamily="34" charset="0"/>
+              <a:buChar char="•"/>
+            </a:pPr>
+            <a:r>
+              <a:rPr lang="de-DE" dirty="0"/>
+              <a:t> perfekt, wenn es sich um Website für hauptsächlich mobile Endgeräte handelt</a:t>
+            </a:r>
+          </a:p>
+          <a:p>
+            <a:pPr marL="0" indent="0">
+              <a:buNone/>
+            </a:pPr>
             <a:endParaRPr lang="de-DE" dirty="0"/>
           </a:p>
-        </p:txBody>
-      </p:sp>
-      <p:sp>
-        <p:nvSpPr>
-          <p:cNvPr id="3" name="Inhaltsplatzhalter 2"/>
-          <p:cNvSpPr>
-            <a:spLocks noGrp="1"/>
-          </p:cNvSpPr>
-          <p:nvPr>
-            <p:ph idx="1"/>
-          </p:nvPr>
-        </p:nvSpPr>
-        <p:spPr/>
-        <p:txBody>
-          <a:bodyPr>
-            <a:normAutofit fontScale="85000" lnSpcReduction="20000"/>
-          </a:bodyPr>
-          <a:lstStyle/>
           <a:p>
             <a:pPr marL="0" indent="0">
               <a:buNone/>
             </a:pPr>
             <a:r>
-              <a:rPr lang="de-DE" dirty="0" smtClean="0"/>
-              <a:t>Mobile-First Webdesign</a:t>
+              <a:rPr lang="de-DE" b="1" dirty="0"/>
+              <a:t>Responsive Webdesign</a:t>
+            </a:r>
+          </a:p>
+          <a:p>
+            <a:pPr>
+              <a:buFont typeface="Arial" panose="020B0604020202020204" pitchFamily="34" charset="0"/>
+              <a:buChar char="•"/>
+            </a:pPr>
+            <a:r>
+              <a:rPr lang="de-DE" dirty="0"/>
+              <a:t> perfekt, wenn die Website auf allen Geräten gut aussehen soll</a:t>
             </a:r>
           </a:p>
           <a:p>
@@ -4363,60 +5140,25 @@
               <a:buFontTx/>
               <a:buChar char="-"/>
             </a:pPr>
-            <a:r>
-              <a:rPr lang="de-DE" dirty="0" smtClean="0"/>
-              <a:t>perfekt, wenn es sich um Website für hauptsächlich mobile Endgeräte handelt</a:t>
-            </a:r>
+            <a:endParaRPr lang="de-DE" dirty="0"/>
           </a:p>
           <a:p>
             <a:pPr marL="0" indent="0">
               <a:buNone/>
             </a:pPr>
-            <a:endParaRPr lang="de-DE" dirty="0" smtClean="0"/>
-          </a:p>
-          <a:p>
-            <a:pPr marL="0" indent="0">
-              <a:buNone/>
-            </a:pPr>
-            <a:r>
-              <a:rPr lang="de-DE" dirty="0" smtClean="0"/>
-              <a:t>Responsive Webdesign</a:t>
+            <a:r>
+              <a:rPr lang="de-DE" b="1" dirty="0"/>
+              <a:t>Adaptives Webdesign</a:t>
             </a:r>
           </a:p>
           <a:p>
             <a:pPr>
-              <a:buFontTx/>
-              <a:buChar char="-"/>
-            </a:pPr>
-            <a:r>
-              <a:rPr lang="de-DE" dirty="0" smtClean="0"/>
-              <a:t>perfekt, wenn die Website auf allen Geräten gut aussehen soll</a:t>
-            </a:r>
-          </a:p>
-          <a:p>
-            <a:pPr>
-              <a:buFontTx/>
-              <a:buChar char="-"/>
-            </a:pPr>
-            <a:endParaRPr lang="de-DE" dirty="0"/>
-          </a:p>
-          <a:p>
-            <a:pPr marL="0" indent="0">
-              <a:buNone/>
-            </a:pPr>
-            <a:r>
-              <a:rPr lang="de-DE" dirty="0" smtClean="0"/>
-              <a:t>Adaptives Webdesign</a:t>
-            </a:r>
-          </a:p>
-          <a:p>
-            <a:pPr>
-              <a:buFontTx/>
-              <a:buChar char="-"/>
-            </a:pPr>
-            <a:r>
-              <a:rPr lang="de-DE" dirty="0" smtClean="0"/>
-              <a:t>Eigentlich keine Verwendung (außer bei sehr einfachen und kleinen Projekten)</a:t>
+              <a:buFont typeface="Arial" panose="020B0604020202020204" pitchFamily="34" charset="0"/>
+              <a:buChar char="•"/>
+            </a:pPr>
+            <a:r>
+              <a:rPr lang="de-DE" dirty="0"/>
+              <a:t> Eigentlich keine Verwendung (außer bei sehr einfachen und kleinen Projekten)</a:t>
             </a:r>
           </a:p>
           <a:p>
@@ -4438,49 +5180,49 @@
 </file>
 
 <file path=ppt/theme/theme1.xml><?xml version="1.0" encoding="utf-8"?>
-<a:theme xmlns:a="http://schemas.openxmlformats.org/drawingml/2006/main" name="Larissa">
+<a:theme xmlns:a="http://schemas.openxmlformats.org/drawingml/2006/main" name="Rückblick">
   <a:themeElements>
-    <a:clrScheme name="Larissa">
+    <a:clrScheme name="Rückblick">
       <a:dk1>
-        <a:sysClr val="windowText" lastClr="000000"/>
+        <a:srgbClr val="000000"/>
       </a:dk1>
       <a:lt1>
         <a:sysClr val="window" lastClr="FFFFFF"/>
       </a:lt1>
       <a:dk2>
-        <a:srgbClr val="1F497D"/>
+        <a:srgbClr val="637052"/>
       </a:dk2>
       <a:lt2>
-        <a:srgbClr val="EEECE1"/>
+        <a:srgbClr val="CCDDEA"/>
       </a:lt2>
       <a:accent1>
-        <a:srgbClr val="4F81BD"/>
+        <a:srgbClr val="E48312"/>
       </a:accent1>
       <a:accent2>
-        <a:srgbClr val="C0504D"/>
+        <a:srgbClr val="BD582C"/>
       </a:accent2>
       <a:accent3>
-        <a:srgbClr val="9BBB59"/>
+        <a:srgbClr val="865640"/>
       </a:accent3>
       <a:accent4>
-        <a:srgbClr val="8064A2"/>
+        <a:srgbClr val="9B8357"/>
       </a:accent4>
       <a:accent5>
-        <a:srgbClr val="4BACC6"/>
+        <a:srgbClr val="C2BC80"/>
       </a:accent5>
       <a:accent6>
-        <a:srgbClr val="F79646"/>
+        <a:srgbClr val="94A088"/>
       </a:accent6>
       <a:hlink>
-        <a:srgbClr val="0000FF"/>
+        <a:srgbClr val="2998E3"/>
       </a:hlink>
       <a:folHlink>
-        <a:srgbClr val="800080"/>
+        <a:srgbClr val="8C8C8C"/>
       </a:folHlink>
     </a:clrScheme>
-    <a:fontScheme name="Larissa">
+    <a:fontScheme name="Rückblick">
       <a:majorFont>
-        <a:latin typeface="Calibri"/>
+        <a:latin typeface="Calibri Light" panose="020F0302020204030204"/>
         <a:ea typeface=""/>
         <a:cs typeface=""/>
         <a:font script="Jpan" typeface="ＭＳ Ｐゴシック"/>
@@ -4515,7 +5257,7 @@
         <a:font script="Geor" typeface="Sylfaen"/>
       </a:majorFont>
       <a:minorFont>
-        <a:latin typeface="Calibri"/>
+        <a:latin typeface="Calibri" panose="020F0502020204030204"/>
         <a:ea typeface=""/>
         <a:cs typeface=""/>
         <a:font script="Jpan" typeface="ＭＳ Ｐゴシック"/>
@@ -4550,7 +5292,7 @@
         <a:font script="Geor" typeface="Sylfaen"/>
       </a:minorFont>
     </a:fontScheme>
-    <a:fmtScheme name="Larissa">
+    <a:fmtScheme name="Rückblick">
       <a:fillStyleLst>
         <a:solidFill>
           <a:schemeClr val="phClr"/>
@@ -4559,56 +5301,73 @@
           <a:gsLst>
             <a:gs pos="0">
               <a:schemeClr val="phClr">
-                <a:tint val="50000"/>
-                <a:satMod val="300000"/>
+                <a:tint val="65000"/>
+                <a:shade val="92000"/>
+                <a:satMod val="130000"/>
               </a:schemeClr>
             </a:gs>
-            <a:gs pos="35000">
+            <a:gs pos="45000">
               <a:schemeClr val="phClr">
-                <a:tint val="37000"/>
-                <a:satMod val="300000"/>
+                <a:tint val="60000"/>
+                <a:shade val="99000"/>
+                <a:satMod val="120000"/>
               </a:schemeClr>
             </a:gs>
             <a:gs pos="100000">
               <a:schemeClr val="phClr">
-                <a:tint val="15000"/>
-                <a:satMod val="350000"/>
+                <a:tint val="55000"/>
+                <a:satMod val="140000"/>
               </a:schemeClr>
             </a:gs>
           </a:gsLst>
-          <a:lin ang="16200000" scaled="1"/>
+          <a:path path="circle">
+            <a:fillToRect l="100000" t="100000" r="100000" b="100000"/>
+          </a:path>
         </a:gradFill>
         <a:gradFill rotWithShape="1">
           <a:gsLst>
             <a:gs pos="0">
               <a:schemeClr val="phClr">
-                <a:shade val="51000"/>
+                <a:shade val="85000"/>
                 <a:satMod val="130000"/>
               </a:schemeClr>
             </a:gs>
-            <a:gs pos="80000">
+            <a:gs pos="34000">
               <a:schemeClr val="phClr">
-                <a:shade val="93000"/>
+                <a:shade val="87000"/>
+                <a:satMod val="125000"/>
+              </a:schemeClr>
+            </a:gs>
+            <a:gs pos="70000">
+              <a:schemeClr val="phClr">
+                <a:tint val="100000"/>
+                <a:shade val="90000"/>
                 <a:satMod val="130000"/>
               </a:schemeClr>
             </a:gs>
             <a:gs pos="100000">
               <a:schemeClr val="phClr">
-                <a:shade val="94000"/>
-                <a:satMod val="135000"/>
+                <a:tint val="100000"/>
+                <a:shade val="100000"/>
+                <a:satMod val="110000"/>
               </a:schemeClr>
             </a:gs>
           </a:gsLst>
-          <a:lin ang="16200000" scaled="0"/>
+          <a:path path="circle">
+            <a:fillToRect l="100000" t="100000" r="100000" b="100000"/>
+          </a:path>
         </a:gradFill>
       </a:fillStyleLst>
       <a:lnStyleLst>
-        <a:ln w="9525" cap="flat" cmpd="sng" algn="ctr">
+        <a:ln w="12700" cap="flat" cmpd="sng" algn="ctr">
           <a:solidFill>
-            <a:schemeClr val="phClr">
-              <a:shade val="95000"/>
-              <a:satMod val="105000"/>
-            </a:schemeClr>
+            <a:schemeClr val="phClr"/>
+          </a:solidFill>
+          <a:prstDash val="solid"/>
+        </a:ln>
+        <a:ln w="15875" cap="flat" cmpd="sng" algn="ctr">
+          <a:solidFill>
+            <a:schemeClr val="phClr"/>
           </a:solidFill>
           <a:prstDash val="solid"/>
         </a:ln>
@@ -4618,37 +5377,25 @@
           </a:solidFill>
           <a:prstDash val="solid"/>
         </a:ln>
-        <a:ln w="38100" cap="flat" cmpd="sng" algn="ctr">
-          <a:solidFill>
-            <a:schemeClr val="phClr"/>
-          </a:solidFill>
-          <a:prstDash val="solid"/>
-        </a:ln>
       </a:lnStyleLst>
       <a:effectStyleLst>
         <a:effectStyle>
+          <a:effectLst/>
+        </a:effectStyle>
+        <a:effectStyle>
           <a:effectLst>
-            <a:outerShdw blurRad="40000" dist="20000" dir="5400000" rotWithShape="0">
+            <a:outerShdw blurRad="38100" dist="25400" dir="2700000" algn="br" rotWithShape="0">
               <a:srgbClr val="000000">
-                <a:alpha val="38000"/>
+                <a:alpha val="60000"/>
               </a:srgbClr>
             </a:outerShdw>
           </a:effectLst>
         </a:effectStyle>
         <a:effectStyle>
           <a:effectLst>
-            <a:outerShdw blurRad="40000" dist="23000" dir="5400000" rotWithShape="0">
+            <a:outerShdw blurRad="44450" dist="25400" dir="2700000" algn="br" rotWithShape="0">
               <a:srgbClr val="000000">
-                <a:alpha val="35000"/>
-              </a:srgbClr>
-            </a:outerShdw>
-          </a:effectLst>
-        </a:effectStyle>
-        <a:effectStyle>
-          <a:effectLst>
-            <a:outerShdw blurRad="40000" dist="23000" dir="5400000" rotWithShape="0">
-              <a:srgbClr val="000000">
-                <a:alpha val="35000"/>
+                <a:alpha val="60000"/>
               </a:srgbClr>
             </a:outerShdw>
           </a:effectLst>
@@ -4657,11 +5404,11 @@
               <a:rot lat="0" lon="0" rev="0"/>
             </a:camera>
             <a:lightRig rig="threePt" dir="t">
-              <a:rot lat="0" lon="0" rev="1200000"/>
+              <a:rot lat="0" lon="0" rev="19800000"/>
             </a:lightRig>
           </a:scene3d>
-          <a:sp3d>
-            <a:bevelT w="63500" h="25400"/>
+          <a:sp3d prstMaterial="flat">
+            <a:bevelT w="25400" h="31750"/>
           </a:sp3d>
         </a:effectStyle>
       </a:effectStyleLst>
@@ -4669,55 +5416,48 @@
         <a:solidFill>
           <a:schemeClr val="phClr"/>
         </a:solidFill>
+        <a:solidFill>
+          <a:schemeClr val="phClr">
+            <a:tint val="90000"/>
+            <a:shade val="97000"/>
+            <a:satMod val="130000"/>
+          </a:schemeClr>
+        </a:solidFill>
         <a:gradFill rotWithShape="1">
           <a:gsLst>
             <a:gs pos="0">
               <a:schemeClr val="phClr">
-                <a:tint val="40000"/>
-                <a:satMod val="350000"/>
+                <a:tint val="96000"/>
+                <a:shade val="99000"/>
+                <a:satMod val="140000"/>
               </a:schemeClr>
             </a:gs>
-            <a:gs pos="40000">
+            <a:gs pos="65000">
               <a:schemeClr val="phClr">
-                <a:tint val="45000"/>
-                <a:shade val="99000"/>
-                <a:satMod val="350000"/>
+                <a:tint val="100000"/>
+                <a:shade val="80000"/>
+                <a:satMod val="130000"/>
               </a:schemeClr>
             </a:gs>
             <a:gs pos="100000">
               <a:schemeClr val="phClr">
-                <a:shade val="20000"/>
-                <a:satMod val="255000"/>
+                <a:tint val="100000"/>
+                <a:shade val="48000"/>
+                <a:satMod val="120000"/>
               </a:schemeClr>
             </a:gs>
           </a:gsLst>
-          <a:path path="circle">
-            <a:fillToRect l="50000" t="-80000" r="50000" b="180000"/>
-          </a:path>
-        </a:gradFill>
-        <a:gradFill rotWithShape="1">
-          <a:gsLst>
-            <a:gs pos="0">
-              <a:schemeClr val="phClr">
-                <a:tint val="80000"/>
-                <a:satMod val="300000"/>
-              </a:schemeClr>
-            </a:gs>
-            <a:gs pos="100000">
-              <a:schemeClr val="phClr">
-                <a:shade val="30000"/>
-                <a:satMod val="200000"/>
-              </a:schemeClr>
-            </a:gs>
-          </a:gsLst>
-          <a:path path="circle">
-            <a:fillToRect l="50000" t="50000" r="50000" b="50000"/>
-          </a:path>
+          <a:lin ang="16200000" scaled="0"/>
         </a:gradFill>
       </a:bgFillStyleLst>
     </a:fmtScheme>
   </a:themeElements>
   <a:objectDefaults/>
   <a:extraClrSchemeLst/>
+  <a:extLst>
+    <a:ext uri="{05A4C25C-085E-4340-85A3-A5531E510DB2}">
+      <thm15:themeFamily xmlns:thm15="http://schemas.microsoft.com/office/thememl/2012/main" name="Retrospect" id="{5F128B03-DCCA-4EEB-AB3B-CF2899314A46}" vid="{3F1AAB62-24C6-49D2-8E01-B56FAC9A3DCD}"/>
+    </a:ext>
+  </a:extLst>
 </a:theme>
 </file>